--- a/slide/week3/3.CNN.pptx
+++ b/slide/week3/3.CNN.pptx
@@ -5,40 +5,43 @@
     <p:sldMasterId id="2147483648" r:id="rId1"/>
   </p:sldMasterIdLst>
   <p:notesMasterIdLst>
-    <p:notesMasterId r:id="rId33"/>
+    <p:notesMasterId r:id="rId36"/>
   </p:notesMasterIdLst>
   <p:sldIdLst>
     <p:sldId id="256" r:id="rId2"/>
     <p:sldId id="266" r:id="rId3"/>
     <p:sldId id="257" r:id="rId4"/>
-    <p:sldId id="258" r:id="rId5"/>
-    <p:sldId id="259" r:id="rId6"/>
-    <p:sldId id="260" r:id="rId7"/>
-    <p:sldId id="261" r:id="rId8"/>
-    <p:sldId id="267" r:id="rId9"/>
+    <p:sldId id="289" r:id="rId5"/>
+    <p:sldId id="258" r:id="rId6"/>
+    <p:sldId id="259" r:id="rId7"/>
+    <p:sldId id="260" r:id="rId8"/>
+    <p:sldId id="261" r:id="rId9"/>
     <p:sldId id="262" r:id="rId10"/>
-    <p:sldId id="268" r:id="rId11"/>
-    <p:sldId id="263" r:id="rId12"/>
-    <p:sldId id="265" r:id="rId13"/>
-    <p:sldId id="264" r:id="rId14"/>
-    <p:sldId id="269" r:id="rId15"/>
-    <p:sldId id="270" r:id="rId16"/>
-    <p:sldId id="271" r:id="rId17"/>
-    <p:sldId id="272" r:id="rId18"/>
-    <p:sldId id="273" r:id="rId19"/>
-    <p:sldId id="274" r:id="rId20"/>
-    <p:sldId id="275" r:id="rId21"/>
-    <p:sldId id="284" r:id="rId22"/>
-    <p:sldId id="277" r:id="rId23"/>
-    <p:sldId id="285" r:id="rId24"/>
-    <p:sldId id="286" r:id="rId25"/>
-    <p:sldId id="279" r:id="rId26"/>
-    <p:sldId id="287" r:id="rId27"/>
-    <p:sldId id="288" r:id="rId28"/>
-    <p:sldId id="281" r:id="rId29"/>
-    <p:sldId id="282" r:id="rId30"/>
-    <p:sldId id="283" r:id="rId31"/>
-    <p:sldId id="276" r:id="rId32"/>
+    <p:sldId id="263" r:id="rId11"/>
+    <p:sldId id="265" r:id="rId12"/>
+    <p:sldId id="264" r:id="rId13"/>
+    <p:sldId id="291" r:id="rId14"/>
+    <p:sldId id="292" r:id="rId15"/>
+    <p:sldId id="269" r:id="rId16"/>
+    <p:sldId id="270" r:id="rId17"/>
+    <p:sldId id="271" r:id="rId18"/>
+    <p:sldId id="272" r:id="rId19"/>
+    <p:sldId id="273" r:id="rId20"/>
+    <p:sldId id="274" r:id="rId21"/>
+    <p:sldId id="293" r:id="rId22"/>
+    <p:sldId id="294" r:id="rId23"/>
+    <p:sldId id="275" r:id="rId24"/>
+    <p:sldId id="284" r:id="rId25"/>
+    <p:sldId id="277" r:id="rId26"/>
+    <p:sldId id="285" r:id="rId27"/>
+    <p:sldId id="279" r:id="rId28"/>
+    <p:sldId id="286" r:id="rId29"/>
+    <p:sldId id="287" r:id="rId30"/>
+    <p:sldId id="288" r:id="rId31"/>
+    <p:sldId id="281" r:id="rId32"/>
+    <p:sldId id="282" r:id="rId33"/>
+    <p:sldId id="283" r:id="rId34"/>
+    <p:sldId id="276" r:id="rId35"/>
   </p:sldIdLst>
   <p:sldSz cx="12192000" cy="6858000"/>
   <p:notesSz cx="6858000" cy="9144000"/>
@@ -145,28 +148,31 @@
             <p14:sldId id="256"/>
             <p14:sldId id="266"/>
             <p14:sldId id="257"/>
+            <p14:sldId id="289"/>
             <p14:sldId id="258"/>
             <p14:sldId id="259"/>
             <p14:sldId id="260"/>
             <p14:sldId id="261"/>
-            <p14:sldId id="267"/>
             <p14:sldId id="262"/>
-            <p14:sldId id="268"/>
             <p14:sldId id="263"/>
             <p14:sldId id="265"/>
             <p14:sldId id="264"/>
+            <p14:sldId id="291"/>
+            <p14:sldId id="292"/>
             <p14:sldId id="269"/>
             <p14:sldId id="270"/>
             <p14:sldId id="271"/>
             <p14:sldId id="272"/>
             <p14:sldId id="273"/>
             <p14:sldId id="274"/>
+            <p14:sldId id="293"/>
+            <p14:sldId id="294"/>
             <p14:sldId id="275"/>
             <p14:sldId id="284"/>
             <p14:sldId id="277"/>
             <p14:sldId id="285"/>
+            <p14:sldId id="279"/>
             <p14:sldId id="286"/>
-            <p14:sldId id="279"/>
             <p14:sldId id="287"/>
             <p14:sldId id="288"/>
             <p14:sldId id="281"/>
@@ -266,7 +272,7 @@
           <a:p>
             <a:fld id="{52C3A5EF-0696-40C8-A9A8-F36DF99CD7A1}" type="datetimeFigureOut">
               <a:rPr lang="en-US" smtClean="0"/>
-              <a:t>5/28/2022</a:t>
+              <a:t>6/16/2022</a:t>
             </a:fld>
             <a:endParaRPr lang="en-US"/>
           </a:p>
@@ -622,6 +628,418 @@
 </p:notes>
 </file>
 
+<file path=ppt/notesSlides/notesSlide10.xml><?xml version="1.0" encoding="utf-8"?>
+<p:notes xmlns:a="http://schemas.openxmlformats.org/drawingml/2006/main" xmlns:r="http://schemas.openxmlformats.org/officeDocument/2006/relationships" xmlns:p="http://schemas.openxmlformats.org/presentationml/2006/main">
+  <p:cSld>
+    <p:spTree>
+      <p:nvGrpSpPr>
+        <p:cNvPr id="1" name=""/>
+        <p:cNvGrpSpPr/>
+        <p:nvPr/>
+      </p:nvGrpSpPr>
+      <p:grpSpPr>
+        <a:xfrm>
+          <a:off x="0" y="0"/>
+          <a:ext cx="0" cy="0"/>
+          <a:chOff x="0" y="0"/>
+          <a:chExt cx="0" cy="0"/>
+        </a:xfrm>
+      </p:grpSpPr>
+      <p:sp>
+        <p:nvSpPr>
+          <p:cNvPr id="2" name="Slide Image Placeholder 1"/>
+          <p:cNvSpPr>
+            <a:spLocks noGrp="1" noRot="1" noChangeAspect="1"/>
+          </p:cNvSpPr>
+          <p:nvPr>
+            <p:ph type="sldImg"/>
+          </p:nvPr>
+        </p:nvSpPr>
+        <p:spPr/>
+      </p:sp>
+      <p:sp>
+        <p:nvSpPr>
+          <p:cNvPr id="3" name="Notes Placeholder 2"/>
+          <p:cNvSpPr>
+            <a:spLocks noGrp="1"/>
+          </p:cNvSpPr>
+          <p:nvPr>
+            <p:ph type="body" idx="1"/>
+          </p:nvPr>
+        </p:nvSpPr>
+        <p:spPr/>
+        <p:txBody>
+          <a:bodyPr/>
+          <a:lstStyle/>
+          <a:p>
+            <a:endParaRPr lang="en-US" dirty="0"/>
+          </a:p>
+        </p:txBody>
+      </p:sp>
+      <p:sp>
+        <p:nvSpPr>
+          <p:cNvPr id="4" name="Slide Number Placeholder 3"/>
+          <p:cNvSpPr>
+            <a:spLocks noGrp="1"/>
+          </p:cNvSpPr>
+          <p:nvPr>
+            <p:ph type="sldNum" sz="quarter" idx="10"/>
+          </p:nvPr>
+        </p:nvSpPr>
+        <p:spPr/>
+        <p:txBody>
+          <a:bodyPr/>
+          <a:lstStyle/>
+          <a:p>
+            <a:fld id="{1F03363C-98F8-41C4-ADB8-29A3C82B2660}" type="slidenum">
+              <a:rPr lang="en-US" smtClean="0"/>
+              <a:t>22</a:t>
+            </a:fld>
+            <a:endParaRPr lang="en-US"/>
+          </a:p>
+        </p:txBody>
+      </p:sp>
+    </p:spTree>
+    <p:extLst>
+      <p:ext uri="{BB962C8B-B14F-4D97-AF65-F5344CB8AC3E}">
+        <p14:creationId xmlns:p14="http://schemas.microsoft.com/office/powerpoint/2010/main" val="3167437045"/>
+      </p:ext>
+    </p:extLst>
+  </p:cSld>
+  <p:clrMapOvr>
+    <a:masterClrMapping/>
+  </p:clrMapOvr>
+</p:notes>
+</file>
+
+<file path=ppt/notesSlides/notesSlide11.xml><?xml version="1.0" encoding="utf-8"?>
+<p:notes xmlns:a="http://schemas.openxmlformats.org/drawingml/2006/main" xmlns:r="http://schemas.openxmlformats.org/officeDocument/2006/relationships" xmlns:p="http://schemas.openxmlformats.org/presentationml/2006/main">
+  <p:cSld>
+    <p:spTree>
+      <p:nvGrpSpPr>
+        <p:cNvPr id="1" name=""/>
+        <p:cNvGrpSpPr/>
+        <p:nvPr/>
+      </p:nvGrpSpPr>
+      <p:grpSpPr>
+        <a:xfrm>
+          <a:off x="0" y="0"/>
+          <a:ext cx="0" cy="0"/>
+          <a:chOff x="0" y="0"/>
+          <a:chExt cx="0" cy="0"/>
+        </a:xfrm>
+      </p:grpSpPr>
+      <p:sp>
+        <p:nvSpPr>
+          <p:cNvPr id="2" name="Slide Image Placeholder 1"/>
+          <p:cNvSpPr>
+            <a:spLocks noGrp="1" noRot="1" noChangeAspect="1"/>
+          </p:cNvSpPr>
+          <p:nvPr>
+            <p:ph type="sldImg"/>
+          </p:nvPr>
+        </p:nvSpPr>
+        <p:spPr/>
+      </p:sp>
+      <p:sp>
+        <p:nvSpPr>
+          <p:cNvPr id="3" name="Notes Placeholder 2"/>
+          <p:cNvSpPr>
+            <a:spLocks noGrp="1"/>
+          </p:cNvSpPr>
+          <p:nvPr>
+            <p:ph type="body" idx="1"/>
+          </p:nvPr>
+        </p:nvSpPr>
+        <p:spPr/>
+        <p:txBody>
+          <a:bodyPr/>
+          <a:lstStyle/>
+          <a:p>
+            <a:r>
+              <a:rPr lang="en-US" sz="1200" b="0" i="0" kern="1200" dirty="0" smtClean="0">
+                <a:solidFill>
+                  <a:schemeClr val="tx1"/>
+                </a:solidFill>
+                <a:effectLst/>
+                <a:latin typeface="+mn-lt"/>
+                <a:ea typeface="+mn-ea"/>
+                <a:cs typeface="+mn-cs"/>
+              </a:rPr>
+              <a:t>Nested function classes are desirable. Learning an additional layer in deep neural networks as an identity function (though this is an extreme case) should be made easy.</a:t>
+            </a:r>
+          </a:p>
+          <a:p>
+            <a:r>
+              <a:rPr lang="en-US" sz="1200" b="0" i="0" kern="1200" dirty="0" smtClean="0">
+                <a:solidFill>
+                  <a:schemeClr val="tx1"/>
+                </a:solidFill>
+                <a:effectLst/>
+                <a:latin typeface="+mn-lt"/>
+                <a:ea typeface="+mn-ea"/>
+                <a:cs typeface="+mn-cs"/>
+              </a:rPr>
+              <a:t>The residual mapping can learn the identity function more easily, such as pushing parameters in the weight layer to zero.</a:t>
+            </a:r>
+          </a:p>
+          <a:p>
+            <a:r>
+              <a:rPr lang="en-US" sz="1200" b="0" i="0" kern="1200" dirty="0" smtClean="0">
+                <a:solidFill>
+                  <a:schemeClr val="tx1"/>
+                </a:solidFill>
+                <a:effectLst/>
+                <a:latin typeface="+mn-lt"/>
+                <a:ea typeface="+mn-ea"/>
+                <a:cs typeface="+mn-cs"/>
+              </a:rPr>
+              <a:t>We can train an effective deep neural network by having residual blocks. Inputs can forward propagate faster through the residual connections across layers.</a:t>
+            </a:r>
+          </a:p>
+          <a:p>
+            <a:r>
+              <a:rPr lang="en-US" sz="1200" b="0" i="0" kern="1200" dirty="0" err="1" smtClean="0">
+                <a:solidFill>
+                  <a:schemeClr val="tx1"/>
+                </a:solidFill>
+                <a:effectLst/>
+                <a:latin typeface="+mn-lt"/>
+                <a:ea typeface="+mn-ea"/>
+                <a:cs typeface="+mn-cs"/>
+              </a:rPr>
+              <a:t>ResNet</a:t>
+            </a:r>
+            <a:r>
+              <a:rPr lang="en-US" sz="1200" b="0" i="0" kern="1200" dirty="0" smtClean="0">
+                <a:solidFill>
+                  <a:schemeClr val="tx1"/>
+                </a:solidFill>
+                <a:effectLst/>
+                <a:latin typeface="+mn-lt"/>
+                <a:ea typeface="+mn-ea"/>
+                <a:cs typeface="+mn-cs"/>
+              </a:rPr>
+              <a:t> had a major influence on the design of subsequent deep neural networks, both for convolutional and sequential nature.</a:t>
+            </a:r>
+          </a:p>
+          <a:p>
+            <a:endParaRPr lang="en-US" dirty="0"/>
+          </a:p>
+        </p:txBody>
+      </p:sp>
+      <p:sp>
+        <p:nvSpPr>
+          <p:cNvPr id="4" name="Slide Number Placeholder 3"/>
+          <p:cNvSpPr>
+            <a:spLocks noGrp="1"/>
+          </p:cNvSpPr>
+          <p:nvPr>
+            <p:ph type="sldNum" sz="quarter" idx="10"/>
+          </p:nvPr>
+        </p:nvSpPr>
+        <p:spPr/>
+        <p:txBody>
+          <a:bodyPr/>
+          <a:lstStyle/>
+          <a:p>
+            <a:fld id="{1F03363C-98F8-41C4-ADB8-29A3C82B2660}" type="slidenum">
+              <a:rPr lang="en-US" smtClean="0"/>
+              <a:t>23</a:t>
+            </a:fld>
+            <a:endParaRPr lang="en-US"/>
+          </a:p>
+        </p:txBody>
+      </p:sp>
+    </p:spTree>
+    <p:extLst>
+      <p:ext uri="{BB962C8B-B14F-4D97-AF65-F5344CB8AC3E}">
+        <p14:creationId xmlns:p14="http://schemas.microsoft.com/office/powerpoint/2010/main" val="1001163246"/>
+      </p:ext>
+    </p:extLst>
+  </p:cSld>
+  <p:clrMapOvr>
+    <a:masterClrMapping/>
+  </p:clrMapOvr>
+</p:notes>
+</file>
+
+<file path=ppt/notesSlides/notesSlide12.xml><?xml version="1.0" encoding="utf-8"?>
+<p:notes xmlns:a="http://schemas.openxmlformats.org/drawingml/2006/main" xmlns:r="http://schemas.openxmlformats.org/officeDocument/2006/relationships" xmlns:p="http://schemas.openxmlformats.org/presentationml/2006/main">
+  <p:cSld>
+    <p:spTree>
+      <p:nvGrpSpPr>
+        <p:cNvPr id="1" name=""/>
+        <p:cNvGrpSpPr/>
+        <p:nvPr/>
+      </p:nvGrpSpPr>
+      <p:grpSpPr>
+        <a:xfrm>
+          <a:off x="0" y="0"/>
+          <a:ext cx="0" cy="0"/>
+          <a:chOff x="0" y="0"/>
+          <a:chExt cx="0" cy="0"/>
+        </a:xfrm>
+      </p:grpSpPr>
+      <p:sp>
+        <p:nvSpPr>
+          <p:cNvPr id="2" name="Slide Image Placeholder 1"/>
+          <p:cNvSpPr>
+            <a:spLocks noGrp="1" noRot="1" noChangeAspect="1"/>
+          </p:cNvSpPr>
+          <p:nvPr>
+            <p:ph type="sldImg"/>
+          </p:nvPr>
+        </p:nvSpPr>
+        <p:spPr/>
+      </p:sp>
+      <p:sp>
+        <p:nvSpPr>
+          <p:cNvPr id="3" name="Notes Placeholder 2"/>
+          <p:cNvSpPr>
+            <a:spLocks noGrp="1"/>
+          </p:cNvSpPr>
+          <p:nvPr>
+            <p:ph type="body" idx="1"/>
+          </p:nvPr>
+        </p:nvSpPr>
+        <p:spPr/>
+        <p:txBody>
+          <a:bodyPr/>
+          <a:lstStyle/>
+          <a:p>
+            <a:r>
+              <a:rPr lang="en-US" dirty="0" smtClean="0"/>
+              <a:t>https://d2l.ai/chapter_computer-vision/transposed-conv.html</a:t>
+            </a:r>
+            <a:endParaRPr lang="en-US" dirty="0"/>
+          </a:p>
+        </p:txBody>
+      </p:sp>
+      <p:sp>
+        <p:nvSpPr>
+          <p:cNvPr id="4" name="Slide Number Placeholder 3"/>
+          <p:cNvSpPr>
+            <a:spLocks noGrp="1"/>
+          </p:cNvSpPr>
+          <p:nvPr>
+            <p:ph type="sldNum" sz="quarter" idx="10"/>
+          </p:nvPr>
+        </p:nvSpPr>
+        <p:spPr/>
+        <p:txBody>
+          <a:bodyPr/>
+          <a:lstStyle/>
+          <a:p>
+            <a:fld id="{1F03363C-98F8-41C4-ADB8-29A3C82B2660}" type="slidenum">
+              <a:rPr lang="en-US" smtClean="0"/>
+              <a:t>32</a:t>
+            </a:fld>
+            <a:endParaRPr lang="en-US"/>
+          </a:p>
+        </p:txBody>
+      </p:sp>
+    </p:spTree>
+    <p:extLst>
+      <p:ext uri="{BB962C8B-B14F-4D97-AF65-F5344CB8AC3E}">
+        <p14:creationId xmlns:p14="http://schemas.microsoft.com/office/powerpoint/2010/main" val="1001003896"/>
+      </p:ext>
+    </p:extLst>
+  </p:cSld>
+  <p:clrMapOvr>
+    <a:masterClrMapping/>
+  </p:clrMapOvr>
+</p:notes>
+</file>
+
+<file path=ppt/notesSlides/notesSlide13.xml><?xml version="1.0" encoding="utf-8"?>
+<p:notes xmlns:a="http://schemas.openxmlformats.org/drawingml/2006/main" xmlns:r="http://schemas.openxmlformats.org/officeDocument/2006/relationships" xmlns:p="http://schemas.openxmlformats.org/presentationml/2006/main">
+  <p:cSld>
+    <p:spTree>
+      <p:nvGrpSpPr>
+        <p:cNvPr id="1" name=""/>
+        <p:cNvGrpSpPr/>
+        <p:nvPr/>
+      </p:nvGrpSpPr>
+      <p:grpSpPr>
+        <a:xfrm>
+          <a:off x="0" y="0"/>
+          <a:ext cx="0" cy="0"/>
+          <a:chOff x="0" y="0"/>
+          <a:chExt cx="0" cy="0"/>
+        </a:xfrm>
+      </p:grpSpPr>
+      <p:sp>
+        <p:nvSpPr>
+          <p:cNvPr id="2" name="Slide Image Placeholder 1"/>
+          <p:cNvSpPr>
+            <a:spLocks noGrp="1" noRot="1" noChangeAspect="1"/>
+          </p:cNvSpPr>
+          <p:nvPr>
+            <p:ph type="sldImg"/>
+          </p:nvPr>
+        </p:nvSpPr>
+        <p:spPr/>
+      </p:sp>
+      <p:sp>
+        <p:nvSpPr>
+          <p:cNvPr id="3" name="Notes Placeholder 2"/>
+          <p:cNvSpPr>
+            <a:spLocks noGrp="1"/>
+          </p:cNvSpPr>
+          <p:nvPr>
+            <p:ph type="body" idx="1"/>
+          </p:nvPr>
+        </p:nvSpPr>
+        <p:spPr/>
+        <p:txBody>
+          <a:bodyPr/>
+          <a:lstStyle/>
+          <a:p>
+            <a:r>
+              <a:rPr lang="en-US" dirty="0" smtClean="0"/>
+              <a:t>https://d2l.ai/chapter_computer-vision/transposed-conv.html</a:t>
+            </a:r>
+            <a:endParaRPr lang="en-US" dirty="0"/>
+          </a:p>
+        </p:txBody>
+      </p:sp>
+      <p:sp>
+        <p:nvSpPr>
+          <p:cNvPr id="4" name="Slide Number Placeholder 3"/>
+          <p:cNvSpPr>
+            <a:spLocks noGrp="1"/>
+          </p:cNvSpPr>
+          <p:nvPr>
+            <p:ph type="sldNum" sz="quarter" idx="10"/>
+          </p:nvPr>
+        </p:nvSpPr>
+        <p:spPr/>
+        <p:txBody>
+          <a:bodyPr/>
+          <a:lstStyle/>
+          <a:p>
+            <a:fld id="{1F03363C-98F8-41C4-ADB8-29A3C82B2660}" type="slidenum">
+              <a:rPr lang="en-US" smtClean="0"/>
+              <a:t>33</a:t>
+            </a:fld>
+            <a:endParaRPr lang="en-US"/>
+          </a:p>
+        </p:txBody>
+      </p:sp>
+    </p:spTree>
+    <p:extLst>
+      <p:ext uri="{BB962C8B-B14F-4D97-AF65-F5344CB8AC3E}">
+        <p14:creationId xmlns:p14="http://schemas.microsoft.com/office/powerpoint/2010/main" val="3976718695"/>
+      </p:ext>
+    </p:extLst>
+  </p:cSld>
+  <p:clrMapOvr>
+    <a:masterClrMapping/>
+  </p:clrMapOvr>
+</p:notes>
+</file>
+
 <file path=ppt/notesSlides/notesSlide2.xml><?xml version="1.0" encoding="utf-8"?>
 <p:notes xmlns:a="http://schemas.openxmlformats.org/drawingml/2006/main" xmlns:r="http://schemas.openxmlformats.org/officeDocument/2006/relationships" xmlns:p="http://schemas.openxmlformats.org/presentationml/2006/main">
   <p:cSld>
@@ -670,6 +1088,31 @@
               <a:rPr lang="en-US" dirty="0" smtClean="0"/>
               <a:t>https://d2l.ai/chapter_convolutional-neural-networks/why-conv.html </a:t>
             </a:r>
+          </a:p>
+          <a:p>
+            <a:pPr marL="0" marR="0" lvl="0" indent="0" algn="l" defTabSz="914400" rtl="0" eaLnBrk="1" fontAlgn="auto" latinLnBrk="0" hangingPunct="1">
+              <a:lnSpc>
+                <a:spcPct val="100000"/>
+              </a:lnSpc>
+              <a:spcBef>
+                <a:spcPts val="0"/>
+              </a:spcBef>
+              <a:spcAft>
+                <a:spcPts val="0"/>
+              </a:spcAft>
+              <a:buClrTx/>
+              <a:buSzTx/>
+              <a:buFontTx/>
+              <a:buNone/>
+              <a:tabLst/>
+              <a:defRPr/>
+            </a:pPr>
+            <a:r>
+              <a:rPr lang="en-US" dirty="0" smtClean="0"/>
+              <a:t>Pigs usually do not fly and planes usually do not swim. Nonetheless, we should still recognize a pig were one to appear at the top of the image</a:t>
+            </a:r>
+          </a:p>
+          <a:p>
             <a:endParaRPr lang="en-US" dirty="0"/>
           </a:p>
         </p:txBody>
@@ -754,51 +1197,121 @@
           <a:bodyPr/>
           <a:lstStyle/>
           <a:p>
-            <a:r>
-              <a:rPr lang="en-US" dirty="0" smtClean="0"/>
-              <a:t>https://d2l.ai/chapter_convolutional-neural-networks/pooling.html </a:t>
-            </a:r>
-          </a:p>
-          <a:p>
-            <a:endParaRPr lang="en-US" dirty="0" smtClean="0"/>
-          </a:p>
-          <a:p>
-            <a:r>
-              <a:rPr lang="en-US" sz="1200" b="0" i="0" kern="1200" dirty="0" smtClean="0">
-                <a:solidFill>
-                  <a:schemeClr val="tx1"/>
-                </a:solidFill>
-                <a:effectLst/>
-                <a:latin typeface="+mn-lt"/>
-                <a:ea typeface="+mn-ea"/>
-                <a:cs typeface="+mn-cs"/>
-              </a:rPr>
-              <a:t>That is to say, using the </a:t>
-            </a:r>
-            <a:r>
-              <a:rPr lang="en-US" sz="1200" b="0" i="0" u="none" strike="noStrike" kern="1200" dirty="0" smtClean="0">
-                <a:solidFill>
-                  <a:schemeClr val="tx1"/>
-                </a:solidFill>
-                <a:effectLst/>
-                <a:latin typeface="+mn-lt"/>
-                <a:ea typeface="+mn-ea"/>
-                <a:cs typeface="+mn-cs"/>
-              </a:rPr>
-              <a:t>2×22×2</a:t>
-            </a:r>
-            <a:r>
-              <a:rPr lang="en-US" sz="1200" b="0" i="0" kern="1200" dirty="0" smtClean="0">
-                <a:solidFill>
-                  <a:schemeClr val="tx1"/>
-                </a:solidFill>
-                <a:effectLst/>
-                <a:latin typeface="+mn-lt"/>
-                <a:ea typeface="+mn-ea"/>
-                <a:cs typeface="+mn-cs"/>
-              </a:rPr>
-              <a:t> maximum pooling layer, we can still detect if the pattern recognized by the convolutional layer moves no more than one element in height or width.</a:t>
-            </a:r>
+            <a:pPr marL="0" marR="0" lvl="0" indent="0" algn="l" defTabSz="914400" rtl="0" eaLnBrk="1" fontAlgn="auto" latinLnBrk="0" hangingPunct="1">
+              <a:lnSpc>
+                <a:spcPct val="100000"/>
+              </a:lnSpc>
+              <a:spcBef>
+                <a:spcPts val="0"/>
+              </a:spcBef>
+              <a:spcAft>
+                <a:spcPts val="0"/>
+              </a:spcAft>
+              <a:buClrTx/>
+              <a:buSzTx/>
+              <a:buFontTx/>
+              <a:buNone/>
+              <a:tabLst/>
+              <a:defRPr/>
+            </a:pPr>
+            <a:r>
+              <a:rPr lang="en-US" dirty="0" err="1" smtClean="0"/>
+              <a:t>Ví</a:t>
+            </a:r>
+            <a:r>
+              <a:rPr lang="en-US" dirty="0" smtClean="0"/>
+              <a:t> </a:t>
+            </a:r>
+            <a:r>
+              <a:rPr lang="en-US" dirty="0" err="1" smtClean="0"/>
+              <a:t>dụ</a:t>
+            </a:r>
+            <a:r>
+              <a:rPr lang="en-US" dirty="0" smtClean="0"/>
+              <a:t> </a:t>
+            </a:r>
+            <a:r>
+              <a:rPr lang="en-US" dirty="0" err="1" smtClean="0"/>
+              <a:t>thiết</a:t>
+            </a:r>
+            <a:r>
+              <a:rPr lang="en-US" dirty="0" smtClean="0"/>
+              <a:t> </a:t>
+            </a:r>
+            <a:r>
+              <a:rPr lang="en-US" dirty="0" err="1" smtClean="0"/>
+              <a:t>kế</a:t>
+            </a:r>
+            <a:r>
+              <a:rPr lang="en-US" dirty="0" smtClean="0"/>
+              <a:t> </a:t>
+            </a:r>
+            <a:r>
+              <a:rPr lang="en-US" dirty="0" err="1" smtClean="0"/>
+              <a:t>một</a:t>
+            </a:r>
+            <a:r>
+              <a:rPr lang="en-US" dirty="0" smtClean="0"/>
+              <a:t> edge detector (</a:t>
+            </a:r>
+            <a:r>
+              <a:rPr lang="en-US" dirty="0" err="1" smtClean="0"/>
+              <a:t>mô</a:t>
+            </a:r>
+            <a:r>
+              <a:rPr lang="en-US" dirty="0" smtClean="0"/>
+              <a:t> </a:t>
+            </a:r>
+            <a:r>
+              <a:rPr lang="en-US" dirty="0" err="1" smtClean="0"/>
+              <a:t>hình</a:t>
+            </a:r>
+            <a:r>
+              <a:rPr lang="en-US" dirty="0" smtClean="0"/>
+              <a:t> </a:t>
+            </a:r>
+            <a:r>
+              <a:rPr lang="en-US" dirty="0" err="1" smtClean="0"/>
+              <a:t>phát</a:t>
+            </a:r>
+            <a:r>
+              <a:rPr lang="en-US" dirty="0" smtClean="0"/>
+              <a:t> </a:t>
+            </a:r>
+            <a:r>
+              <a:rPr lang="en-US" dirty="0" err="1" smtClean="0"/>
+              <a:t>hiện</a:t>
+            </a:r>
+            <a:r>
+              <a:rPr lang="en-US" dirty="0" smtClean="0"/>
+              <a:t> </a:t>
+            </a:r>
+            <a:r>
+              <a:rPr lang="en-US" dirty="0" err="1" smtClean="0"/>
+              <a:t>cạnh</a:t>
+            </a:r>
+            <a:r>
+              <a:rPr lang="en-US" dirty="0" smtClean="0"/>
+              <a:t> </a:t>
+            </a:r>
+            <a:r>
+              <a:rPr lang="en-US" dirty="0" err="1" smtClean="0"/>
+              <a:t>trong</a:t>
+            </a:r>
+            <a:r>
+              <a:rPr lang="en-US" dirty="0" smtClean="0"/>
+              <a:t> </a:t>
+            </a:r>
+            <a:r>
+              <a:rPr lang="en-US" dirty="0" err="1" smtClean="0"/>
+              <a:t>ảnh</a:t>
+            </a:r>
+            <a:r>
+              <a:rPr lang="en-US" dirty="0" smtClean="0"/>
+              <a:t>)</a:t>
+            </a:r>
+          </a:p>
+          <a:p>
             <a:endParaRPr lang="en-US" dirty="0"/>
           </a:p>
         </p:txBody>
@@ -820,7 +1333,7 @@
           <a:p>
             <a:fld id="{1F03363C-98F8-41C4-ADB8-29A3C82B2660}" type="slidenum">
               <a:rPr lang="en-US" smtClean="0"/>
-              <a:t>13</a:t>
+              <a:t>6</a:t>
             </a:fld>
             <a:endParaRPr lang="en-US"/>
           </a:p>
@@ -829,7 +1342,7 @@
     </p:spTree>
     <p:extLst>
       <p:ext uri="{BB962C8B-B14F-4D97-AF65-F5344CB8AC3E}">
-        <p14:creationId xmlns:p14="http://schemas.microsoft.com/office/powerpoint/2010/main" val="2592280975"/>
+        <p14:creationId xmlns:p14="http://schemas.microsoft.com/office/powerpoint/2010/main" val="3408432236"/>
       </p:ext>
     </p:extLst>
   </p:cSld>
@@ -884,17 +1397,14 @@
           <a:lstStyle/>
           <a:p>
             <a:r>
-              <a:rPr lang="en-US" sz="1200" b="0" i="0" kern="1200" dirty="0" err="1" smtClean="0">
-                <a:solidFill>
-                  <a:schemeClr val="tx1"/>
-                </a:solidFill>
-                <a:effectLst/>
-                <a:latin typeface="+mn-lt"/>
-                <a:ea typeface="+mn-ea"/>
-                <a:cs typeface="+mn-cs"/>
-              </a:rPr>
-              <a:t>AlexNet</a:t>
-            </a:r>
+              <a:rPr lang="en-US" dirty="0" smtClean="0"/>
+              <a:t>https://d2l.ai/chapter_convolutional-neural-networks/pooling.html </a:t>
+            </a:r>
+          </a:p>
+          <a:p>
+            <a:endParaRPr lang="en-US" dirty="0" smtClean="0"/>
+          </a:p>
+          <a:p>
             <a:r>
               <a:rPr lang="en-US" sz="1200" b="0" i="0" kern="1200" dirty="0" smtClean="0">
                 <a:solidFill>
@@ -905,10 +1415,10 @@
                 <a:ea typeface="+mn-ea"/>
                 <a:cs typeface="+mn-cs"/>
               </a:rPr>
-              <a:t> has a similar structure to that of </a:t>
-            </a:r>
-            <a:r>
-              <a:rPr lang="en-US" sz="1200" b="0" i="0" kern="1200" dirty="0" err="1" smtClean="0">
+              <a:t>That is to say, using the </a:t>
+            </a:r>
+            <a:r>
+              <a:rPr lang="en-US" sz="1200" b="0" i="0" u="none" strike="noStrike" kern="1200" dirty="0" smtClean="0">
                 <a:solidFill>
                   <a:schemeClr val="tx1"/>
                 </a:solidFill>
@@ -917,7 +1427,7 @@
                 <a:ea typeface="+mn-ea"/>
                 <a:cs typeface="+mn-cs"/>
               </a:rPr>
-              <a:t>LeNet</a:t>
+              <a:t>2×22×2</a:t>
             </a:r>
             <a:r>
               <a:rPr lang="en-US" sz="1200" b="0" i="0" kern="1200" dirty="0" smtClean="0">
@@ -929,148 +1439,8 @@
                 <a:ea typeface="+mn-ea"/>
                 <a:cs typeface="+mn-cs"/>
               </a:rPr>
-              <a:t>, but uses more convolutional layers and a larger parameter space to fit the large-scale ImageNet dataset.</a:t>
-            </a:r>
-          </a:p>
-          <a:p>
-            <a:r>
-              <a:rPr lang="en-US" sz="1200" b="0" i="0" kern="1200" dirty="0" smtClean="0">
-                <a:solidFill>
-                  <a:schemeClr val="tx1"/>
-                </a:solidFill>
-                <a:effectLst/>
-                <a:latin typeface="+mn-lt"/>
-                <a:ea typeface="+mn-ea"/>
-                <a:cs typeface="+mn-cs"/>
-              </a:rPr>
-              <a:t>Today </a:t>
-            </a:r>
-            <a:r>
-              <a:rPr lang="en-US" sz="1200" b="0" i="0" kern="1200" dirty="0" err="1" smtClean="0">
-                <a:solidFill>
-                  <a:schemeClr val="tx1"/>
-                </a:solidFill>
-                <a:effectLst/>
-                <a:latin typeface="+mn-lt"/>
-                <a:ea typeface="+mn-ea"/>
-                <a:cs typeface="+mn-cs"/>
-              </a:rPr>
-              <a:t>AlexNet</a:t>
-            </a:r>
-            <a:r>
-              <a:rPr lang="en-US" sz="1200" b="0" i="0" kern="1200" dirty="0" smtClean="0">
-                <a:solidFill>
-                  <a:schemeClr val="tx1"/>
-                </a:solidFill>
-                <a:effectLst/>
-                <a:latin typeface="+mn-lt"/>
-                <a:ea typeface="+mn-ea"/>
-                <a:cs typeface="+mn-cs"/>
-              </a:rPr>
-              <a:t> has been surpassed by much more effective architectures but it is a key step from shallow to deep networks that are used nowadays.</a:t>
-            </a:r>
-          </a:p>
-          <a:p>
-            <a:r>
-              <a:rPr lang="en-US" sz="1200" b="0" i="0" kern="1200" dirty="0" smtClean="0">
-                <a:solidFill>
-                  <a:schemeClr val="tx1"/>
-                </a:solidFill>
-                <a:effectLst/>
-                <a:latin typeface="+mn-lt"/>
-                <a:ea typeface="+mn-ea"/>
-                <a:cs typeface="+mn-cs"/>
-              </a:rPr>
-              <a:t>Although it seems that there are only a few more lines in </a:t>
-            </a:r>
-            <a:r>
-              <a:rPr lang="en-US" sz="1200" b="0" i="0" kern="1200" dirty="0" err="1" smtClean="0">
-                <a:solidFill>
-                  <a:schemeClr val="tx1"/>
-                </a:solidFill>
-                <a:effectLst/>
-                <a:latin typeface="+mn-lt"/>
-                <a:ea typeface="+mn-ea"/>
-                <a:cs typeface="+mn-cs"/>
-              </a:rPr>
-              <a:t>AlexNet’s</a:t>
-            </a:r>
-            <a:r>
-              <a:rPr lang="en-US" sz="1200" b="0" i="0" kern="1200" dirty="0" smtClean="0">
-                <a:solidFill>
-                  <a:schemeClr val="tx1"/>
-                </a:solidFill>
-                <a:effectLst/>
-                <a:latin typeface="+mn-lt"/>
-                <a:ea typeface="+mn-ea"/>
-                <a:cs typeface="+mn-cs"/>
-              </a:rPr>
-              <a:t> implementation than in </a:t>
-            </a:r>
-            <a:r>
-              <a:rPr lang="en-US" sz="1200" b="0" i="0" kern="1200" dirty="0" err="1" smtClean="0">
-                <a:solidFill>
-                  <a:schemeClr val="tx1"/>
-                </a:solidFill>
-                <a:effectLst/>
-                <a:latin typeface="+mn-lt"/>
-                <a:ea typeface="+mn-ea"/>
-                <a:cs typeface="+mn-cs"/>
-              </a:rPr>
-              <a:t>LeNet</a:t>
-            </a:r>
-            <a:r>
-              <a:rPr lang="en-US" sz="1200" b="0" i="0" kern="1200" dirty="0" smtClean="0">
-                <a:solidFill>
-                  <a:schemeClr val="tx1"/>
-                </a:solidFill>
-                <a:effectLst/>
-                <a:latin typeface="+mn-lt"/>
-                <a:ea typeface="+mn-ea"/>
-                <a:cs typeface="+mn-cs"/>
-              </a:rPr>
-              <a:t>, it took the academic community many years to embrace this conceptual change and take advantage of its excellent experimental results. This was also due to the lack of efficient computational tools.</a:t>
-            </a:r>
-          </a:p>
-          <a:p>
-            <a:r>
-              <a:rPr lang="en-US" sz="1200" b="0" i="0" kern="1200" dirty="0" smtClean="0">
-                <a:solidFill>
-                  <a:schemeClr val="tx1"/>
-                </a:solidFill>
-                <a:effectLst/>
-                <a:latin typeface="+mn-lt"/>
-                <a:ea typeface="+mn-ea"/>
-                <a:cs typeface="+mn-cs"/>
-              </a:rPr>
-              <a:t>Dropout, </a:t>
-            </a:r>
-            <a:r>
-              <a:rPr lang="en-US" sz="1200" b="0" i="0" kern="1200" dirty="0" err="1" smtClean="0">
-                <a:solidFill>
-                  <a:schemeClr val="tx1"/>
-                </a:solidFill>
-                <a:effectLst/>
-                <a:latin typeface="+mn-lt"/>
-                <a:ea typeface="+mn-ea"/>
-                <a:cs typeface="+mn-cs"/>
-              </a:rPr>
-              <a:t>ReLU</a:t>
-            </a:r>
-            <a:r>
-              <a:rPr lang="en-US" sz="1200" b="0" i="0" kern="1200" dirty="0" smtClean="0">
-                <a:solidFill>
-                  <a:schemeClr val="tx1"/>
-                </a:solidFill>
-                <a:effectLst/>
-                <a:latin typeface="+mn-lt"/>
-                <a:ea typeface="+mn-ea"/>
-                <a:cs typeface="+mn-cs"/>
-              </a:rPr>
-              <a:t>, and preprocessing were the other key steps in achieving excellent performance in computer vision tasks.</a:t>
-            </a:r>
-          </a:p>
-          <a:p>
+              <a:t> maximum pooling layer, we can still detect if the pattern recognized by the convolutional layer moves no more than one element in height or width.</a:t>
+            </a:r>
             <a:endParaRPr lang="en-US" dirty="0"/>
           </a:p>
         </p:txBody>
@@ -1092,7 +1462,7 @@
           <a:p>
             <a:fld id="{1F03363C-98F8-41C4-ADB8-29A3C82B2660}" type="slidenum">
               <a:rPr lang="en-US" smtClean="0"/>
-              <a:t>16</a:t>
+              <a:t>12</a:t>
             </a:fld>
             <a:endParaRPr lang="en-US"/>
           </a:p>
@@ -1101,7 +1471,7 @@
     </p:spTree>
     <p:extLst>
       <p:ext uri="{BB962C8B-B14F-4D97-AF65-F5344CB8AC3E}">
-        <p14:creationId xmlns:p14="http://schemas.microsoft.com/office/powerpoint/2010/main" val="1496418938"/>
+        <p14:creationId xmlns:p14="http://schemas.microsoft.com/office/powerpoint/2010/main" val="2592280975"/>
       </p:ext>
     </p:extLst>
   </p:cSld>
@@ -1156,117 +1526,47 @@
           <a:lstStyle/>
           <a:p>
             <a:r>
-              <a:rPr lang="en-US" sz="1200" b="0" i="0" kern="1200" dirty="0" smtClean="0">
-                <a:solidFill>
-                  <a:schemeClr val="tx1"/>
-                </a:solidFill>
-                <a:effectLst/>
-                <a:latin typeface="+mn-lt"/>
-                <a:ea typeface="+mn-ea"/>
-                <a:cs typeface="+mn-cs"/>
+              <a:rPr lang="en-US" dirty="0" smtClean="0"/>
+              <a:t>(</a:t>
+            </a:r>
+            <a:r>
+              <a:rPr lang="en-US" dirty="0" err="1" smtClean="0"/>
+              <a:t>i</a:t>
+            </a:r>
+            <a:r>
+              <a:rPr lang="en-US" dirty="0" smtClean="0"/>
+              <a:t>) a convolutional encoder consisting of two convolutional layers; and (ii) a dense block consisting of three fully-connected layers</a:t>
+            </a:r>
+          </a:p>
+          <a:p>
+            <a:endParaRPr lang="en-US" dirty="0" smtClean="0"/>
+          </a:p>
+          <a:p>
+            <a:r>
+              <a:rPr lang="en-US" altLang="en-US" dirty="0" smtClean="0">
+                <a:latin typeface="Roboto"/>
               </a:rPr>
-              <a:t>VGG-11 constructs a network using reusable convolutional blocks. Different VGG models can be defined by the differences in the number of convolutional layers and output channels in each block.</a:t>
-            </a:r>
-          </a:p>
-          <a:p>
-            <a:r>
-              <a:rPr lang="en-US" sz="1200" b="0" i="0" kern="1200" dirty="0" smtClean="0">
-                <a:solidFill>
-                  <a:schemeClr val="tx1"/>
-                </a:solidFill>
-                <a:effectLst/>
-                <a:latin typeface="+mn-lt"/>
-                <a:ea typeface="+mn-ea"/>
-                <a:cs typeface="+mn-cs"/>
+              <a:t>Each convolutional layer uses a 5×5 kernel and a sigmoid activation function. These layers map spatially arranged inputs to a number of two-dimensional feature maps, typically increasing the number of channels. The first convolutional layer has 6 output channels, while the second has 16. Each 2×2 pooling operation (stride 2) reduces dimensionality by a factor of 4 via spatial </a:t>
+            </a:r>
+            <a:r>
+              <a:rPr lang="en-US" altLang="en-US" dirty="0" err="1" smtClean="0">
+                <a:latin typeface="Roboto"/>
               </a:rPr>
-              <a:t>The use of blocks leads to very compact representations of the network definition. It allows for efficient design of complex networks.</a:t>
-            </a:r>
-          </a:p>
-          <a:p>
-            <a:r>
-              <a:rPr lang="en-US" sz="1200" b="0" i="0" kern="1200" dirty="0" smtClean="0">
-                <a:solidFill>
-                  <a:schemeClr val="tx1"/>
-                </a:solidFill>
-                <a:effectLst/>
-                <a:latin typeface="+mn-lt"/>
-                <a:ea typeface="+mn-ea"/>
-                <a:cs typeface="+mn-cs"/>
+              <a:t>downsampling</a:t>
+            </a:r>
+            <a:r>
+              <a:rPr lang="en-US" altLang="en-US" dirty="0" smtClean="0">
+                <a:latin typeface="Roboto"/>
               </a:rPr>
-              <a:t>In their VGG paper, </a:t>
-            </a:r>
-            <a:r>
-              <a:rPr lang="en-US" sz="1200" b="0" i="0" kern="1200" dirty="0" err="1" smtClean="0">
-                <a:solidFill>
-                  <a:schemeClr val="tx1"/>
-                </a:solidFill>
-                <a:effectLst/>
-                <a:latin typeface="+mn-lt"/>
-                <a:ea typeface="+mn-ea"/>
-                <a:cs typeface="+mn-cs"/>
-              </a:rPr>
-              <a:t>Simonyan</a:t>
-            </a:r>
-            <a:r>
-              <a:rPr lang="en-US" sz="1200" b="0" i="0" kern="1200" dirty="0" smtClean="0">
-                <a:solidFill>
-                  <a:schemeClr val="tx1"/>
-                </a:solidFill>
-                <a:effectLst/>
-                <a:latin typeface="+mn-lt"/>
-                <a:ea typeface="+mn-ea"/>
-                <a:cs typeface="+mn-cs"/>
-              </a:rPr>
-              <a:t> and </a:t>
-            </a:r>
-            <a:r>
-              <a:rPr lang="en-US" sz="1200" b="0" i="0" kern="1200" dirty="0" err="1" smtClean="0">
-                <a:solidFill>
-                  <a:schemeClr val="tx1"/>
-                </a:solidFill>
-                <a:effectLst/>
-                <a:latin typeface="+mn-lt"/>
-                <a:ea typeface="+mn-ea"/>
-                <a:cs typeface="+mn-cs"/>
-              </a:rPr>
-              <a:t>Ziserman</a:t>
-            </a:r>
-            <a:r>
-              <a:rPr lang="en-US" sz="1200" b="0" i="0" kern="1200" dirty="0" smtClean="0">
-                <a:solidFill>
-                  <a:schemeClr val="tx1"/>
-                </a:solidFill>
-                <a:effectLst/>
-                <a:latin typeface="+mn-lt"/>
-                <a:ea typeface="+mn-ea"/>
-                <a:cs typeface="+mn-cs"/>
-              </a:rPr>
-              <a:t> experimented with various architectures. In particular, they found that several layers of deep and narrow convolutions (i.e., </a:t>
-            </a:r>
-            <a:r>
-              <a:rPr lang="en-US" sz="1200" b="0" i="0" u="none" strike="noStrike" kern="1200" dirty="0" smtClean="0">
-                <a:solidFill>
-                  <a:schemeClr val="tx1"/>
-                </a:solidFill>
-                <a:effectLst/>
-                <a:latin typeface="+mn-lt"/>
-                <a:ea typeface="+mn-ea"/>
-                <a:cs typeface="+mn-cs"/>
-              </a:rPr>
-              <a:t>3×33×3</a:t>
-            </a:r>
-            <a:r>
-              <a:rPr lang="en-US" sz="1200" b="0" i="0" kern="1200" dirty="0" smtClean="0">
-                <a:solidFill>
-                  <a:schemeClr val="tx1"/>
-                </a:solidFill>
-                <a:effectLst/>
-                <a:latin typeface="+mn-lt"/>
-                <a:ea typeface="+mn-ea"/>
-                <a:cs typeface="+mn-cs"/>
-              </a:rPr>
-              <a:t>) were more effective than fewer layers of wider convolutions.</a:t>
-            </a:r>
+              <a:t>.</a:t>
+            </a:r>
+            <a:r>
+              <a:rPr lang="en-US" altLang="en-US" sz="800" dirty="0" smtClean="0"/>
+              <a:t> </a:t>
+            </a:r>
+            <a:endParaRPr lang="en-US" altLang="en-US" sz="1800" dirty="0" smtClean="0">
+              <a:latin typeface="Arial" panose="020B0604020202020204" pitchFamily="34" charset="0"/>
+            </a:endParaRPr>
           </a:p>
           <a:p>
             <a:endParaRPr lang="en-US" dirty="0"/>
@@ -1290,7 +1590,7 @@
           <a:p>
             <a:fld id="{1F03363C-98F8-41C4-ADB8-29A3C82B2660}" type="slidenum">
               <a:rPr lang="en-US" smtClean="0"/>
-              <a:t>17</a:t>
+              <a:t>16</a:t>
             </a:fld>
             <a:endParaRPr lang="en-US"/>
           </a:p>
@@ -1299,7 +1599,7 @@
     </p:spTree>
     <p:extLst>
       <p:ext uri="{BB962C8B-B14F-4D97-AF65-F5344CB8AC3E}">
-        <p14:creationId xmlns:p14="http://schemas.microsoft.com/office/powerpoint/2010/main" val="4217179434"/>
+        <p14:creationId xmlns:p14="http://schemas.microsoft.com/office/powerpoint/2010/main" val="371365084"/>
       </p:ext>
     </p:extLst>
   </p:cSld>
@@ -1363,7 +1663,7 @@
                 <a:ea typeface="+mn-ea"/>
                 <a:cs typeface="+mn-cs"/>
               </a:rPr>
-              <a:t>During model training, batch normalization continuously adjusts the intermediate output of the neural network by utilizing the mean and standard deviation of the </a:t>
+              <a:t>Besides, </a:t>
             </a:r>
             <a:r>
               <a:rPr lang="en-US" sz="1200" b="0" i="0" kern="1200" dirty="0" err="1" smtClean="0">
@@ -1375,7 +1675,7 @@
                 <a:ea typeface="+mn-ea"/>
                 <a:cs typeface="+mn-cs"/>
               </a:rPr>
-              <a:t>minibatch</a:t>
+              <a:t>AlexNet</a:t>
             </a:r>
             <a:r>
               <a:rPr lang="en-US" sz="1200" b="0" i="0" kern="1200" dirty="0" smtClean="0">
@@ -1387,10 +1687,20 @@
                 <a:ea typeface="+mn-ea"/>
                 <a:cs typeface="+mn-cs"/>
               </a:rPr>
-              <a:t>, so that the values of the intermediate output in each layer throughout the neural network are more stable.</a:t>
-            </a:r>
-          </a:p>
-          <a:p>
+              <a:t> changed the sigmoid activation function to a simpler </a:t>
+            </a:r>
+            <a:r>
+              <a:rPr lang="en-US" sz="1200" b="0" i="0" kern="1200" dirty="0" err="1" smtClean="0">
+                <a:solidFill>
+                  <a:schemeClr val="tx1"/>
+                </a:solidFill>
+                <a:effectLst/>
+                <a:latin typeface="+mn-lt"/>
+                <a:ea typeface="+mn-ea"/>
+                <a:cs typeface="+mn-cs"/>
+              </a:rPr>
+              <a:t>ReLU</a:t>
+            </a:r>
             <a:r>
               <a:rPr lang="en-US" sz="1200" b="0" i="0" kern="1200" dirty="0" smtClean="0">
                 <a:solidFill>
@@ -1401,10 +1711,20 @@
                 <a:ea typeface="+mn-ea"/>
                 <a:cs typeface="+mn-cs"/>
               </a:rPr>
-              <a:t>The batch normalization methods for fully-connected layers and convolutional layers are slightly different.</a:t>
-            </a:r>
-          </a:p>
-          <a:p>
+              <a:t> activation function. On one hand, the computation of the </a:t>
+            </a:r>
+            <a:r>
+              <a:rPr lang="en-US" sz="1200" b="0" i="0" kern="1200" dirty="0" err="1" smtClean="0">
+                <a:solidFill>
+                  <a:schemeClr val="tx1"/>
+                </a:solidFill>
+                <a:effectLst/>
+                <a:latin typeface="+mn-lt"/>
+                <a:ea typeface="+mn-ea"/>
+                <a:cs typeface="+mn-cs"/>
+              </a:rPr>
+              <a:t>ReLU</a:t>
+            </a:r>
             <a:r>
               <a:rPr lang="en-US" sz="1200" b="0" i="0" kern="1200" dirty="0" smtClean="0">
                 <a:solidFill>
@@ -1415,10 +1735,20 @@
                 <a:ea typeface="+mn-ea"/>
                 <a:cs typeface="+mn-cs"/>
               </a:rPr>
-              <a:t>Like a dropout layer, batch normalization layers have different computation results in training mode and prediction mode.</a:t>
-            </a:r>
-          </a:p>
-          <a:p>
+              <a:t> activation function is simpler. For example, it does not have the exponentiation operation found in the sigmoid activation function. On the other hand, the </a:t>
+            </a:r>
+            <a:r>
+              <a:rPr lang="en-US" sz="1200" b="0" i="0" kern="1200" dirty="0" err="1" smtClean="0">
+                <a:solidFill>
+                  <a:schemeClr val="tx1"/>
+                </a:solidFill>
+                <a:effectLst/>
+                <a:latin typeface="+mn-lt"/>
+                <a:ea typeface="+mn-ea"/>
+                <a:cs typeface="+mn-cs"/>
+              </a:rPr>
+              <a:t>ReLU</a:t>
+            </a:r>
             <a:r>
               <a:rPr lang="en-US" sz="1200" b="0" i="0" kern="1200" dirty="0" smtClean="0">
                 <a:solidFill>
@@ -1429,10 +1759,32 @@
                 <a:ea typeface="+mn-ea"/>
                 <a:cs typeface="+mn-cs"/>
               </a:rPr>
-              <a:t>Batch normalization has many beneficial side effects, primarily that of regularization. On the other hand, the original motivation of reducing internal covariate shift seems not to be a valid explanation.</a:t>
-            </a:r>
-          </a:p>
-          <a:p>
+              <a:t> activation function makes model training easier when using different parameter initialization methods. This is because, when the output of the sigmoid activation function is very close to 0 or 1, the gradient of these regions is almost 0, so that backpropagation cannot continue to update some of the model parameters. In contrast, the gradient of the </a:t>
+            </a:r>
+            <a:r>
+              <a:rPr lang="en-US" sz="1200" b="0" i="0" kern="1200" dirty="0" err="1" smtClean="0">
+                <a:solidFill>
+                  <a:schemeClr val="tx1"/>
+                </a:solidFill>
+                <a:effectLst/>
+                <a:latin typeface="+mn-lt"/>
+                <a:ea typeface="+mn-ea"/>
+                <a:cs typeface="+mn-cs"/>
+              </a:rPr>
+              <a:t>ReLU</a:t>
+            </a:r>
+            <a:r>
+              <a:rPr lang="en-US" sz="1200" b="0" i="0" kern="1200" dirty="0" smtClean="0">
+                <a:solidFill>
+                  <a:schemeClr val="tx1"/>
+                </a:solidFill>
+                <a:effectLst/>
+                <a:latin typeface="+mn-lt"/>
+                <a:ea typeface="+mn-ea"/>
+                <a:cs typeface="+mn-cs"/>
+              </a:rPr>
+              <a:t> activation function in the positive interval is always 1. Therefore, if the model parameters are not properly initialized, the sigmoid function may obtain a gradient of almost 0 in the positive interval, so that the model cannot be effectively trained.</a:t>
+            </a:r>
             <a:endParaRPr lang="en-US" dirty="0"/>
           </a:p>
         </p:txBody>
@@ -1454,7 +1806,7 @@
           <a:p>
             <a:fld id="{1F03363C-98F8-41C4-ADB8-29A3C82B2660}" type="slidenum">
               <a:rPr lang="en-US" smtClean="0"/>
-              <a:t>19</a:t>
+              <a:t>17</a:t>
             </a:fld>
             <a:endParaRPr lang="en-US"/>
           </a:p>
@@ -1463,7 +1815,7 @@
     </p:spTree>
     <p:extLst>
       <p:ext uri="{BB962C8B-B14F-4D97-AF65-F5344CB8AC3E}">
-        <p14:creationId xmlns:p14="http://schemas.microsoft.com/office/powerpoint/2010/main" val="2388112545"/>
+        <p14:creationId xmlns:p14="http://schemas.microsoft.com/office/powerpoint/2010/main" val="1496418938"/>
       </p:ext>
     </p:extLst>
   </p:cSld>
@@ -1527,7 +1879,7 @@
                 <a:ea typeface="+mn-ea"/>
                 <a:cs typeface="+mn-cs"/>
               </a:rPr>
-              <a:t>Nested function classes are desirable. Learning an additional layer in deep neural networks as an identity function (though this is an extreme case) should be made easy.</a:t>
+              <a:t>VGG-11 constructs a network using reusable convolutional blocks. Different VGG models can be defined by the differences in the number of convolutional layers and output channels in each block.</a:t>
             </a:r>
           </a:p>
           <a:p>
@@ -1541,7 +1893,7 @@
                 <a:ea typeface="+mn-ea"/>
                 <a:cs typeface="+mn-cs"/>
               </a:rPr>
-              <a:t>The residual mapping can learn the identity function more easily, such as pushing parameters in the weight layer to zero.</a:t>
+              <a:t>The use of blocks leads to very compact representations of the network definition. It allows for efficient design of complex networks.</a:t>
             </a:r>
           </a:p>
           <a:p>
@@ -1555,10 +1907,8 @@
                 <a:ea typeface="+mn-ea"/>
                 <a:cs typeface="+mn-cs"/>
               </a:rPr>
-              <a:t>We can train an effective deep neural network by having residual blocks. Inputs can forward propagate faster through the residual connections across layers.</a:t>
-            </a:r>
-          </a:p>
-          <a:p>
+              <a:t>In their VGG paper, </a:t>
+            </a:r>
             <a:r>
               <a:rPr lang="en-US" sz="1200" b="0" i="0" kern="1200" dirty="0" err="1" smtClean="0">
                 <a:solidFill>
@@ -1569,7 +1919,7 @@
                 <a:ea typeface="+mn-ea"/>
                 <a:cs typeface="+mn-cs"/>
               </a:rPr>
-              <a:t>ResNet</a:t>
+              <a:t>Simonyan</a:t>
             </a:r>
             <a:r>
               <a:rPr lang="en-US" sz="1200" b="0" i="0" kern="1200" dirty="0" smtClean="0">
@@ -1581,7 +1931,55 @@
                 <a:ea typeface="+mn-ea"/>
                 <a:cs typeface="+mn-cs"/>
               </a:rPr>
-              <a:t> had a major influence on the design of subsequent deep neural networks, both for convolutional and sequential nature.</a:t>
+              <a:t> and </a:t>
+            </a:r>
+            <a:r>
+              <a:rPr lang="en-US" sz="1200" b="0" i="0" kern="1200" dirty="0" err="1" smtClean="0">
+                <a:solidFill>
+                  <a:schemeClr val="tx1"/>
+                </a:solidFill>
+                <a:effectLst/>
+                <a:latin typeface="+mn-lt"/>
+                <a:ea typeface="+mn-ea"/>
+                <a:cs typeface="+mn-cs"/>
+              </a:rPr>
+              <a:t>Ziserman</a:t>
+            </a:r>
+            <a:r>
+              <a:rPr lang="en-US" sz="1200" b="0" i="0" kern="1200" dirty="0" smtClean="0">
+                <a:solidFill>
+                  <a:schemeClr val="tx1"/>
+                </a:solidFill>
+                <a:effectLst/>
+                <a:latin typeface="+mn-lt"/>
+                <a:ea typeface="+mn-ea"/>
+                <a:cs typeface="+mn-cs"/>
+              </a:rPr>
+              <a:t> experimented with various architectures. In particular, they found that several layers of deep and narrow convolutions (i.e., </a:t>
+            </a:r>
+            <a:r>
+              <a:rPr lang="en-US" sz="1200" b="0" i="0" u="none" strike="noStrike" kern="1200" dirty="0" smtClean="0">
+                <a:solidFill>
+                  <a:schemeClr val="tx1"/>
+                </a:solidFill>
+                <a:effectLst/>
+                <a:latin typeface="+mn-lt"/>
+                <a:ea typeface="+mn-ea"/>
+                <a:cs typeface="+mn-cs"/>
+              </a:rPr>
+              <a:t>3×33×3</a:t>
+            </a:r>
+            <a:r>
+              <a:rPr lang="en-US" sz="1200" b="0" i="0" kern="1200" dirty="0" smtClean="0">
+                <a:solidFill>
+                  <a:schemeClr val="tx1"/>
+                </a:solidFill>
+                <a:effectLst/>
+                <a:latin typeface="+mn-lt"/>
+                <a:ea typeface="+mn-ea"/>
+                <a:cs typeface="+mn-cs"/>
+              </a:rPr>
+              <a:t>) were more effective than fewer layers of wider convolutions.</a:t>
             </a:r>
           </a:p>
           <a:p>
@@ -1606,7 +2004,7 @@
           <a:p>
             <a:fld id="{1F03363C-98F8-41C4-ADB8-29A3C82B2660}" type="slidenum">
               <a:rPr lang="en-US" smtClean="0"/>
-              <a:t>20</a:t>
+              <a:t>18</a:t>
             </a:fld>
             <a:endParaRPr lang="en-US"/>
           </a:p>
@@ -1615,7 +2013,7 @@
     </p:spTree>
     <p:extLst>
       <p:ext uri="{BB962C8B-B14F-4D97-AF65-F5344CB8AC3E}">
-        <p14:creationId xmlns:p14="http://schemas.microsoft.com/office/powerpoint/2010/main" val="1001163246"/>
+        <p14:creationId xmlns:p14="http://schemas.microsoft.com/office/powerpoint/2010/main" val="4217179434"/>
       </p:ext>
     </p:extLst>
   </p:cSld>
@@ -1670,9 +2068,85 @@
           <a:lstStyle/>
           <a:p>
             <a:r>
-              <a:rPr lang="en-US" dirty="0" smtClean="0"/>
-              <a:t>https://d2l.ai/chapter_computer-vision/transposed-conv.html</a:t>
-            </a:r>
+              <a:rPr lang="en-US" sz="1200" b="0" i="0" kern="1200" dirty="0" smtClean="0">
+                <a:solidFill>
+                  <a:schemeClr val="tx1"/>
+                </a:solidFill>
+                <a:effectLst/>
+                <a:latin typeface="+mn-lt"/>
+                <a:ea typeface="+mn-ea"/>
+                <a:cs typeface="+mn-cs"/>
+              </a:rPr>
+              <a:t>During model training, batch normalization continuously adjusts the intermediate output of the neural network by utilizing the mean and standard deviation of the </a:t>
+            </a:r>
+            <a:r>
+              <a:rPr lang="en-US" sz="1200" b="0" i="0" kern="1200" dirty="0" err="1" smtClean="0">
+                <a:solidFill>
+                  <a:schemeClr val="tx1"/>
+                </a:solidFill>
+                <a:effectLst/>
+                <a:latin typeface="+mn-lt"/>
+                <a:ea typeface="+mn-ea"/>
+                <a:cs typeface="+mn-cs"/>
+              </a:rPr>
+              <a:t>minibatch</a:t>
+            </a:r>
+            <a:r>
+              <a:rPr lang="en-US" sz="1200" b="0" i="0" kern="1200" dirty="0" smtClean="0">
+                <a:solidFill>
+                  <a:schemeClr val="tx1"/>
+                </a:solidFill>
+                <a:effectLst/>
+                <a:latin typeface="+mn-lt"/>
+                <a:ea typeface="+mn-ea"/>
+                <a:cs typeface="+mn-cs"/>
+              </a:rPr>
+              <a:t>, so that the values of the intermediate output in each layer throughout the neural network are more stable.</a:t>
+            </a:r>
+          </a:p>
+          <a:p>
+            <a:r>
+              <a:rPr lang="en-US" sz="1200" b="0" i="0" kern="1200" dirty="0" smtClean="0">
+                <a:solidFill>
+                  <a:schemeClr val="tx1"/>
+                </a:solidFill>
+                <a:effectLst/>
+                <a:latin typeface="+mn-lt"/>
+                <a:ea typeface="+mn-ea"/>
+                <a:cs typeface="+mn-cs"/>
+              </a:rPr>
+              <a:t>The batch normalization methods for fully-connected layers and convolutional layers are slightly different.</a:t>
+            </a:r>
+          </a:p>
+          <a:p>
+            <a:r>
+              <a:rPr lang="en-US" sz="1200" b="0" i="0" kern="1200" dirty="0" smtClean="0">
+                <a:solidFill>
+                  <a:schemeClr val="tx1"/>
+                </a:solidFill>
+                <a:effectLst/>
+                <a:latin typeface="+mn-lt"/>
+                <a:ea typeface="+mn-ea"/>
+                <a:cs typeface="+mn-cs"/>
+              </a:rPr>
+              <a:t>Like a dropout layer, batch normalization layers have different computation results in training mode and prediction mode.</a:t>
+            </a:r>
+          </a:p>
+          <a:p>
+            <a:r>
+              <a:rPr lang="en-US" sz="1200" b="0" i="0" kern="1200" dirty="0" smtClean="0">
+                <a:solidFill>
+                  <a:schemeClr val="tx1"/>
+                </a:solidFill>
+                <a:effectLst/>
+                <a:latin typeface="+mn-lt"/>
+                <a:ea typeface="+mn-ea"/>
+                <a:cs typeface="+mn-cs"/>
+              </a:rPr>
+              <a:t>Batch normalization has many beneficial side effects, primarily that of regularization. On the other hand, the original motivation of reducing internal covariate shift seems not to be a valid explanation.</a:t>
+            </a:r>
+          </a:p>
+          <a:p>
             <a:endParaRPr lang="en-US" dirty="0"/>
           </a:p>
         </p:txBody>
@@ -1694,7 +2168,7 @@
           <a:p>
             <a:fld id="{1F03363C-98F8-41C4-ADB8-29A3C82B2660}" type="slidenum">
               <a:rPr lang="en-US" smtClean="0"/>
-              <a:t>29</a:t>
+              <a:t>20</a:t>
             </a:fld>
             <a:endParaRPr lang="en-US"/>
           </a:p>
@@ -1703,7 +2177,7 @@
     </p:spTree>
     <p:extLst>
       <p:ext uri="{BB962C8B-B14F-4D97-AF65-F5344CB8AC3E}">
-        <p14:creationId xmlns:p14="http://schemas.microsoft.com/office/powerpoint/2010/main" val="1001003896"/>
+        <p14:creationId xmlns:p14="http://schemas.microsoft.com/office/powerpoint/2010/main" val="2388112545"/>
       </p:ext>
     </p:extLst>
   </p:cSld>
@@ -1758,9 +2232,85 @@
           <a:lstStyle/>
           <a:p>
             <a:r>
-              <a:rPr lang="en-US" dirty="0" smtClean="0"/>
-              <a:t>https://d2l.ai/chapter_computer-vision/transposed-conv.html</a:t>
-            </a:r>
+              <a:rPr lang="en-US" sz="1200" b="0" i="0" kern="1200" dirty="0" smtClean="0">
+                <a:solidFill>
+                  <a:schemeClr val="tx1"/>
+                </a:solidFill>
+                <a:effectLst/>
+                <a:latin typeface="+mn-lt"/>
+                <a:ea typeface="+mn-ea"/>
+                <a:cs typeface="+mn-cs"/>
+              </a:rPr>
+              <a:t>During model training, batch normalization continuously adjusts the intermediate output of the neural network by utilizing the mean and standard deviation of the </a:t>
+            </a:r>
+            <a:r>
+              <a:rPr lang="en-US" sz="1200" b="0" i="0" kern="1200" dirty="0" err="1" smtClean="0">
+                <a:solidFill>
+                  <a:schemeClr val="tx1"/>
+                </a:solidFill>
+                <a:effectLst/>
+                <a:latin typeface="+mn-lt"/>
+                <a:ea typeface="+mn-ea"/>
+                <a:cs typeface="+mn-cs"/>
+              </a:rPr>
+              <a:t>minibatch</a:t>
+            </a:r>
+            <a:r>
+              <a:rPr lang="en-US" sz="1200" b="0" i="0" kern="1200" dirty="0" smtClean="0">
+                <a:solidFill>
+                  <a:schemeClr val="tx1"/>
+                </a:solidFill>
+                <a:effectLst/>
+                <a:latin typeface="+mn-lt"/>
+                <a:ea typeface="+mn-ea"/>
+                <a:cs typeface="+mn-cs"/>
+              </a:rPr>
+              <a:t>, so that the values of the intermediate output in each layer throughout the neural network are more stable.</a:t>
+            </a:r>
+          </a:p>
+          <a:p>
+            <a:r>
+              <a:rPr lang="en-US" sz="1200" b="0" i="0" kern="1200" dirty="0" smtClean="0">
+                <a:solidFill>
+                  <a:schemeClr val="tx1"/>
+                </a:solidFill>
+                <a:effectLst/>
+                <a:latin typeface="+mn-lt"/>
+                <a:ea typeface="+mn-ea"/>
+                <a:cs typeface="+mn-cs"/>
+              </a:rPr>
+              <a:t>The batch normalization methods for fully-connected layers and convolutional layers are slightly different.</a:t>
+            </a:r>
+          </a:p>
+          <a:p>
+            <a:r>
+              <a:rPr lang="en-US" sz="1200" b="0" i="0" kern="1200" dirty="0" smtClean="0">
+                <a:solidFill>
+                  <a:schemeClr val="tx1"/>
+                </a:solidFill>
+                <a:effectLst/>
+                <a:latin typeface="+mn-lt"/>
+                <a:ea typeface="+mn-ea"/>
+                <a:cs typeface="+mn-cs"/>
+              </a:rPr>
+              <a:t>Like a dropout layer, batch normalization layers have different computation results in training mode and prediction mode.</a:t>
+            </a:r>
+          </a:p>
+          <a:p>
+            <a:r>
+              <a:rPr lang="en-US" sz="1200" b="0" i="0" kern="1200" dirty="0" smtClean="0">
+                <a:solidFill>
+                  <a:schemeClr val="tx1"/>
+                </a:solidFill>
+                <a:effectLst/>
+                <a:latin typeface="+mn-lt"/>
+                <a:ea typeface="+mn-ea"/>
+                <a:cs typeface="+mn-cs"/>
+              </a:rPr>
+              <a:t>Batch normalization has many beneficial side effects, primarily that of regularization. On the other hand, the original motivation of reducing internal covariate shift seems not to be a valid explanation.</a:t>
+            </a:r>
+          </a:p>
+          <a:p>
             <a:endParaRPr lang="en-US" dirty="0"/>
           </a:p>
         </p:txBody>
@@ -1782,7 +2332,7 @@
           <a:p>
             <a:fld id="{1F03363C-98F8-41C4-ADB8-29A3C82B2660}" type="slidenum">
               <a:rPr lang="en-US" smtClean="0"/>
-              <a:t>30</a:t>
+              <a:t>21</a:t>
             </a:fld>
             <a:endParaRPr lang="en-US"/>
           </a:p>
@@ -1791,7 +2341,7 @@
     </p:spTree>
     <p:extLst>
       <p:ext uri="{BB962C8B-B14F-4D97-AF65-F5344CB8AC3E}">
-        <p14:creationId xmlns:p14="http://schemas.microsoft.com/office/powerpoint/2010/main" val="3976718695"/>
+        <p14:creationId xmlns:p14="http://schemas.microsoft.com/office/powerpoint/2010/main" val="227623958"/>
       </p:ext>
     </p:extLst>
   </p:cSld>
@@ -1932,7 +2482,7 @@
           <a:p>
             <a:fld id="{71971647-0B5F-4417-ABA7-63C056FD3A7E}" type="datetimeFigureOut">
               <a:rPr lang="en-US" smtClean="0"/>
-              <a:t>5/28/2022</a:t>
+              <a:t>6/16/2022</a:t>
             </a:fld>
             <a:endParaRPr lang="en-US"/>
           </a:p>
@@ -2102,7 +2652,7 @@
           <a:p>
             <a:fld id="{71971647-0B5F-4417-ABA7-63C056FD3A7E}" type="datetimeFigureOut">
               <a:rPr lang="en-US" smtClean="0"/>
-              <a:t>5/28/2022</a:t>
+              <a:t>6/16/2022</a:t>
             </a:fld>
             <a:endParaRPr lang="en-US"/>
           </a:p>
@@ -2282,7 +2832,7 @@
           <a:p>
             <a:fld id="{71971647-0B5F-4417-ABA7-63C056FD3A7E}" type="datetimeFigureOut">
               <a:rPr lang="en-US" smtClean="0"/>
-              <a:t>5/28/2022</a:t>
+              <a:t>6/16/2022</a:t>
             </a:fld>
             <a:endParaRPr lang="en-US"/>
           </a:p>
@@ -2452,7 +3002,7 @@
           <a:p>
             <a:fld id="{71971647-0B5F-4417-ABA7-63C056FD3A7E}" type="datetimeFigureOut">
               <a:rPr lang="en-US" smtClean="0"/>
-              <a:t>5/28/2022</a:t>
+              <a:t>6/16/2022</a:t>
             </a:fld>
             <a:endParaRPr lang="en-US"/>
           </a:p>
@@ -2698,7 +3248,7 @@
           <a:p>
             <a:fld id="{71971647-0B5F-4417-ABA7-63C056FD3A7E}" type="datetimeFigureOut">
               <a:rPr lang="en-US" smtClean="0"/>
-              <a:t>5/28/2022</a:t>
+              <a:t>6/16/2022</a:t>
             </a:fld>
             <a:endParaRPr lang="en-US"/>
           </a:p>
@@ -2930,7 +3480,7 @@
           <a:p>
             <a:fld id="{71971647-0B5F-4417-ABA7-63C056FD3A7E}" type="datetimeFigureOut">
               <a:rPr lang="en-US" smtClean="0"/>
-              <a:t>5/28/2022</a:t>
+              <a:t>6/16/2022</a:t>
             </a:fld>
             <a:endParaRPr lang="en-US"/>
           </a:p>
@@ -3297,7 +3847,7 @@
           <a:p>
             <a:fld id="{71971647-0B5F-4417-ABA7-63C056FD3A7E}" type="datetimeFigureOut">
               <a:rPr lang="en-US" smtClean="0"/>
-              <a:t>5/28/2022</a:t>
+              <a:t>6/16/2022</a:t>
             </a:fld>
             <a:endParaRPr lang="en-US"/>
           </a:p>
@@ -3415,7 +3965,7 @@
           <a:p>
             <a:fld id="{71971647-0B5F-4417-ABA7-63C056FD3A7E}" type="datetimeFigureOut">
               <a:rPr lang="en-US" smtClean="0"/>
-              <a:t>5/28/2022</a:t>
+              <a:t>6/16/2022</a:t>
             </a:fld>
             <a:endParaRPr lang="en-US"/>
           </a:p>
@@ -3510,7 +4060,7 @@
           <a:p>
             <a:fld id="{71971647-0B5F-4417-ABA7-63C056FD3A7E}" type="datetimeFigureOut">
               <a:rPr lang="en-US" smtClean="0"/>
-              <a:t>5/28/2022</a:t>
+              <a:t>6/16/2022</a:t>
             </a:fld>
             <a:endParaRPr lang="en-US"/>
           </a:p>
@@ -3787,7 +4337,7 @@
           <a:p>
             <a:fld id="{71971647-0B5F-4417-ABA7-63C056FD3A7E}" type="datetimeFigureOut">
               <a:rPr lang="en-US" smtClean="0"/>
-              <a:t>5/28/2022</a:t>
+              <a:t>6/16/2022</a:t>
             </a:fld>
             <a:endParaRPr lang="en-US"/>
           </a:p>
@@ -4040,7 +4590,7 @@
           <a:p>
             <a:fld id="{71971647-0B5F-4417-ABA7-63C056FD3A7E}" type="datetimeFigureOut">
               <a:rPr lang="en-US" smtClean="0"/>
-              <a:t>5/28/2022</a:t>
+              <a:t>6/16/2022</a:t>
             </a:fld>
             <a:endParaRPr lang="en-US"/>
           </a:p>
@@ -4253,7 +4803,7 @@
           <a:p>
             <a:fld id="{71971647-0B5F-4417-ABA7-63C056FD3A7E}" type="datetimeFigureOut">
               <a:rPr lang="en-US" smtClean="0"/>
-              <a:t>5/28/2022</a:t>
+              <a:t>6/16/2022</a:t>
             </a:fld>
             <a:endParaRPr lang="en-US"/>
           </a:p>
@@ -4675,11 +5225,7 @@
           <a:p>
             <a:r>
               <a:rPr lang="en-US" dirty="0" smtClean="0"/>
-              <a:t>Convolutional </a:t>
-            </a:r>
-            <a:r>
-              <a:rPr lang="en-US" dirty="0" smtClean="0"/>
-              <a:t>Neural Network (CNN)</a:t>
+              <a:t>Convolutional Neural Network (CNN)</a:t>
             </a:r>
             <a:endParaRPr lang="en-US" dirty="0"/>
           </a:p>
@@ -4722,82 +5268,6 @@
 </file>
 
 <file path=ppt/slides/slide10.xml><?xml version="1.0" encoding="utf-8"?>
-<p:sld xmlns:a="http://schemas.openxmlformats.org/drawingml/2006/main" xmlns:r="http://schemas.openxmlformats.org/officeDocument/2006/relationships" xmlns:p="http://schemas.openxmlformats.org/presentationml/2006/main">
-  <p:cSld>
-    <p:spTree>
-      <p:nvGrpSpPr>
-        <p:cNvPr id="1" name=""/>
-        <p:cNvGrpSpPr/>
-        <p:nvPr/>
-      </p:nvGrpSpPr>
-      <p:grpSpPr>
-        <a:xfrm>
-          <a:off x="0" y="0"/>
-          <a:ext cx="0" cy="0"/>
-          <a:chOff x="0" y="0"/>
-          <a:chExt cx="0" cy="0"/>
-        </a:xfrm>
-      </p:grpSpPr>
-      <p:sp>
-        <p:nvSpPr>
-          <p:cNvPr id="2" name="Title 1"/>
-          <p:cNvSpPr>
-            <a:spLocks noGrp="1"/>
-          </p:cNvSpPr>
-          <p:nvPr>
-            <p:ph type="title"/>
-          </p:nvPr>
-        </p:nvSpPr>
-        <p:spPr/>
-        <p:txBody>
-          <a:bodyPr/>
-          <a:lstStyle/>
-          <a:p>
-            <a:r>
-              <a:rPr lang="en-US" dirty="0" smtClean="0"/>
-              <a:t>Multi channels</a:t>
-            </a:r>
-            <a:endParaRPr lang="en-US" dirty="0"/>
-          </a:p>
-        </p:txBody>
-      </p:sp>
-      <p:sp>
-        <p:nvSpPr>
-          <p:cNvPr id="3" name="Content Placeholder 2"/>
-          <p:cNvSpPr>
-            <a:spLocks noGrp="1"/>
-          </p:cNvSpPr>
-          <p:nvPr>
-            <p:ph idx="1"/>
-          </p:nvPr>
-        </p:nvSpPr>
-        <p:spPr/>
-        <p:txBody>
-          <a:bodyPr/>
-          <a:lstStyle/>
-          <a:p>
-            <a:r>
-              <a:rPr lang="en-US" dirty="0" smtClean="0"/>
-              <a:t>Example code</a:t>
-            </a:r>
-            <a:endParaRPr lang="en-US" dirty="0"/>
-          </a:p>
-        </p:txBody>
-      </p:sp>
-    </p:spTree>
-    <p:extLst>
-      <p:ext uri="{BB962C8B-B14F-4D97-AF65-F5344CB8AC3E}">
-        <p14:creationId xmlns:p14="http://schemas.microsoft.com/office/powerpoint/2010/main" val="88734808"/>
-      </p:ext>
-    </p:extLst>
-  </p:cSld>
-  <p:clrMapOvr>
-    <a:masterClrMapping/>
-  </p:clrMapOvr>
-</p:sld>
-</file>
-
-<file path=ppt/slides/slide11.xml><?xml version="1.0" encoding="utf-8"?>
 <p:sld xmlns:a="http://schemas.openxmlformats.org/drawingml/2006/main" xmlns:r="http://schemas.openxmlformats.org/officeDocument/2006/relationships" xmlns:p="http://schemas.openxmlformats.org/presentationml/2006/main">
   <p:cSld>
     <p:spTree>
@@ -5183,6 +5653,82 @@
 </p:sld>
 </file>
 
+<file path=ppt/slides/slide11.xml><?xml version="1.0" encoding="utf-8"?>
+<p:sld xmlns:a="http://schemas.openxmlformats.org/drawingml/2006/main" xmlns:r="http://schemas.openxmlformats.org/officeDocument/2006/relationships" xmlns:p="http://schemas.openxmlformats.org/presentationml/2006/main">
+  <p:cSld>
+    <p:spTree>
+      <p:nvGrpSpPr>
+        <p:cNvPr id="1" name=""/>
+        <p:cNvGrpSpPr/>
+        <p:nvPr/>
+      </p:nvGrpSpPr>
+      <p:grpSpPr>
+        <a:xfrm>
+          <a:off x="0" y="0"/>
+          <a:ext cx="0" cy="0"/>
+          <a:chOff x="0" y="0"/>
+          <a:chExt cx="0" cy="0"/>
+        </a:xfrm>
+      </p:grpSpPr>
+      <p:sp>
+        <p:nvSpPr>
+          <p:cNvPr id="4" name="Title 3"/>
+          <p:cNvSpPr>
+            <a:spLocks noGrp="1"/>
+          </p:cNvSpPr>
+          <p:nvPr>
+            <p:ph type="title"/>
+          </p:nvPr>
+        </p:nvSpPr>
+        <p:spPr/>
+        <p:txBody>
+          <a:bodyPr/>
+          <a:lstStyle/>
+          <a:p>
+            <a:r>
+              <a:rPr lang="en-US" dirty="0" err="1" smtClean="0"/>
+              <a:t>Lớp</a:t>
+            </a:r>
+            <a:r>
+              <a:rPr lang="en-US" dirty="0" smtClean="0"/>
+              <a:t> pooling</a:t>
+            </a:r>
+            <a:endParaRPr lang="en-US" dirty="0"/>
+          </a:p>
+        </p:txBody>
+      </p:sp>
+      <p:sp>
+        <p:nvSpPr>
+          <p:cNvPr id="5" name="Text Placeholder 4"/>
+          <p:cNvSpPr>
+            <a:spLocks noGrp="1"/>
+          </p:cNvSpPr>
+          <p:nvPr>
+            <p:ph type="body" idx="1"/>
+          </p:nvPr>
+        </p:nvSpPr>
+        <p:spPr/>
+        <p:txBody>
+          <a:bodyPr/>
+          <a:lstStyle/>
+          <a:p>
+            <a:endParaRPr lang="en-US"/>
+          </a:p>
+        </p:txBody>
+      </p:sp>
+    </p:spTree>
+    <p:extLst>
+      <p:ext uri="{BB962C8B-B14F-4D97-AF65-F5344CB8AC3E}">
+        <p14:creationId xmlns:p14="http://schemas.microsoft.com/office/powerpoint/2010/main" val="2089869537"/>
+      </p:ext>
+    </p:extLst>
+  </p:cSld>
+  <p:clrMapOvr>
+    <a:masterClrMapping/>
+  </p:clrMapOvr>
+</p:sld>
+</file>
+
 <file path=ppt/slides/slide12.xml><?xml version="1.0" encoding="utf-8"?>
 <p:sld xmlns:a="http://schemas.openxmlformats.org/drawingml/2006/main" xmlns:r="http://schemas.openxmlformats.org/officeDocument/2006/relationships" xmlns:p="http://schemas.openxmlformats.org/presentationml/2006/main">
   <p:cSld>
@@ -5202,7 +5748,7 @@
       </p:grpSpPr>
       <p:sp>
         <p:nvSpPr>
-          <p:cNvPr id="4" name="Title 3"/>
+          <p:cNvPr id="2" name="Title 1"/>
           <p:cNvSpPr>
             <a:spLocks noGrp="1"/>
           </p:cNvSpPr>
@@ -5225,27 +5771,235 @@
       </p:sp>
       <p:sp>
         <p:nvSpPr>
-          <p:cNvPr id="5" name="Text Placeholder 4"/>
-          <p:cNvSpPr>
-            <a:spLocks noGrp="1"/>
-          </p:cNvSpPr>
-          <p:nvPr>
-            <p:ph type="body" idx="1"/>
-          </p:nvPr>
-        </p:nvSpPr>
-        <p:spPr/>
+          <p:cNvPr id="3" name="Content Placeholder 2"/>
+          <p:cNvSpPr>
+            <a:spLocks noGrp="1"/>
+          </p:cNvSpPr>
+          <p:nvPr>
+            <p:ph idx="1"/>
+          </p:nvPr>
+        </p:nvSpPr>
+        <p:spPr>
+          <a:xfrm>
+            <a:off x="838200" y="1825625"/>
+            <a:ext cx="5976486" cy="4351338"/>
+          </a:xfrm>
+        </p:spPr>
         <p:txBody>
           <a:bodyPr/>
           <a:lstStyle/>
           <a:p>
-            <a:endParaRPr lang="en-US"/>
-          </a:p>
-        </p:txBody>
-      </p:sp>
+            <a:r>
+              <a:rPr lang="en-US" dirty="0" err="1" smtClean="0"/>
+              <a:t>Giảm</a:t>
+            </a:r>
+            <a:r>
+              <a:rPr lang="en-US" dirty="0" smtClean="0"/>
+              <a:t> </a:t>
+            </a:r>
+            <a:r>
+              <a:rPr lang="en-US" dirty="0" err="1" smtClean="0"/>
+              <a:t>kích</a:t>
+            </a:r>
+            <a:r>
+              <a:rPr lang="en-US" dirty="0" smtClean="0"/>
+              <a:t> </a:t>
+            </a:r>
+            <a:r>
+              <a:rPr lang="en-US" dirty="0" err="1" smtClean="0"/>
+              <a:t>thước</a:t>
+            </a:r>
+            <a:r>
+              <a:rPr lang="en-US" dirty="0" smtClean="0"/>
+              <a:t> </a:t>
+            </a:r>
+            <a:r>
+              <a:rPr lang="en-US" dirty="0" err="1" smtClean="0"/>
+              <a:t>của</a:t>
+            </a:r>
+            <a:r>
+              <a:rPr lang="en-US" dirty="0" smtClean="0"/>
+              <a:t> feature map, </a:t>
+            </a:r>
+          </a:p>
+          <a:p>
+            <a:r>
+              <a:rPr lang="en-US" dirty="0" err="1" smtClean="0"/>
+              <a:t>Các</a:t>
+            </a:r>
+            <a:r>
+              <a:rPr lang="en-US" dirty="0" smtClean="0"/>
+              <a:t> </a:t>
+            </a:r>
+            <a:r>
+              <a:rPr lang="en-US" dirty="0" err="1" smtClean="0"/>
+              <a:t>lớp</a:t>
+            </a:r>
+            <a:r>
+              <a:rPr lang="en-US" dirty="0" smtClean="0"/>
+              <a:t> </a:t>
+            </a:r>
+            <a:r>
+              <a:rPr lang="en-US" dirty="0" err="1" smtClean="0"/>
+              <a:t>càng</a:t>
+            </a:r>
+            <a:r>
+              <a:rPr lang="en-US" dirty="0" smtClean="0"/>
+              <a:t> </a:t>
+            </a:r>
+            <a:r>
+              <a:rPr lang="en-US" dirty="0" err="1" smtClean="0"/>
+              <a:t>sâu</a:t>
+            </a:r>
+            <a:r>
+              <a:rPr lang="en-US" dirty="0" smtClean="0"/>
+              <a:t>, </a:t>
+            </a:r>
+            <a:r>
+              <a:rPr lang="en-US" dirty="0" err="1" smtClean="0"/>
+              <a:t>thông</a:t>
+            </a:r>
+            <a:r>
+              <a:rPr lang="en-US" dirty="0" smtClean="0"/>
+              <a:t> tin </a:t>
+            </a:r>
+            <a:r>
+              <a:rPr lang="en-US" dirty="0" err="1" smtClean="0"/>
+              <a:t>tại</a:t>
+            </a:r>
+            <a:r>
+              <a:rPr lang="en-US" dirty="0" smtClean="0"/>
+              <a:t> </a:t>
+            </a:r>
+            <a:r>
+              <a:rPr lang="en-US" dirty="0" err="1" smtClean="0"/>
+              <a:t>một</a:t>
+            </a:r>
+            <a:r>
+              <a:rPr lang="en-US" dirty="0" smtClean="0"/>
+              <a:t> </a:t>
+            </a:r>
+            <a:r>
+              <a:rPr lang="en-US" dirty="0" err="1" smtClean="0"/>
+              <a:t>điểm</a:t>
+            </a:r>
+            <a:r>
+              <a:rPr lang="en-US" dirty="0" smtClean="0"/>
+              <a:t> </a:t>
+            </a:r>
+            <a:r>
+              <a:rPr lang="en-US" dirty="0" err="1" smtClean="0"/>
+              <a:t>càng</a:t>
+            </a:r>
+            <a:r>
+              <a:rPr lang="en-US" dirty="0" smtClean="0"/>
+              <a:t> </a:t>
+            </a:r>
+            <a:r>
+              <a:rPr lang="en-US" dirty="0" err="1" smtClean="0"/>
+              <a:t>được</a:t>
+            </a:r>
+            <a:r>
+              <a:rPr lang="en-US" dirty="0" smtClean="0"/>
+              <a:t> </a:t>
+            </a:r>
+            <a:r>
+              <a:rPr lang="en-US" dirty="0" err="1" smtClean="0"/>
+              <a:t>nén</a:t>
+            </a:r>
+            <a:r>
+              <a:rPr lang="en-US" dirty="0" smtClean="0"/>
+              <a:t> </a:t>
+            </a:r>
+            <a:r>
+              <a:rPr lang="en-US" dirty="0" err="1" smtClean="0"/>
+              <a:t>lại</a:t>
+            </a:r>
+            <a:r>
+              <a:rPr lang="en-US" dirty="0" smtClean="0"/>
+              <a:t>, </a:t>
+            </a:r>
+            <a:r>
+              <a:rPr lang="en-US" dirty="0" err="1" smtClean="0"/>
+              <a:t>tương</a:t>
+            </a:r>
+            <a:r>
+              <a:rPr lang="en-US" dirty="0" smtClean="0"/>
+              <a:t> </a:t>
+            </a:r>
+            <a:r>
+              <a:rPr lang="en-US" dirty="0" err="1" smtClean="0"/>
+              <a:t>ứng</a:t>
+            </a:r>
+            <a:r>
+              <a:rPr lang="en-US" dirty="0" smtClean="0"/>
+              <a:t> </a:t>
+            </a:r>
+            <a:r>
+              <a:rPr lang="en-US" dirty="0" err="1" smtClean="0"/>
+              <a:t>với</a:t>
+            </a:r>
+            <a:r>
+              <a:rPr lang="en-US" dirty="0" smtClean="0"/>
+              <a:t> receptive field </a:t>
+            </a:r>
+            <a:r>
+              <a:rPr lang="en-US" dirty="0" err="1" smtClean="0"/>
+              <a:t>càng</a:t>
+            </a:r>
+            <a:r>
+              <a:rPr lang="en-US" dirty="0" smtClean="0"/>
+              <a:t> </a:t>
+            </a:r>
+            <a:r>
+              <a:rPr lang="en-US" dirty="0" err="1" smtClean="0"/>
+              <a:t>lớn</a:t>
+            </a:r>
+            <a:r>
+              <a:rPr lang="en-US" dirty="0" smtClean="0"/>
+              <a:t>.</a:t>
+            </a:r>
+          </a:p>
+          <a:p>
+            <a:endParaRPr lang="en-US" dirty="0"/>
+          </a:p>
+          <a:p>
+            <a:r>
+              <a:rPr lang="en-US" dirty="0" smtClean="0"/>
+              <a:t>Example code</a:t>
+            </a:r>
+            <a:endParaRPr lang="en-US" dirty="0"/>
+          </a:p>
+        </p:txBody>
+      </p:sp>
+      <p:pic>
+        <p:nvPicPr>
+          <p:cNvPr id="4" name="Picture 3"/>
+          <p:cNvPicPr>
+            <a:picLocks noChangeAspect="1"/>
+          </p:cNvPicPr>
+          <p:nvPr/>
+        </p:nvPicPr>
+        <p:blipFill>
+          <a:blip r:embed="rId3"/>
+          <a:stretch>
+            <a:fillRect/>
+          </a:stretch>
+        </p:blipFill>
+        <p:spPr>
+          <a:xfrm>
+            <a:off x="6699183" y="2171951"/>
+            <a:ext cx="4981159" cy="2262683"/>
+          </a:xfrm>
+          <a:prstGeom prst="rect">
+            <a:avLst/>
+          </a:prstGeom>
+        </p:spPr>
+      </p:pic>
     </p:spTree>
     <p:extLst>
       <p:ext uri="{BB962C8B-B14F-4D97-AF65-F5344CB8AC3E}">
-        <p14:creationId xmlns:p14="http://schemas.microsoft.com/office/powerpoint/2010/main" val="2089869537"/>
+        <p14:creationId xmlns:p14="http://schemas.microsoft.com/office/powerpoint/2010/main" val="1492284848"/>
       </p:ext>
     </p:extLst>
   </p:cSld>
@@ -5289,43 +6043,7 @@
           <a:p>
             <a:r>
               <a:rPr lang="en-US" dirty="0" smtClean="0"/>
-              <a:t>Pooling</a:t>
-            </a:r>
-            <a:endParaRPr lang="en-US" dirty="0"/>
-          </a:p>
-        </p:txBody>
-      </p:sp>
-      <p:sp>
-        <p:nvSpPr>
-          <p:cNvPr id="3" name="Content Placeholder 2"/>
-          <p:cNvSpPr>
-            <a:spLocks noGrp="1"/>
-          </p:cNvSpPr>
-          <p:nvPr>
-            <p:ph idx="1"/>
-          </p:nvPr>
-        </p:nvSpPr>
-        <p:spPr/>
-        <p:txBody>
-          <a:bodyPr/>
-          <a:lstStyle/>
-          <a:p>
-            <a:r>
-              <a:rPr lang="en-US" dirty="0"/>
-              <a:t>reduce the spatial resolution of our hidden representations, aggregating information so that the higher up we go in the network, the larger the receptive </a:t>
-            </a:r>
-            <a:r>
-              <a:rPr lang="en-US" dirty="0" smtClean="0"/>
-              <a:t>field.</a:t>
-            </a:r>
-          </a:p>
-          <a:p>
-            <a:endParaRPr lang="en-US" dirty="0"/>
-          </a:p>
-          <a:p>
-            <a:r>
-              <a:rPr lang="en-US" dirty="0" smtClean="0"/>
-              <a:t>Example code</a:t>
+              <a:t>MNIST dataset</a:t>
             </a:r>
             <a:endParaRPr lang="en-US" dirty="0"/>
           </a:p>
@@ -5333,32 +6051,49 @@
       </p:sp>
       <p:pic>
         <p:nvPicPr>
-          <p:cNvPr id="4" name="Picture 3"/>
+          <p:cNvPr id="1026" name="Picture 2" descr="MNIST database - Wikipedia"/>
           <p:cNvPicPr>
-            <a:picLocks noChangeAspect="1"/>
+            <a:picLocks noChangeAspect="1" noChangeArrowheads="1"/>
           </p:cNvPicPr>
           <p:nvPr/>
         </p:nvPicPr>
         <p:blipFill>
-          <a:blip r:embed="rId3"/>
+          <a:blip r:embed="rId2">
+            <a:extLst>
+              <a:ext uri="{28A0092B-C50C-407E-A947-70E740481C1C}">
+                <a14:useLocalDpi xmlns:a14="http://schemas.microsoft.com/office/drawing/2010/main" val="0"/>
+              </a:ext>
+            </a:extLst>
+          </a:blip>
+          <a:srcRect/>
           <a:stretch>
             <a:fillRect/>
           </a:stretch>
         </p:blipFill>
-        <p:spPr>
+        <p:spPr bwMode="auto">
           <a:xfrm>
-            <a:off x="8014921" y="365125"/>
-            <a:ext cx="2914650" cy="1323975"/>
+            <a:off x="2848242" y="1926339"/>
+            <a:ext cx="6495515" cy="3950253"/>
           </a:xfrm>
           <a:prstGeom prst="rect">
             <a:avLst/>
           </a:prstGeom>
+          <a:noFill/>
+          <a:extLst>
+            <a:ext uri="{909E8E84-426E-40DD-AFC4-6F175D3DCCD1}">
+              <a14:hiddenFill xmlns:a14="http://schemas.microsoft.com/office/drawing/2010/main">
+                <a:solidFill>
+                  <a:srgbClr val="FFFFFF"/>
+                </a:solidFill>
+              </a14:hiddenFill>
+            </a:ext>
+          </a:extLst>
         </p:spPr>
       </p:pic>
     </p:spTree>
     <p:extLst>
       <p:ext uri="{BB962C8B-B14F-4D97-AF65-F5344CB8AC3E}">
-        <p14:creationId xmlns:p14="http://schemas.microsoft.com/office/powerpoint/2010/main" val="1492284848"/>
+        <p14:creationId xmlns:p14="http://schemas.microsoft.com/office/powerpoint/2010/main" val="2518064511"/>
       </p:ext>
     </p:extLst>
   </p:cSld>
@@ -5402,7 +6137,7 @@
           <a:p>
             <a:r>
               <a:rPr lang="en-US" dirty="0" smtClean="0"/>
-              <a:t>Architecture</a:t>
+              <a:t>ImageNet dataset</a:t>
             </a:r>
             <a:endParaRPr lang="en-US" dirty="0"/>
           </a:p>
@@ -5410,27 +6145,274 @@
       </p:sp>
       <p:sp>
         <p:nvSpPr>
-          <p:cNvPr id="3" name="Text Placeholder 2"/>
-          <p:cNvSpPr>
-            <a:spLocks noGrp="1"/>
-          </p:cNvSpPr>
-          <p:nvPr>
-            <p:ph type="body" idx="1"/>
-          </p:nvPr>
-        </p:nvSpPr>
-        <p:spPr/>
-        <p:txBody>
-          <a:bodyPr/>
+          <p:cNvPr id="3" name="Content Placeholder 2"/>
+          <p:cNvSpPr>
+            <a:spLocks noGrp="1"/>
+          </p:cNvSpPr>
+          <p:nvPr>
+            <p:ph idx="1"/>
+          </p:nvPr>
+        </p:nvSpPr>
+        <p:spPr>
+          <a:xfrm>
+            <a:off x="838200" y="1825625"/>
+            <a:ext cx="5293093" cy="4351338"/>
+          </a:xfrm>
+        </p:spPr>
+        <p:txBody>
+          <a:bodyPr>
+            <a:normAutofit/>
+          </a:bodyPr>
           <a:lstStyle/>
           <a:p>
-            <a:endParaRPr lang="en-US"/>
-          </a:p>
-        </p:txBody>
-      </p:sp>
+            <a:pPr marL="0" indent="0">
+              <a:buNone/>
+            </a:pPr>
+            <a:r>
+              <a:rPr lang="en-US" sz="1800" dirty="0" smtClean="0">
+                <a:hlinkClick r:id="rId2"/>
+              </a:rPr>
+              <a:t>https</a:t>
+            </a:r>
+            <a:r>
+              <a:rPr lang="en-US" sz="1800" dirty="0">
+                <a:hlinkClick r:id="rId2"/>
+              </a:rPr>
+              <a:t>://www.image-net.org</a:t>
+            </a:r>
+            <a:r>
+              <a:rPr lang="en-US" sz="1800" dirty="0" smtClean="0">
+                <a:hlinkClick r:id="rId2"/>
+              </a:rPr>
+              <a:t>/</a:t>
+            </a:r>
+            <a:endParaRPr lang="en-US" sz="1800" dirty="0" smtClean="0"/>
+          </a:p>
+          <a:p>
+            <a:pPr marL="0" indent="0">
+              <a:buNone/>
+            </a:pPr>
+            <a:r>
+              <a:rPr lang="en-US" sz="1800" dirty="0" err="1" smtClean="0"/>
+              <a:t>Dữ</a:t>
+            </a:r>
+            <a:r>
+              <a:rPr lang="en-US" sz="1800" dirty="0" smtClean="0"/>
+              <a:t> </a:t>
+            </a:r>
+            <a:r>
+              <a:rPr lang="en-US" sz="1800" dirty="0" err="1" smtClean="0"/>
+              <a:t>liệu</a:t>
+            </a:r>
+            <a:r>
+              <a:rPr lang="en-US" sz="1800" dirty="0" smtClean="0"/>
+              <a:t> </a:t>
+            </a:r>
+            <a:r>
+              <a:rPr lang="en-US" sz="1800" dirty="0" err="1" smtClean="0"/>
+              <a:t>cho</a:t>
+            </a:r>
+            <a:r>
+              <a:rPr lang="en-US" sz="1800" dirty="0" smtClean="0"/>
+              <a:t> </a:t>
+            </a:r>
+            <a:r>
+              <a:rPr lang="en-US" sz="1800" dirty="0" err="1" smtClean="0"/>
+              <a:t>bài</a:t>
+            </a:r>
+            <a:r>
+              <a:rPr lang="en-US" sz="1800" dirty="0" smtClean="0"/>
+              <a:t> </a:t>
+            </a:r>
+            <a:r>
+              <a:rPr lang="en-US" sz="1800" dirty="0" err="1" smtClean="0"/>
+              <a:t>toán</a:t>
+            </a:r>
+            <a:r>
+              <a:rPr lang="en-US" sz="1800" dirty="0" smtClean="0"/>
+              <a:t> </a:t>
+            </a:r>
+            <a:r>
+              <a:rPr lang="en-US" sz="1800" dirty="0" err="1" smtClean="0"/>
+              <a:t>phân</a:t>
+            </a:r>
+            <a:r>
+              <a:rPr lang="en-US" sz="1800" dirty="0" smtClean="0"/>
+              <a:t> </a:t>
+            </a:r>
+            <a:r>
+              <a:rPr lang="en-US" sz="1800" dirty="0" err="1" smtClean="0"/>
+              <a:t>loại</a:t>
+            </a:r>
+            <a:r>
+              <a:rPr lang="en-US" sz="1800" dirty="0" smtClean="0"/>
+              <a:t> </a:t>
+            </a:r>
+            <a:r>
+              <a:rPr lang="en-US" sz="1800" dirty="0" err="1" smtClean="0"/>
+              <a:t>ảnh</a:t>
+            </a:r>
+            <a:endParaRPr lang="en-US" sz="1800" dirty="0" smtClean="0"/>
+          </a:p>
+          <a:p>
+            <a:r>
+              <a:rPr lang="en-US" sz="1800" dirty="0" smtClean="0"/>
+              <a:t>1000 </a:t>
+            </a:r>
+            <a:r>
+              <a:rPr lang="en-US" sz="1800" dirty="0" err="1" smtClean="0"/>
+              <a:t>kiểu</a:t>
+            </a:r>
+            <a:r>
+              <a:rPr lang="en-US" sz="1800" dirty="0" smtClean="0"/>
+              <a:t> </a:t>
+            </a:r>
+            <a:r>
+              <a:rPr lang="en-US" sz="1800" dirty="0" err="1" smtClean="0"/>
+              <a:t>vật</a:t>
+            </a:r>
+            <a:r>
+              <a:rPr lang="en-US" sz="1800" dirty="0" smtClean="0"/>
+              <a:t> </a:t>
+            </a:r>
+            <a:r>
+              <a:rPr lang="en-US" sz="1800" dirty="0" err="1" smtClean="0"/>
+              <a:t>thể</a:t>
+            </a:r>
+            <a:r>
+              <a:rPr lang="en-US" sz="1800" dirty="0" smtClean="0"/>
+              <a:t> (class)</a:t>
+            </a:r>
+          </a:p>
+          <a:p>
+            <a:r>
+              <a:rPr lang="en-US" sz="1800" dirty="0" smtClean="0"/>
+              <a:t>1281164 </a:t>
+            </a:r>
+            <a:r>
+              <a:rPr lang="en-US" sz="1800" dirty="0" err="1" smtClean="0"/>
+              <a:t>ảnh</a:t>
+            </a:r>
+            <a:r>
+              <a:rPr lang="en-US" sz="1800" dirty="0" smtClean="0"/>
+              <a:t> </a:t>
+            </a:r>
+            <a:r>
+              <a:rPr lang="en-US" sz="1800" dirty="0" err="1" smtClean="0"/>
+              <a:t>tập</a:t>
+            </a:r>
+            <a:r>
+              <a:rPr lang="en-US" sz="1800" dirty="0" smtClean="0"/>
+              <a:t> </a:t>
+            </a:r>
+            <a:r>
+              <a:rPr lang="en-US" sz="1800" dirty="0" err="1" smtClean="0"/>
+              <a:t>huấn</a:t>
+            </a:r>
+            <a:r>
+              <a:rPr lang="en-US" sz="1800" dirty="0" smtClean="0"/>
+              <a:t> </a:t>
+            </a:r>
+            <a:r>
+              <a:rPr lang="en-US" sz="1800" dirty="0" err="1" smtClean="0"/>
+              <a:t>luyện</a:t>
+            </a:r>
+            <a:r>
+              <a:rPr lang="en-US" sz="1800" dirty="0" smtClean="0"/>
+              <a:t> (train)</a:t>
+            </a:r>
+          </a:p>
+          <a:p>
+            <a:r>
+              <a:rPr lang="en-US" sz="1800" dirty="0" smtClean="0"/>
+              <a:t>50000 </a:t>
+            </a:r>
+            <a:r>
+              <a:rPr lang="en-US" sz="1800" dirty="0" err="1" smtClean="0"/>
+              <a:t>ảnh</a:t>
+            </a:r>
+            <a:r>
+              <a:rPr lang="en-US" sz="1800" dirty="0" smtClean="0"/>
+              <a:t> </a:t>
+            </a:r>
+            <a:r>
+              <a:rPr lang="en-US" sz="1800" dirty="0" err="1" smtClean="0"/>
+              <a:t>tập</a:t>
+            </a:r>
+            <a:r>
+              <a:rPr lang="en-US" sz="1800" dirty="0" smtClean="0"/>
+              <a:t> </a:t>
+            </a:r>
+            <a:r>
+              <a:rPr lang="en-US" sz="1800" dirty="0" err="1" smtClean="0"/>
+              <a:t>xác</a:t>
+            </a:r>
+            <a:r>
+              <a:rPr lang="en-US" sz="1800" dirty="0" smtClean="0"/>
+              <a:t> </a:t>
+            </a:r>
+            <a:r>
+              <a:rPr lang="en-US" sz="1800" dirty="0" err="1" smtClean="0"/>
+              <a:t>nhận</a:t>
+            </a:r>
+            <a:r>
+              <a:rPr lang="en-US" sz="1800" dirty="0" smtClean="0"/>
+              <a:t> (validation)</a:t>
+            </a:r>
+          </a:p>
+          <a:p>
+            <a:r>
+              <a:rPr lang="en-US" sz="1800" dirty="0" smtClean="0"/>
+              <a:t>100000 </a:t>
+            </a:r>
+            <a:r>
+              <a:rPr lang="en-US" sz="1800" dirty="0" err="1" smtClean="0"/>
+              <a:t>ảnh</a:t>
+            </a:r>
+            <a:r>
+              <a:rPr lang="en-US" sz="1800" dirty="0" smtClean="0"/>
+              <a:t> test</a:t>
+            </a:r>
+          </a:p>
+          <a:p>
+            <a:endParaRPr lang="en-US" sz="1800" dirty="0"/>
+          </a:p>
+        </p:txBody>
+      </p:sp>
+      <p:pic>
+        <p:nvPicPr>
+          <p:cNvPr id="6" name="Picture 5"/>
+          <p:cNvPicPr>
+            <a:picLocks noChangeAspect="1"/>
+          </p:cNvPicPr>
+          <p:nvPr/>
+        </p:nvPicPr>
+        <p:blipFill>
+          <a:blip r:embed="rId3">
+            <a:extLst>
+              <a:ext uri="{28A0092B-C50C-407E-A947-70E740481C1C}">
+                <a14:useLocalDpi xmlns:a14="http://schemas.microsoft.com/office/drawing/2010/main" val="0"/>
+              </a:ext>
+            </a:extLst>
+          </a:blip>
+          <a:stretch>
+            <a:fillRect/>
+          </a:stretch>
+        </p:blipFill>
+        <p:spPr>
+          <a:xfrm>
+            <a:off x="5920339" y="957880"/>
+            <a:ext cx="5601101" cy="5601101"/>
+          </a:xfrm>
+          <a:prstGeom prst="rect">
+            <a:avLst/>
+          </a:prstGeom>
+        </p:spPr>
+      </p:pic>
     </p:spTree>
     <p:extLst>
       <p:ext uri="{BB962C8B-B14F-4D97-AF65-F5344CB8AC3E}">
-        <p14:creationId xmlns:p14="http://schemas.microsoft.com/office/powerpoint/2010/main" val="329959285"/>
+        <p14:creationId xmlns:p14="http://schemas.microsoft.com/office/powerpoint/2010/main" val="3271687136"/>
       </p:ext>
     </p:extLst>
   </p:cSld>
@@ -5459,6 +6441,98 @@
       </p:grpSpPr>
       <p:sp>
         <p:nvSpPr>
+          <p:cNvPr id="2" name="Title 1"/>
+          <p:cNvSpPr>
+            <a:spLocks noGrp="1"/>
+          </p:cNvSpPr>
+          <p:nvPr>
+            <p:ph type="title"/>
+          </p:nvPr>
+        </p:nvSpPr>
+        <p:spPr/>
+        <p:txBody>
+          <a:bodyPr/>
+          <a:lstStyle/>
+          <a:p>
+            <a:r>
+              <a:rPr lang="en-US" dirty="0" err="1" smtClean="0"/>
+              <a:t>Kiến</a:t>
+            </a:r>
+            <a:r>
+              <a:rPr lang="en-US" dirty="0" smtClean="0"/>
+              <a:t> </a:t>
+            </a:r>
+            <a:r>
+              <a:rPr lang="en-US" dirty="0" err="1" smtClean="0"/>
+              <a:t>trúc</a:t>
+            </a:r>
+            <a:r>
+              <a:rPr lang="en-US" dirty="0" smtClean="0"/>
+              <a:t> </a:t>
+            </a:r>
+            <a:r>
+              <a:rPr lang="en-US" dirty="0" err="1" smtClean="0"/>
+              <a:t>mạng</a:t>
+            </a:r>
+            <a:r>
+              <a:rPr lang="en-US" dirty="0" smtClean="0"/>
+              <a:t> neuron (architecture)</a:t>
+            </a:r>
+            <a:endParaRPr lang="en-US" dirty="0"/>
+          </a:p>
+        </p:txBody>
+      </p:sp>
+      <p:sp>
+        <p:nvSpPr>
+          <p:cNvPr id="3" name="Text Placeholder 2"/>
+          <p:cNvSpPr>
+            <a:spLocks noGrp="1"/>
+          </p:cNvSpPr>
+          <p:nvPr>
+            <p:ph type="body" idx="1"/>
+          </p:nvPr>
+        </p:nvSpPr>
+        <p:spPr/>
+        <p:txBody>
+          <a:bodyPr/>
+          <a:lstStyle/>
+          <a:p>
+            <a:endParaRPr lang="en-US"/>
+          </a:p>
+        </p:txBody>
+      </p:sp>
+    </p:spTree>
+    <p:extLst>
+      <p:ext uri="{BB962C8B-B14F-4D97-AF65-F5344CB8AC3E}">
+        <p14:creationId xmlns:p14="http://schemas.microsoft.com/office/powerpoint/2010/main" val="329959285"/>
+      </p:ext>
+    </p:extLst>
+  </p:cSld>
+  <p:clrMapOvr>
+    <a:masterClrMapping/>
+  </p:clrMapOvr>
+</p:sld>
+</file>
+
+<file path=ppt/slides/slide16.xml><?xml version="1.0" encoding="utf-8"?>
+<p:sld xmlns:a="http://schemas.openxmlformats.org/drawingml/2006/main" xmlns:r="http://schemas.openxmlformats.org/officeDocument/2006/relationships" xmlns:p="http://schemas.openxmlformats.org/presentationml/2006/main">
+  <p:cSld>
+    <p:spTree>
+      <p:nvGrpSpPr>
+        <p:cNvPr id="1" name=""/>
+        <p:cNvGrpSpPr/>
+        <p:nvPr/>
+      </p:nvGrpSpPr>
+      <p:grpSpPr>
+        <a:xfrm>
+          <a:off x="0" y="0"/>
+          <a:ext cx="0" cy="0"/>
+          <a:chOff x="0" y="0"/>
+          <a:chExt cx="0" cy="0"/>
+        </a:xfrm>
+      </p:grpSpPr>
+      <p:sp>
+        <p:nvSpPr>
           <p:cNvPr id="4" name="Title 3"/>
           <p:cNvSpPr>
             <a:spLocks noGrp="1"/>
@@ -5493,98 +6567,14 @@
         <p:spPr>
           <a:xfrm>
             <a:off x="838200" y="3796665"/>
-            <a:ext cx="10515600" cy="2451735"/>
+            <a:ext cx="4340192" cy="2451735"/>
           </a:xfrm>
         </p:spPr>
         <p:txBody>
           <a:bodyPr>
-            <a:normAutofit fontScale="70000" lnSpcReduction="20000"/>
+            <a:normAutofit/>
           </a:bodyPr>
           <a:lstStyle/>
-          <a:p>
-            <a:r>
-              <a:rPr lang="en-US" dirty="0"/>
-              <a:t>(</a:t>
-            </a:r>
-            <a:r>
-              <a:rPr lang="en-US" dirty="0" err="1"/>
-              <a:t>i</a:t>
-            </a:r>
-            <a:r>
-              <a:rPr lang="en-US" dirty="0"/>
-              <a:t>) a convolutional encoder consisting of two convolutional layers; and (ii) a dense block consisting of three fully-connected </a:t>
-            </a:r>
-            <a:r>
-              <a:rPr lang="en-US" dirty="0" smtClean="0"/>
-              <a:t>layers</a:t>
-            </a:r>
-          </a:p>
-          <a:p>
-            <a:endParaRPr lang="en-US" dirty="0"/>
-          </a:p>
-          <a:p>
-            <a:r>
-              <a:rPr lang="en-US" altLang="en-US" dirty="0">
-                <a:latin typeface="Roboto"/>
-              </a:rPr>
-              <a:t>Each convolutional layer uses a </a:t>
-            </a:r>
-            <a:r>
-              <a:rPr lang="en-US" altLang="en-US" dirty="0" smtClean="0">
-                <a:latin typeface="Roboto"/>
-              </a:rPr>
-              <a:t>5×5</a:t>
-            </a:r>
-            <a:r>
-              <a:rPr lang="en-US" altLang="en-US" dirty="0">
-                <a:latin typeface="Roboto"/>
-              </a:rPr>
-              <a:t> kernel and a sigmoid activation function. These layers map spatially arranged inputs to a number of two-dimensional feature maps, typically increasing the number of channels. The first convolutional layer has 6 output channels, while the second has 16. Each </a:t>
-            </a:r>
-            <a:r>
-              <a:rPr lang="en-US" altLang="en-US" dirty="0" smtClean="0">
-                <a:latin typeface="Roboto"/>
-              </a:rPr>
-              <a:t>2×2</a:t>
-            </a:r>
-            <a:r>
-              <a:rPr lang="en-US" altLang="en-US" dirty="0">
-                <a:latin typeface="Roboto"/>
-              </a:rPr>
-              <a:t> pooling operation (stride 2) reduces dimensionality by a factor of </a:t>
-            </a:r>
-            <a:r>
-              <a:rPr lang="en-US" altLang="en-US" dirty="0" smtClean="0">
-                <a:latin typeface="Roboto"/>
-              </a:rPr>
-              <a:t>4</a:t>
-            </a:r>
-            <a:r>
-              <a:rPr lang="en-US" altLang="en-US" dirty="0">
-                <a:latin typeface="Roboto"/>
-              </a:rPr>
-              <a:t> via spatial </a:t>
-            </a:r>
-            <a:r>
-              <a:rPr lang="en-US" altLang="en-US" dirty="0" err="1">
-                <a:latin typeface="Roboto"/>
-              </a:rPr>
-              <a:t>downsampling</a:t>
-            </a:r>
-            <a:r>
-              <a:rPr lang="en-US" altLang="en-US" dirty="0">
-                <a:latin typeface="Roboto"/>
-              </a:rPr>
-              <a:t>.</a:t>
-            </a:r>
-            <a:r>
-              <a:rPr lang="en-US" altLang="en-US" sz="1400" dirty="0"/>
-              <a:t> </a:t>
-            </a:r>
-            <a:endParaRPr lang="en-US" altLang="en-US" sz="4000" dirty="0">
-              <a:latin typeface="Arial" panose="020B0604020202020204" pitchFamily="34" charset="0"/>
-            </a:endParaRPr>
-          </a:p>
           <a:p>
             <a:endParaRPr lang="en-US" dirty="0" smtClean="0"/>
           </a:p>
@@ -5602,15 +6592,219 @@
           <p:nvPr/>
         </p:nvPicPr>
         <p:blipFill>
-          <a:blip r:embed="rId2"/>
+          <a:blip r:embed="rId3"/>
           <a:stretch>
             <a:fillRect/>
           </a:stretch>
         </p:blipFill>
         <p:spPr>
           <a:xfrm>
-            <a:off x="2927030" y="1156652"/>
+            <a:off x="2917404" y="790892"/>
             <a:ext cx="9098918" cy="2409508"/>
+          </a:xfrm>
+          <a:prstGeom prst="rect">
+            <a:avLst/>
+          </a:prstGeom>
+        </p:spPr>
+      </p:pic>
+      <p:sp>
+        <p:nvSpPr>
+          <p:cNvPr id="2" name="TextBox 1"/>
+          <p:cNvSpPr txBox="1"/>
+          <p:nvPr/>
+        </p:nvSpPr>
+        <p:spPr>
+          <a:xfrm>
+            <a:off x="597025" y="3942900"/>
+            <a:ext cx="3335465" cy="2308324"/>
+          </a:xfrm>
+          <a:prstGeom prst="rect">
+            <a:avLst/>
+          </a:prstGeom>
+          <a:noFill/>
+        </p:spPr>
+        <p:txBody>
+          <a:bodyPr wrap="none" rtlCol="0">
+            <a:spAutoFit/>
+          </a:bodyPr>
+          <a:lstStyle/>
+          <a:p>
+            <a:r>
+              <a:rPr lang="en-US" dirty="0" err="1" smtClean="0"/>
+              <a:t>Được</a:t>
+            </a:r>
+            <a:r>
+              <a:rPr lang="en-US" dirty="0" smtClean="0"/>
+              <a:t> </a:t>
+            </a:r>
+            <a:r>
+              <a:rPr lang="en-US" dirty="0" err="1" smtClean="0"/>
+              <a:t>tạo</a:t>
+            </a:r>
+            <a:r>
+              <a:rPr lang="en-US" dirty="0" smtClean="0"/>
+              <a:t> </a:t>
+            </a:r>
+            <a:r>
+              <a:rPr lang="en-US" dirty="0" err="1" smtClean="0"/>
+              <a:t>ra</a:t>
+            </a:r>
+            <a:r>
+              <a:rPr lang="en-US" dirty="0" smtClean="0"/>
+              <a:t> </a:t>
+            </a:r>
+            <a:r>
+              <a:rPr lang="en-US" dirty="0" err="1" smtClean="0"/>
+              <a:t>cho</a:t>
+            </a:r>
+            <a:r>
+              <a:rPr lang="en-US" dirty="0" smtClean="0"/>
+              <a:t> </a:t>
+            </a:r>
+            <a:r>
+              <a:rPr lang="en-US" dirty="0" err="1" smtClean="0"/>
+              <a:t>dữ</a:t>
+            </a:r>
+            <a:r>
+              <a:rPr lang="en-US" dirty="0" smtClean="0"/>
+              <a:t> </a:t>
+            </a:r>
+            <a:r>
+              <a:rPr lang="en-US" dirty="0" err="1" smtClean="0"/>
+              <a:t>liệu</a:t>
+            </a:r>
+            <a:r>
+              <a:rPr lang="en-US" dirty="0" smtClean="0"/>
+              <a:t> MNIST</a:t>
+            </a:r>
+          </a:p>
+          <a:p>
+            <a:r>
+              <a:rPr lang="en-US" dirty="0" err="1" smtClean="0"/>
+              <a:t>Gồm</a:t>
+            </a:r>
+            <a:r>
+              <a:rPr lang="en-US" dirty="0" smtClean="0"/>
+              <a:t> 2 </a:t>
+            </a:r>
+            <a:r>
+              <a:rPr lang="en-US" dirty="0" err="1" smtClean="0"/>
+              <a:t>phần</a:t>
+            </a:r>
+            <a:r>
+              <a:rPr lang="en-US" dirty="0" smtClean="0"/>
+              <a:t> </a:t>
+            </a:r>
+            <a:r>
+              <a:rPr lang="en-US" dirty="0" err="1" smtClean="0"/>
+              <a:t>chính</a:t>
+            </a:r>
+            <a:r>
+              <a:rPr lang="en-US" dirty="0" smtClean="0"/>
+              <a:t>:</a:t>
+            </a:r>
+          </a:p>
+          <a:p>
+            <a:pPr marL="285750" indent="-285750">
+              <a:buFont typeface="Arial" panose="020B0604020202020204" pitchFamily="34" charset="0"/>
+              <a:buChar char="•"/>
+            </a:pPr>
+            <a:r>
+              <a:rPr lang="en-US" dirty="0" smtClean="0"/>
+              <a:t>2 </a:t>
+            </a:r>
+            <a:r>
+              <a:rPr lang="en-US" dirty="0" err="1" smtClean="0"/>
+              <a:t>lớp</a:t>
+            </a:r>
+            <a:r>
+              <a:rPr lang="en-US" dirty="0" smtClean="0"/>
+              <a:t> CNN </a:t>
+            </a:r>
+            <a:r>
+              <a:rPr lang="en-US" dirty="0" err="1" smtClean="0"/>
+              <a:t>và</a:t>
+            </a:r>
+            <a:r>
+              <a:rPr lang="en-US" dirty="0" smtClean="0"/>
+              <a:t> pooling</a:t>
+            </a:r>
+          </a:p>
+          <a:p>
+            <a:pPr marL="285750" indent="-285750">
+              <a:buFont typeface="Arial" panose="020B0604020202020204" pitchFamily="34" charset="0"/>
+              <a:buChar char="•"/>
+            </a:pPr>
+            <a:r>
+              <a:rPr lang="en-US" dirty="0" smtClean="0"/>
+              <a:t>2 </a:t>
+            </a:r>
+            <a:r>
+              <a:rPr lang="en-US" dirty="0" err="1" smtClean="0"/>
+              <a:t>lớp</a:t>
+            </a:r>
+            <a:r>
+              <a:rPr lang="en-US" dirty="0" smtClean="0"/>
+              <a:t> FC</a:t>
+            </a:r>
+          </a:p>
+          <a:p>
+            <a:r>
+              <a:rPr lang="en-US" dirty="0" smtClean="0"/>
+              <a:t>Kernel 5x5 </a:t>
+            </a:r>
+          </a:p>
+          <a:p>
+            <a:r>
+              <a:rPr lang="en-US" dirty="0" err="1" smtClean="0"/>
+              <a:t>Hàm</a:t>
+            </a:r>
+            <a:r>
+              <a:rPr lang="en-US" dirty="0" smtClean="0"/>
+              <a:t> sigmoid dung </a:t>
+            </a:r>
+            <a:r>
+              <a:rPr lang="en-US" dirty="0" err="1" smtClean="0"/>
+              <a:t>cho</a:t>
+            </a:r>
+            <a:r>
+              <a:rPr lang="en-US" dirty="0" smtClean="0"/>
+              <a:t> activation </a:t>
+            </a:r>
+          </a:p>
+          <a:p>
+            <a:r>
+              <a:rPr lang="en-US" dirty="0" err="1" smtClean="0"/>
+              <a:t>Lơp</a:t>
+            </a:r>
+            <a:r>
+              <a:rPr lang="en-US" dirty="0" smtClean="0"/>
+              <a:t> pooling 2x2, stride 2</a:t>
+            </a:r>
+          </a:p>
+          <a:p>
+            <a:endParaRPr lang="en-US" dirty="0" smtClean="0"/>
+          </a:p>
+        </p:txBody>
+      </p:sp>
+      <p:pic>
+        <p:nvPicPr>
+          <p:cNvPr id="3" name="Picture 2"/>
+          <p:cNvPicPr>
+            <a:picLocks noChangeAspect="1"/>
+          </p:cNvPicPr>
+          <p:nvPr/>
+        </p:nvPicPr>
+        <p:blipFill>
+          <a:blip r:embed="rId4"/>
+          <a:stretch>
+            <a:fillRect/>
+          </a:stretch>
+        </p:blipFill>
+        <p:spPr>
+          <a:xfrm>
+            <a:off x="5870459" y="3429601"/>
+            <a:ext cx="1392418" cy="2818799"/>
           </a:xfrm>
           <a:prstGeom prst="rect">
             <a:avLst/>
@@ -5637,141 +6831,6 @@
 </p:sld>
 </file>
 
-<file path=ppt/slides/slide16.xml><?xml version="1.0" encoding="utf-8"?>
-<p:sld xmlns:a="http://schemas.openxmlformats.org/drawingml/2006/main" xmlns:r="http://schemas.openxmlformats.org/officeDocument/2006/relationships" xmlns:p="http://schemas.openxmlformats.org/presentationml/2006/main">
-  <p:cSld>
-    <p:spTree>
-      <p:nvGrpSpPr>
-        <p:cNvPr id="1" name=""/>
-        <p:cNvGrpSpPr/>
-        <p:nvPr/>
-      </p:nvGrpSpPr>
-      <p:grpSpPr>
-        <a:xfrm>
-          <a:off x="0" y="0"/>
-          <a:ext cx="0" cy="0"/>
-          <a:chOff x="0" y="0"/>
-          <a:chExt cx="0" cy="0"/>
-        </a:xfrm>
-      </p:grpSpPr>
-      <p:sp>
-        <p:nvSpPr>
-          <p:cNvPr id="2" name="Title 1"/>
-          <p:cNvSpPr>
-            <a:spLocks noGrp="1"/>
-          </p:cNvSpPr>
-          <p:nvPr>
-            <p:ph type="title"/>
-          </p:nvPr>
-        </p:nvSpPr>
-        <p:spPr/>
-        <p:txBody>
-          <a:bodyPr/>
-          <a:lstStyle/>
-          <a:p>
-            <a:r>
-              <a:rPr lang="en-US" dirty="0" err="1" smtClean="0"/>
-              <a:t>AlexNet</a:t>
-            </a:r>
-            <a:endParaRPr lang="en-US" dirty="0"/>
-          </a:p>
-        </p:txBody>
-      </p:sp>
-      <p:pic>
-        <p:nvPicPr>
-          <p:cNvPr id="5" name="Picture 4"/>
-          <p:cNvPicPr>
-            <a:picLocks noChangeAspect="1"/>
-          </p:cNvPicPr>
-          <p:nvPr/>
-        </p:nvPicPr>
-        <p:blipFill>
-          <a:blip r:embed="rId3">
-            <a:extLst>
-              <a:ext uri="{28A0092B-C50C-407E-A947-70E740481C1C}">
-                <a14:useLocalDpi xmlns:a14="http://schemas.microsoft.com/office/drawing/2010/main" val="0"/>
-              </a:ext>
-            </a:extLst>
-          </a:blip>
-          <a:stretch>
-            <a:fillRect/>
-          </a:stretch>
-        </p:blipFill>
-        <p:spPr>
-          <a:xfrm>
-            <a:off x="7506970" y="1690688"/>
-            <a:ext cx="4229100" cy="2838450"/>
-          </a:xfrm>
-          <a:prstGeom prst="rect">
-            <a:avLst/>
-          </a:prstGeom>
-        </p:spPr>
-      </p:pic>
-      <p:pic>
-        <p:nvPicPr>
-          <p:cNvPr id="6" name="Picture 5"/>
-          <p:cNvPicPr>
-            <a:picLocks noChangeAspect="1"/>
-          </p:cNvPicPr>
-          <p:nvPr/>
-        </p:nvPicPr>
-        <p:blipFill>
-          <a:blip r:embed="rId4"/>
-          <a:stretch>
-            <a:fillRect/>
-          </a:stretch>
-        </p:blipFill>
-        <p:spPr>
-          <a:xfrm>
-            <a:off x="2874692" y="814546"/>
-            <a:ext cx="3221308" cy="4816475"/>
-          </a:xfrm>
-          <a:prstGeom prst="rect">
-            <a:avLst/>
-          </a:prstGeom>
-        </p:spPr>
-      </p:pic>
-      <p:sp>
-        <p:nvSpPr>
-          <p:cNvPr id="8" name="Content Placeholder 2"/>
-          <p:cNvSpPr>
-            <a:spLocks noGrp="1"/>
-          </p:cNvSpPr>
-          <p:nvPr>
-            <p:ph idx="1"/>
-          </p:nvPr>
-        </p:nvSpPr>
-        <p:spPr>
-          <a:xfrm>
-            <a:off x="838200" y="1825625"/>
-            <a:ext cx="10515600" cy="4351338"/>
-          </a:xfrm>
-        </p:spPr>
-        <p:txBody>
-          <a:bodyPr/>
-          <a:lstStyle/>
-          <a:p>
-            <a:r>
-              <a:rPr lang="en-US" dirty="0" smtClean="0"/>
-              <a:t>Code example model</a:t>
-            </a:r>
-            <a:endParaRPr lang="en-US" dirty="0"/>
-          </a:p>
-        </p:txBody>
-      </p:sp>
-    </p:spTree>
-    <p:extLst>
-      <p:ext uri="{BB962C8B-B14F-4D97-AF65-F5344CB8AC3E}">
-        <p14:creationId xmlns:p14="http://schemas.microsoft.com/office/powerpoint/2010/main" val="1551166484"/>
-      </p:ext>
-    </p:extLst>
-  </p:cSld>
-  <p:clrMapOvr>
-    <a:masterClrMapping/>
-  </p:clrMapOvr>
-</p:sld>
-</file>
-
 <file path=ppt/slides/slide17.xml><?xml version="1.0" encoding="utf-8"?>
 <p:sld xmlns:a="http://schemas.openxmlformats.org/drawingml/2006/main" xmlns:r="http://schemas.openxmlformats.org/officeDocument/2006/relationships" xmlns:p="http://schemas.openxmlformats.org/presentationml/2006/main">
   <p:cSld>
@@ -5805,31 +6864,8 @@
           <a:lstStyle/>
           <a:p>
             <a:r>
-              <a:rPr lang="en-US" dirty="0" smtClean="0"/>
-              <a:t>VGG</a:t>
-            </a:r>
-            <a:endParaRPr lang="en-US" dirty="0"/>
-          </a:p>
-        </p:txBody>
-      </p:sp>
-      <p:sp>
-        <p:nvSpPr>
-          <p:cNvPr id="3" name="Content Placeholder 2"/>
-          <p:cNvSpPr>
-            <a:spLocks noGrp="1"/>
-          </p:cNvSpPr>
-          <p:nvPr>
-            <p:ph idx="1"/>
-          </p:nvPr>
-        </p:nvSpPr>
-        <p:spPr/>
-        <p:txBody>
-          <a:bodyPr/>
-          <a:lstStyle/>
-          <a:p>
-            <a:r>
-              <a:rPr lang="en-US" dirty="0" smtClean="0"/>
-              <a:t>Code example model</a:t>
+              <a:rPr lang="en-US" dirty="0" err="1" smtClean="0"/>
+              <a:t>AlexNet</a:t>
             </a:r>
             <a:endParaRPr lang="en-US" dirty="0"/>
           </a:p>
@@ -5837,7 +6873,7 @@
       </p:sp>
       <p:pic>
         <p:nvPicPr>
-          <p:cNvPr id="4" name="Picture 3"/>
+          <p:cNvPr id="6" name="Picture 5"/>
           <p:cNvPicPr>
             <a:picLocks noChangeAspect="1"/>
           </p:cNvPicPr>
@@ -5851,8 +6887,425 @@
         </p:blipFill>
         <p:spPr>
           <a:xfrm>
-            <a:off x="4633595" y="2081588"/>
-            <a:ext cx="4429125" cy="3839411"/>
+            <a:off x="8563222" y="211121"/>
+            <a:ext cx="3221308" cy="4816475"/>
+          </a:xfrm>
+          <a:prstGeom prst="rect">
+            <a:avLst/>
+          </a:prstGeom>
+        </p:spPr>
+      </p:pic>
+      <p:sp>
+        <p:nvSpPr>
+          <p:cNvPr id="8" name="Content Placeholder 2"/>
+          <p:cNvSpPr>
+            <a:spLocks noGrp="1"/>
+          </p:cNvSpPr>
+          <p:nvPr>
+            <p:ph idx="1"/>
+          </p:nvPr>
+        </p:nvSpPr>
+        <p:spPr>
+          <a:xfrm>
+            <a:off x="838200" y="1825625"/>
+            <a:ext cx="5581851" cy="4351338"/>
+          </a:xfrm>
+        </p:spPr>
+        <p:txBody>
+          <a:bodyPr>
+            <a:normAutofit/>
+          </a:bodyPr>
+          <a:lstStyle/>
+          <a:p>
+            <a:r>
+              <a:rPr lang="en-US" sz="1600" dirty="0" err="1" smtClean="0"/>
+              <a:t>Lớn</a:t>
+            </a:r>
+            <a:r>
+              <a:rPr lang="en-US" sz="1600" dirty="0" smtClean="0"/>
+              <a:t> </a:t>
+            </a:r>
+            <a:r>
+              <a:rPr lang="en-US" sz="1600" dirty="0" err="1" smtClean="0"/>
+              <a:t>hơn</a:t>
+            </a:r>
+            <a:r>
+              <a:rPr lang="en-US" sz="1600" dirty="0" smtClean="0"/>
+              <a:t> </a:t>
+            </a:r>
+            <a:r>
+              <a:rPr lang="en-US" sz="1600" dirty="0" err="1" smtClean="0"/>
+              <a:t>LeNet</a:t>
+            </a:r>
+            <a:endParaRPr lang="en-US" sz="1600" dirty="0" smtClean="0"/>
+          </a:p>
+          <a:p>
+            <a:r>
+              <a:rPr lang="en-US" sz="1600" dirty="0" err="1" smtClean="0"/>
+              <a:t>Áp</a:t>
+            </a:r>
+            <a:r>
+              <a:rPr lang="en-US" sz="1600" dirty="0" smtClean="0"/>
+              <a:t> </a:t>
+            </a:r>
+            <a:r>
+              <a:rPr lang="en-US" sz="1600" dirty="0" err="1" smtClean="0"/>
+              <a:t>dụng</a:t>
+            </a:r>
+            <a:r>
+              <a:rPr lang="en-US" sz="1600" dirty="0" smtClean="0"/>
+              <a:t> </a:t>
+            </a:r>
+            <a:r>
+              <a:rPr lang="en-US" sz="1600" dirty="0" err="1" smtClean="0"/>
+              <a:t>cho</a:t>
+            </a:r>
+            <a:r>
+              <a:rPr lang="en-US" sz="1600" dirty="0" smtClean="0"/>
+              <a:t> </a:t>
+            </a:r>
+            <a:r>
+              <a:rPr lang="en-US" sz="1600" dirty="0" err="1" smtClean="0"/>
+              <a:t>dữ</a:t>
+            </a:r>
+            <a:r>
+              <a:rPr lang="en-US" sz="1600" dirty="0" smtClean="0"/>
+              <a:t> </a:t>
+            </a:r>
+            <a:r>
+              <a:rPr lang="en-US" sz="1600" dirty="0" err="1" smtClean="0"/>
+              <a:t>liệu</a:t>
+            </a:r>
+            <a:r>
+              <a:rPr lang="en-US" sz="1600" dirty="0" smtClean="0"/>
+              <a:t> </a:t>
+            </a:r>
+            <a:r>
+              <a:rPr lang="en-US" sz="1600" dirty="0" err="1" smtClean="0"/>
+              <a:t>phức</a:t>
+            </a:r>
+            <a:r>
+              <a:rPr lang="en-US" sz="1600" dirty="0" smtClean="0"/>
+              <a:t> </a:t>
+            </a:r>
+            <a:r>
+              <a:rPr lang="en-US" sz="1600" dirty="0" err="1" smtClean="0"/>
+              <a:t>tạp</a:t>
+            </a:r>
+            <a:r>
+              <a:rPr lang="en-US" sz="1600" dirty="0" smtClean="0"/>
+              <a:t> </a:t>
+            </a:r>
+            <a:r>
+              <a:rPr lang="en-US" sz="1600" dirty="0" err="1" smtClean="0"/>
+              <a:t>hơn</a:t>
+            </a:r>
+            <a:r>
+              <a:rPr lang="en-US" sz="1600" dirty="0" smtClean="0"/>
+              <a:t> MNIST</a:t>
+            </a:r>
+          </a:p>
+          <a:p>
+            <a:r>
+              <a:rPr lang="en-US" sz="1600" dirty="0" err="1" smtClean="0"/>
+              <a:t>Đạt</a:t>
+            </a:r>
+            <a:r>
+              <a:rPr lang="en-US" sz="1600" dirty="0" smtClean="0"/>
+              <a:t> </a:t>
+            </a:r>
+            <a:r>
+              <a:rPr lang="en-US" sz="1600" dirty="0" err="1" smtClean="0"/>
+              <a:t>được</a:t>
+            </a:r>
+            <a:r>
+              <a:rPr lang="en-US" sz="1600" dirty="0" smtClean="0"/>
+              <a:t> </a:t>
+            </a:r>
+            <a:r>
+              <a:rPr lang="en-US" sz="1600" dirty="0" err="1" smtClean="0"/>
+              <a:t>kết</a:t>
+            </a:r>
+            <a:r>
+              <a:rPr lang="en-US" sz="1600" dirty="0" smtClean="0"/>
+              <a:t> </a:t>
+            </a:r>
+            <a:r>
+              <a:rPr lang="en-US" sz="1600" dirty="0" err="1" smtClean="0"/>
+              <a:t>quả</a:t>
+            </a:r>
+            <a:r>
+              <a:rPr lang="en-US" sz="1600" dirty="0" smtClean="0"/>
+              <a:t> </a:t>
+            </a:r>
+            <a:r>
+              <a:rPr lang="en-US" sz="1600" dirty="0" err="1" smtClean="0"/>
+              <a:t>cao</a:t>
+            </a:r>
+            <a:r>
+              <a:rPr lang="en-US" sz="1600" dirty="0" smtClean="0"/>
+              <a:t> </a:t>
+            </a:r>
+            <a:r>
+              <a:rPr lang="en-US" sz="1600" dirty="0" err="1" smtClean="0"/>
+              <a:t>tại</a:t>
+            </a:r>
+            <a:r>
+              <a:rPr lang="en-US" sz="1600" dirty="0" smtClean="0"/>
+              <a:t> </a:t>
+            </a:r>
+            <a:r>
+              <a:rPr lang="en-US" sz="1600" dirty="0" err="1" smtClean="0"/>
+              <a:t>cuộc</a:t>
+            </a:r>
+            <a:r>
+              <a:rPr lang="en-US" sz="1600" dirty="0" smtClean="0"/>
+              <a:t> </a:t>
+            </a:r>
+            <a:r>
+              <a:rPr lang="en-US" sz="1600" dirty="0" err="1" smtClean="0"/>
+              <a:t>thi</a:t>
+            </a:r>
+            <a:r>
+              <a:rPr lang="en-US" sz="1600" dirty="0" smtClean="0"/>
+              <a:t> ImageNet 2012</a:t>
+            </a:r>
+          </a:p>
+          <a:p>
+            <a:r>
+              <a:rPr lang="en-US" sz="1600" dirty="0" err="1" smtClean="0"/>
+              <a:t>Kiến</a:t>
+            </a:r>
+            <a:r>
+              <a:rPr lang="en-US" sz="1600" dirty="0" smtClean="0"/>
+              <a:t> </a:t>
+            </a:r>
+            <a:r>
+              <a:rPr lang="en-US" sz="1600" dirty="0" err="1" smtClean="0"/>
+              <a:t>trúc</a:t>
+            </a:r>
+            <a:r>
+              <a:rPr lang="en-US" sz="1600" dirty="0" smtClean="0"/>
+              <a:t>:</a:t>
+            </a:r>
+          </a:p>
+          <a:p>
+            <a:pPr lvl="1"/>
+            <a:r>
+              <a:rPr lang="en-US" sz="1200" dirty="0" smtClean="0"/>
+              <a:t>8 </a:t>
+            </a:r>
+            <a:r>
+              <a:rPr lang="en-US" sz="1200" dirty="0" err="1" smtClean="0"/>
+              <a:t>lớp</a:t>
+            </a:r>
+            <a:r>
+              <a:rPr lang="en-US" sz="1200" dirty="0" smtClean="0"/>
+              <a:t> CNN </a:t>
+            </a:r>
+          </a:p>
+          <a:p>
+            <a:pPr lvl="1"/>
+            <a:r>
+              <a:rPr lang="en-US" sz="1200" dirty="0" smtClean="0"/>
+              <a:t>3 </a:t>
+            </a:r>
+            <a:r>
+              <a:rPr lang="en-US" sz="1200" dirty="0" err="1" smtClean="0"/>
+              <a:t>lớp</a:t>
+            </a:r>
+            <a:r>
+              <a:rPr lang="en-US" sz="1200" dirty="0" smtClean="0"/>
+              <a:t> max pooling</a:t>
+            </a:r>
+          </a:p>
+          <a:p>
+            <a:pPr lvl="1"/>
+            <a:r>
+              <a:rPr lang="en-US" sz="1200" dirty="0" smtClean="0"/>
+              <a:t>3 </a:t>
+            </a:r>
+            <a:r>
+              <a:rPr lang="en-US" sz="1200" dirty="0" err="1" smtClean="0"/>
+              <a:t>lớp</a:t>
+            </a:r>
+            <a:r>
+              <a:rPr lang="en-US" sz="1200" dirty="0" smtClean="0"/>
+              <a:t> FC</a:t>
+            </a:r>
+          </a:p>
+          <a:p>
+            <a:pPr lvl="1"/>
+            <a:r>
+              <a:rPr lang="en-US" sz="1200" dirty="0" err="1" smtClean="0"/>
+              <a:t>Hàm</a:t>
+            </a:r>
+            <a:r>
+              <a:rPr lang="en-US" sz="1200" dirty="0" smtClean="0"/>
+              <a:t> activation </a:t>
+            </a:r>
+            <a:r>
+              <a:rPr lang="en-US" sz="1200" dirty="0" err="1" smtClean="0"/>
+              <a:t>ReLU</a:t>
+            </a:r>
+            <a:r>
+              <a:rPr lang="en-US" sz="1200" dirty="0" smtClean="0"/>
+              <a:t> </a:t>
+            </a:r>
+          </a:p>
+          <a:p>
+            <a:pPr lvl="1"/>
+            <a:r>
+              <a:rPr lang="en-US" sz="1200" dirty="0" err="1" smtClean="0"/>
+              <a:t>Sử</a:t>
+            </a:r>
+            <a:r>
+              <a:rPr lang="en-US" sz="1200" dirty="0" smtClean="0"/>
+              <a:t> </a:t>
+            </a:r>
+            <a:r>
+              <a:rPr lang="en-US" sz="1200" dirty="0" err="1" smtClean="0"/>
+              <a:t>dụng</a:t>
+            </a:r>
+            <a:r>
+              <a:rPr lang="en-US" sz="1200" dirty="0" smtClean="0"/>
+              <a:t> dropout</a:t>
+            </a:r>
+          </a:p>
+          <a:p>
+            <a:pPr lvl="1"/>
+            <a:endParaRPr lang="en-US" sz="1200" dirty="0"/>
+          </a:p>
+          <a:p>
+            <a:r>
+              <a:rPr lang="en-US" sz="1600" dirty="0" err="1" smtClean="0"/>
+              <a:t>Tại</a:t>
+            </a:r>
+            <a:r>
+              <a:rPr lang="en-US" sz="1600" dirty="0" smtClean="0"/>
+              <a:t> </a:t>
+            </a:r>
+            <a:r>
+              <a:rPr lang="en-US" sz="1600" dirty="0" err="1" smtClean="0"/>
+              <a:t>sao</a:t>
+            </a:r>
+            <a:r>
+              <a:rPr lang="en-US" sz="1600" dirty="0" smtClean="0"/>
+              <a:t> dung kernel 11x11?</a:t>
+            </a:r>
+          </a:p>
+          <a:p>
+            <a:pPr lvl="1"/>
+            <a:r>
+              <a:rPr lang="en-US" sz="1200" dirty="0" smtClean="0"/>
+              <a:t>Do </a:t>
+            </a:r>
+            <a:r>
+              <a:rPr lang="en-US" sz="1200" dirty="0" err="1" smtClean="0"/>
+              <a:t>ảnh</a:t>
+            </a:r>
+            <a:r>
+              <a:rPr lang="en-US" sz="1200" dirty="0" smtClean="0"/>
+              <a:t> </a:t>
+            </a:r>
+            <a:r>
+              <a:rPr lang="en-US" sz="1200" dirty="0" err="1" smtClean="0"/>
+              <a:t>trong</a:t>
+            </a:r>
+            <a:r>
+              <a:rPr lang="en-US" sz="1200" dirty="0" smtClean="0"/>
+              <a:t> ImageNet </a:t>
+            </a:r>
+            <a:r>
+              <a:rPr lang="en-US" sz="1200" dirty="0" err="1" smtClean="0"/>
+              <a:t>lớn</a:t>
+            </a:r>
+            <a:r>
+              <a:rPr lang="en-US" sz="1200" dirty="0" smtClean="0"/>
+              <a:t> </a:t>
+            </a:r>
+            <a:r>
+              <a:rPr lang="en-US" sz="1200" dirty="0" err="1" smtClean="0"/>
+              <a:t>hơn</a:t>
+            </a:r>
+            <a:r>
+              <a:rPr lang="en-US" sz="1200" dirty="0" smtClean="0"/>
+              <a:t> MNIST</a:t>
+            </a:r>
+          </a:p>
+          <a:p>
+            <a:pPr lvl="1"/>
+            <a:r>
+              <a:rPr lang="en-US" sz="1200" dirty="0" err="1" smtClean="0"/>
+              <a:t>Vật</a:t>
+            </a:r>
+            <a:r>
+              <a:rPr lang="en-US" sz="1200" dirty="0" smtClean="0"/>
+              <a:t> </a:t>
+            </a:r>
+            <a:r>
+              <a:rPr lang="en-US" sz="1200" dirty="0" err="1" smtClean="0"/>
+              <a:t>chiếm</a:t>
+            </a:r>
+            <a:r>
+              <a:rPr lang="en-US" sz="1200" dirty="0" smtClean="0"/>
+              <a:t> </a:t>
+            </a:r>
+            <a:r>
+              <a:rPr lang="en-US" sz="1200" dirty="0" err="1" smtClean="0"/>
+              <a:t>phần</a:t>
+            </a:r>
+            <a:r>
+              <a:rPr lang="en-US" sz="1200" dirty="0" smtClean="0"/>
+              <a:t> </a:t>
+            </a:r>
+            <a:r>
+              <a:rPr lang="en-US" sz="1200" dirty="0" err="1" smtClean="0"/>
+              <a:t>lớn</a:t>
+            </a:r>
+            <a:r>
+              <a:rPr lang="en-US" sz="1200" dirty="0" smtClean="0"/>
+              <a:t> </a:t>
+            </a:r>
+            <a:r>
+              <a:rPr lang="en-US" sz="1200" dirty="0" err="1" smtClean="0"/>
+              <a:t>ảnh</a:t>
+            </a:r>
+            <a:endParaRPr lang="en-US" sz="1200" dirty="0" smtClean="0"/>
+          </a:p>
+          <a:p>
+            <a:pPr lvl="1"/>
+            <a:endParaRPr lang="en-US" sz="1200" dirty="0" smtClean="0"/>
+          </a:p>
+          <a:p>
+            <a:endParaRPr lang="en-US" sz="1600" dirty="0"/>
+          </a:p>
+        </p:txBody>
+      </p:sp>
+      <p:pic>
+        <p:nvPicPr>
+          <p:cNvPr id="7" name="Picture 6"/>
+          <p:cNvPicPr>
+            <a:picLocks noChangeAspect="1"/>
+          </p:cNvPicPr>
+          <p:nvPr/>
+        </p:nvPicPr>
+        <p:blipFill>
+          <a:blip r:embed="rId4">
+            <a:extLst>
+              <a:ext uri="{28A0092B-C50C-407E-A947-70E740481C1C}">
+                <a14:useLocalDpi xmlns:a14="http://schemas.microsoft.com/office/drawing/2010/main" val="0"/>
+              </a:ext>
+            </a:extLst>
+          </a:blip>
+          <a:stretch>
+            <a:fillRect/>
+          </a:stretch>
+        </p:blipFill>
+        <p:spPr>
+          <a:xfrm>
+            <a:off x="5409721" y="4726004"/>
+            <a:ext cx="2813827" cy="1888560"/>
           </a:xfrm>
           <a:prstGeom prst="rect">
             <a:avLst/>
@@ -5862,7 +7315,7 @@
     </p:spTree>
     <p:extLst>
       <p:ext uri="{BB962C8B-B14F-4D97-AF65-F5344CB8AC3E}">
-        <p14:creationId xmlns:p14="http://schemas.microsoft.com/office/powerpoint/2010/main" val="525443696"/>
+        <p14:creationId xmlns:p14="http://schemas.microsoft.com/office/powerpoint/2010/main" val="1551166484"/>
       </p:ext>
     </p:extLst>
   </p:cSld>
@@ -5906,7 +7359,39 @@
           <a:p>
             <a:r>
               <a:rPr lang="en-US" dirty="0" smtClean="0"/>
-              <a:t>Inception blocks</a:t>
+              <a:t>VGG- </a:t>
+            </a:r>
+            <a:r>
+              <a:rPr lang="en-US" dirty="0" err="1" smtClean="0"/>
+              <a:t>mô</a:t>
+            </a:r>
+            <a:r>
+              <a:rPr lang="en-US" dirty="0" smtClean="0"/>
+              <a:t> </a:t>
+            </a:r>
+            <a:r>
+              <a:rPr lang="en-US" dirty="0" err="1" smtClean="0"/>
+              <a:t>hình</a:t>
+            </a:r>
+            <a:r>
+              <a:rPr lang="en-US" dirty="0" smtClean="0"/>
+              <a:t> </a:t>
+            </a:r>
+            <a:r>
+              <a:rPr lang="en-US" dirty="0" err="1" smtClean="0"/>
+              <a:t>nhiều</a:t>
+            </a:r>
+            <a:r>
+              <a:rPr lang="en-US" dirty="0" smtClean="0"/>
+              <a:t> </a:t>
+            </a:r>
+            <a:r>
+              <a:rPr lang="en-US" dirty="0" err="1" smtClean="0"/>
+              <a:t>khối</a:t>
+            </a:r>
+            <a:r>
+              <a:rPr lang="en-US" dirty="0" smtClean="0"/>
+              <a:t> (block)</a:t>
             </a:r>
             <a:endParaRPr lang="en-US" dirty="0"/>
           </a:p>
@@ -5922,46 +7407,525 @@
             <p:ph idx="1"/>
           </p:nvPr>
         </p:nvSpPr>
-        <p:spPr/>
-        <p:txBody>
-          <a:bodyPr/>
+        <p:spPr>
+          <a:xfrm>
+            <a:off x="838200" y="1825625"/>
+            <a:ext cx="5225716" cy="4351338"/>
+          </a:xfrm>
+        </p:spPr>
+        <p:txBody>
+          <a:bodyPr>
+            <a:normAutofit/>
+          </a:bodyPr>
           <a:lstStyle/>
           <a:p>
             <a:r>
-              <a:rPr lang="en-US" dirty="0" smtClean="0"/>
-              <a:t>Example code</a:t>
-            </a:r>
-            <a:endParaRPr lang="en-US" dirty="0"/>
+              <a:rPr lang="en-US" sz="1600" dirty="0" err="1" smtClean="0"/>
+              <a:t>Mô</a:t>
+            </a:r>
+            <a:r>
+              <a:rPr lang="en-US" sz="1600" dirty="0" smtClean="0"/>
+              <a:t> </a:t>
+            </a:r>
+            <a:r>
+              <a:rPr lang="en-US" sz="1600" dirty="0" err="1" smtClean="0"/>
+              <a:t>hình</a:t>
+            </a:r>
+            <a:r>
+              <a:rPr lang="en-US" sz="1600" dirty="0" smtClean="0"/>
+              <a:t> VGG dung </a:t>
+            </a:r>
+            <a:r>
+              <a:rPr lang="en-US" sz="1600" dirty="0" err="1" smtClean="0"/>
+              <a:t>nhiều</a:t>
+            </a:r>
+            <a:r>
+              <a:rPr lang="en-US" sz="1600" dirty="0" smtClean="0"/>
+              <a:t> block</a:t>
+            </a:r>
+          </a:p>
+          <a:p>
+            <a:r>
+              <a:rPr lang="en-US" sz="1600" dirty="0" err="1" smtClean="0"/>
+              <a:t>Mỗi</a:t>
+            </a:r>
+            <a:r>
+              <a:rPr lang="en-US" sz="1600" dirty="0" smtClean="0"/>
+              <a:t> block </a:t>
+            </a:r>
+            <a:r>
+              <a:rPr lang="en-US" sz="1600" dirty="0" err="1" smtClean="0"/>
+              <a:t>hình</a:t>
+            </a:r>
+            <a:r>
+              <a:rPr lang="en-US" sz="1600" dirty="0" smtClean="0"/>
+              <a:t> </a:t>
+            </a:r>
+            <a:r>
+              <a:rPr lang="en-US" sz="1600" dirty="0" err="1" smtClean="0"/>
+              <a:t>thành</a:t>
+            </a:r>
+            <a:r>
+              <a:rPr lang="en-US" sz="1600" dirty="0" smtClean="0"/>
+              <a:t> </a:t>
+            </a:r>
+            <a:r>
+              <a:rPr lang="en-US" sz="1600" dirty="0" err="1" smtClean="0"/>
+              <a:t>từ</a:t>
+            </a:r>
+            <a:r>
+              <a:rPr lang="en-US" sz="1600" dirty="0" smtClean="0"/>
+              <a:t> </a:t>
+            </a:r>
+            <a:r>
+              <a:rPr lang="en-US" sz="1600" dirty="0" err="1" smtClean="0"/>
+              <a:t>nhiều</a:t>
+            </a:r>
+            <a:r>
+              <a:rPr lang="en-US" sz="1600" dirty="0" smtClean="0"/>
+              <a:t> </a:t>
+            </a:r>
+            <a:r>
+              <a:rPr lang="en-US" sz="1600" dirty="0" err="1" smtClean="0"/>
+              <a:t>chuỗi</a:t>
+            </a:r>
+            <a:endParaRPr lang="en-US" sz="1600" dirty="0" smtClean="0"/>
+          </a:p>
+          <a:p>
+            <a:r>
+              <a:rPr lang="en-US" sz="1600" dirty="0" err="1" smtClean="0"/>
+              <a:t>Mỗi</a:t>
+            </a:r>
+            <a:r>
+              <a:rPr lang="en-US" sz="1600" dirty="0" smtClean="0"/>
+              <a:t> </a:t>
+            </a:r>
+            <a:r>
+              <a:rPr lang="en-US" sz="1600" dirty="0" err="1" smtClean="0"/>
+              <a:t>chuỗi</a:t>
+            </a:r>
+            <a:r>
+              <a:rPr lang="en-US" sz="1600" dirty="0" smtClean="0"/>
+              <a:t> </a:t>
+            </a:r>
+            <a:r>
+              <a:rPr lang="en-US" sz="1600" dirty="0" err="1" smtClean="0"/>
+              <a:t>hình</a:t>
+            </a:r>
+            <a:r>
+              <a:rPr lang="en-US" sz="1600" dirty="0" smtClean="0"/>
+              <a:t> </a:t>
+            </a:r>
+            <a:r>
+              <a:rPr lang="en-US" sz="1600" dirty="0" err="1" smtClean="0"/>
+              <a:t>thành</a:t>
+            </a:r>
+            <a:r>
+              <a:rPr lang="en-US" sz="1600" dirty="0" smtClean="0"/>
+              <a:t> </a:t>
+            </a:r>
+            <a:r>
+              <a:rPr lang="en-US" sz="1600" dirty="0" err="1" smtClean="0"/>
+              <a:t>từ</a:t>
+            </a:r>
+            <a:r>
+              <a:rPr lang="en-US" sz="1600" dirty="0" smtClean="0"/>
+              <a:t> </a:t>
+            </a:r>
+            <a:r>
+              <a:rPr lang="en-US" sz="1600" dirty="0" err="1" smtClean="0"/>
+              <a:t>nhiều</a:t>
+            </a:r>
+            <a:r>
+              <a:rPr lang="en-US" sz="1600" dirty="0" smtClean="0"/>
+              <a:t> </a:t>
+            </a:r>
+            <a:r>
+              <a:rPr lang="en-US" sz="1600" dirty="0" err="1" smtClean="0"/>
+              <a:t>lớp</a:t>
+            </a:r>
+            <a:r>
+              <a:rPr lang="en-US" sz="1600" dirty="0" smtClean="0"/>
+              <a:t>, </a:t>
+            </a:r>
+            <a:r>
+              <a:rPr lang="en-US" sz="1600" dirty="0" err="1" smtClean="0"/>
+              <a:t>ví</a:t>
+            </a:r>
+            <a:r>
+              <a:rPr lang="en-US" sz="1600" dirty="0" smtClean="0"/>
+              <a:t> </a:t>
+            </a:r>
+            <a:r>
+              <a:rPr lang="en-US" sz="1600" dirty="0" err="1" smtClean="0"/>
+              <a:t>dụ</a:t>
+            </a:r>
+            <a:r>
+              <a:rPr lang="en-US" sz="1600" dirty="0" smtClean="0"/>
+              <a:t> </a:t>
+            </a:r>
+            <a:r>
+              <a:rPr lang="en-US" sz="1600" dirty="0" err="1" smtClean="0"/>
+              <a:t>một</a:t>
+            </a:r>
+            <a:r>
+              <a:rPr lang="en-US" sz="1600" dirty="0" smtClean="0"/>
+              <a:t> </a:t>
+            </a:r>
+            <a:r>
+              <a:rPr lang="en-US" sz="1600" dirty="0" err="1" smtClean="0"/>
+              <a:t>chuỗi</a:t>
+            </a:r>
+            <a:r>
+              <a:rPr lang="en-US" sz="1600" dirty="0" smtClean="0"/>
+              <a:t> </a:t>
+            </a:r>
+            <a:r>
+              <a:rPr lang="en-US" sz="1600" dirty="0" err="1" smtClean="0"/>
+              <a:t>trong</a:t>
+            </a:r>
+            <a:r>
+              <a:rPr lang="en-US" sz="1600" dirty="0" smtClean="0"/>
+              <a:t> block VGG:</a:t>
+            </a:r>
+          </a:p>
+          <a:p>
+            <a:pPr lvl="1"/>
+            <a:r>
+              <a:rPr lang="en-US" sz="1200" dirty="0" err="1" smtClean="0"/>
+              <a:t>Lớp</a:t>
+            </a:r>
+            <a:r>
+              <a:rPr lang="en-US" sz="1200" dirty="0" smtClean="0"/>
+              <a:t> </a:t>
+            </a:r>
+            <a:r>
+              <a:rPr lang="en-US" sz="1200" dirty="0" err="1" smtClean="0"/>
+              <a:t>CNN+ReLU</a:t>
+            </a:r>
+            <a:endParaRPr lang="en-US" sz="1200" dirty="0" smtClean="0"/>
+          </a:p>
+          <a:p>
+            <a:pPr lvl="1"/>
+            <a:r>
+              <a:rPr lang="en-US" sz="1200" dirty="0" err="1" smtClean="0"/>
+              <a:t>Lớp</a:t>
+            </a:r>
+            <a:r>
+              <a:rPr lang="en-US" sz="1200" dirty="0" smtClean="0"/>
+              <a:t> max pooling</a:t>
+            </a:r>
+          </a:p>
+          <a:p>
+            <a:pPr lvl="1"/>
+            <a:endParaRPr lang="en-US" sz="1200" dirty="0"/>
+          </a:p>
+          <a:p>
+            <a:r>
+              <a:rPr lang="en-US" sz="1600" dirty="0" err="1" smtClean="0"/>
+              <a:t>Đặc</a:t>
+            </a:r>
+            <a:r>
+              <a:rPr lang="en-US" sz="1600" dirty="0" smtClean="0"/>
+              <a:t> </a:t>
+            </a:r>
+            <a:r>
+              <a:rPr lang="en-US" sz="1600" dirty="0" err="1" smtClean="0"/>
+              <a:t>điểm</a:t>
+            </a:r>
+            <a:r>
+              <a:rPr lang="en-US" sz="1600" dirty="0" smtClean="0"/>
+              <a:t>:</a:t>
+            </a:r>
+          </a:p>
+          <a:p>
+            <a:pPr lvl="1"/>
+            <a:r>
+              <a:rPr lang="en-US" sz="1200" dirty="0" err="1" smtClean="0"/>
+              <a:t>Sử</a:t>
+            </a:r>
+            <a:r>
+              <a:rPr lang="en-US" sz="1200" dirty="0" smtClean="0"/>
+              <a:t> </a:t>
+            </a:r>
+            <a:r>
+              <a:rPr lang="en-US" sz="1200" dirty="0" err="1" smtClean="0"/>
+              <a:t>dụng</a:t>
+            </a:r>
+            <a:r>
+              <a:rPr lang="en-US" sz="1200" dirty="0" smtClean="0"/>
+              <a:t> </a:t>
+            </a:r>
+            <a:r>
+              <a:rPr lang="en-US" sz="1200" dirty="0" err="1" smtClean="0"/>
+              <a:t>lại</a:t>
+            </a:r>
+            <a:r>
+              <a:rPr lang="en-US" sz="1200" dirty="0" smtClean="0"/>
+              <a:t> </a:t>
+            </a:r>
+            <a:r>
+              <a:rPr lang="en-US" sz="1200" dirty="0" err="1" smtClean="0"/>
+              <a:t>các</a:t>
+            </a:r>
+            <a:r>
+              <a:rPr lang="en-US" sz="1200" dirty="0" smtClean="0"/>
+              <a:t> block, </a:t>
+            </a:r>
+            <a:r>
+              <a:rPr lang="en-US" sz="1200" dirty="0" err="1" smtClean="0"/>
+              <a:t>các</a:t>
+            </a:r>
+            <a:r>
+              <a:rPr lang="en-US" sz="1200" dirty="0" smtClean="0"/>
+              <a:t> </a:t>
+            </a:r>
+            <a:r>
+              <a:rPr lang="en-US" sz="1200" dirty="0" err="1" smtClean="0"/>
+              <a:t>mô</a:t>
+            </a:r>
+            <a:r>
+              <a:rPr lang="en-US" sz="1200" dirty="0" smtClean="0"/>
+              <a:t> </a:t>
+            </a:r>
+            <a:r>
+              <a:rPr lang="en-US" sz="1200" dirty="0" err="1" smtClean="0"/>
+              <a:t>hình</a:t>
+            </a:r>
+            <a:r>
+              <a:rPr lang="en-US" sz="1200" dirty="0" smtClean="0"/>
+              <a:t> </a:t>
+            </a:r>
+            <a:r>
+              <a:rPr lang="en-US" sz="1200" dirty="0" err="1" smtClean="0"/>
+              <a:t>chỉ</a:t>
+            </a:r>
+            <a:r>
+              <a:rPr lang="en-US" sz="1200" dirty="0" smtClean="0"/>
+              <a:t> </a:t>
+            </a:r>
+            <a:r>
+              <a:rPr lang="en-US" sz="1200" dirty="0" err="1" smtClean="0"/>
+              <a:t>khác</a:t>
+            </a:r>
+            <a:r>
+              <a:rPr lang="en-US" sz="1200" dirty="0" smtClean="0"/>
+              <a:t> </a:t>
+            </a:r>
+            <a:r>
+              <a:rPr lang="en-US" sz="1200" dirty="0" err="1" smtClean="0"/>
+              <a:t>nhau</a:t>
+            </a:r>
+            <a:r>
+              <a:rPr lang="en-US" sz="1200" dirty="0" smtClean="0"/>
+              <a:t> </a:t>
+            </a:r>
+            <a:r>
+              <a:rPr lang="en-US" sz="1200" dirty="0" err="1" smtClean="0"/>
+              <a:t>số</a:t>
+            </a:r>
+            <a:r>
+              <a:rPr lang="en-US" sz="1200" dirty="0" smtClean="0"/>
+              <a:t> </a:t>
+            </a:r>
+            <a:r>
+              <a:rPr lang="en-US" sz="1200" dirty="0" err="1" smtClean="0"/>
+              <a:t>lượng</a:t>
+            </a:r>
+            <a:r>
+              <a:rPr lang="en-US" sz="1200" dirty="0" smtClean="0"/>
+              <a:t> block, </a:t>
+            </a:r>
+            <a:r>
+              <a:rPr lang="en-US" sz="1200" dirty="0" err="1" smtClean="0"/>
+              <a:t>thuận</a:t>
+            </a:r>
+            <a:r>
+              <a:rPr lang="en-US" sz="1200" dirty="0" smtClean="0"/>
+              <a:t> </a:t>
+            </a:r>
+            <a:r>
+              <a:rPr lang="en-US" sz="1200" dirty="0" err="1" smtClean="0"/>
+              <a:t>lợi</a:t>
+            </a:r>
+            <a:r>
+              <a:rPr lang="en-US" sz="1200" dirty="0" smtClean="0"/>
+              <a:t> </a:t>
+            </a:r>
+            <a:r>
+              <a:rPr lang="en-US" sz="1200" dirty="0" err="1" smtClean="0"/>
+              <a:t>trong</a:t>
+            </a:r>
+            <a:r>
+              <a:rPr lang="en-US" sz="1200" dirty="0" smtClean="0"/>
+              <a:t> </a:t>
+            </a:r>
+            <a:r>
+              <a:rPr lang="en-US" sz="1200" dirty="0" err="1" smtClean="0"/>
+              <a:t>việc</a:t>
+            </a:r>
+            <a:r>
+              <a:rPr lang="en-US" sz="1200" dirty="0" smtClean="0"/>
+              <a:t> </a:t>
+            </a:r>
+            <a:r>
+              <a:rPr lang="en-US" sz="1200" dirty="0" err="1" smtClean="0"/>
+              <a:t>lập</a:t>
+            </a:r>
+            <a:r>
+              <a:rPr lang="en-US" sz="1200" dirty="0" smtClean="0"/>
+              <a:t> </a:t>
+            </a:r>
+            <a:r>
+              <a:rPr lang="en-US" sz="1200" dirty="0" err="1" smtClean="0"/>
+              <a:t>trình</a:t>
+            </a:r>
+            <a:endParaRPr lang="en-US" sz="1200" dirty="0" smtClean="0"/>
+          </a:p>
+          <a:p>
+            <a:pPr lvl="1"/>
+            <a:r>
+              <a:rPr lang="en-US" sz="1200" dirty="0" err="1" smtClean="0"/>
+              <a:t>Thông</a:t>
+            </a:r>
+            <a:r>
+              <a:rPr lang="en-US" sz="1200" dirty="0" smtClean="0"/>
+              <a:t> tin </a:t>
+            </a:r>
+            <a:r>
+              <a:rPr lang="en-US" sz="1200" dirty="0" err="1" smtClean="0"/>
+              <a:t>được</a:t>
+            </a:r>
+            <a:r>
+              <a:rPr lang="en-US" sz="1200" dirty="0" smtClean="0"/>
+              <a:t> </a:t>
+            </a:r>
+            <a:r>
+              <a:rPr lang="en-US" sz="1200" dirty="0" err="1" smtClean="0"/>
+              <a:t>nén</a:t>
+            </a:r>
+            <a:r>
+              <a:rPr lang="en-US" sz="1200" dirty="0" smtClean="0"/>
+              <a:t> </a:t>
+            </a:r>
+            <a:r>
+              <a:rPr lang="en-US" sz="1200" dirty="0" err="1" smtClean="0"/>
+              <a:t>lại</a:t>
+            </a:r>
+            <a:r>
+              <a:rPr lang="en-US" sz="1200" dirty="0" smtClean="0"/>
+              <a:t> </a:t>
+            </a:r>
+            <a:r>
+              <a:rPr lang="en-US" sz="1200" dirty="0" err="1" smtClean="0"/>
+              <a:t>thông</a:t>
+            </a:r>
+            <a:r>
+              <a:rPr lang="en-US" sz="1200" dirty="0" smtClean="0"/>
+              <a:t> qua </a:t>
+            </a:r>
+            <a:r>
+              <a:rPr lang="en-US" sz="1200" dirty="0" err="1" smtClean="0"/>
+              <a:t>các</a:t>
+            </a:r>
+            <a:r>
+              <a:rPr lang="en-US" sz="1200" dirty="0" smtClean="0"/>
+              <a:t> block</a:t>
+            </a:r>
+          </a:p>
+          <a:p>
+            <a:pPr lvl="1"/>
+            <a:r>
+              <a:rPr lang="en-US" sz="1200" dirty="0" smtClean="0"/>
+              <a:t>Theo </a:t>
+            </a:r>
+            <a:r>
+              <a:rPr lang="en-US" sz="1200" dirty="0" err="1" smtClean="0"/>
+              <a:t>kinh</a:t>
+            </a:r>
+            <a:r>
+              <a:rPr lang="en-US" sz="1200" dirty="0" smtClean="0"/>
+              <a:t> </a:t>
+            </a:r>
+            <a:r>
+              <a:rPr lang="en-US" sz="1200" dirty="0" err="1" smtClean="0"/>
+              <a:t>nghiệm</a:t>
+            </a:r>
+            <a:r>
+              <a:rPr lang="en-US" sz="1200" dirty="0" smtClean="0"/>
+              <a:t>, </a:t>
+            </a:r>
+            <a:r>
+              <a:rPr lang="en-US" sz="1200" dirty="0" err="1" smtClean="0"/>
+              <a:t>nhiều</a:t>
+            </a:r>
+            <a:r>
+              <a:rPr lang="en-US" sz="1200" dirty="0" smtClean="0"/>
+              <a:t> block </a:t>
+            </a:r>
+            <a:r>
+              <a:rPr lang="en-US" sz="1200" dirty="0" err="1" smtClean="0"/>
+              <a:t>và</a:t>
+            </a:r>
+            <a:r>
+              <a:rPr lang="en-US" sz="1200" dirty="0" smtClean="0"/>
+              <a:t> kernel </a:t>
+            </a:r>
+            <a:r>
+              <a:rPr lang="en-US" sz="1200" dirty="0" err="1" smtClean="0"/>
+              <a:t>nhỏ</a:t>
+            </a:r>
+            <a:r>
+              <a:rPr lang="en-US" sz="1200" dirty="0" smtClean="0"/>
+              <a:t> </a:t>
+            </a:r>
+            <a:r>
+              <a:rPr lang="en-US" sz="1200" dirty="0" err="1" smtClean="0"/>
+              <a:t>tốt</a:t>
+            </a:r>
+            <a:r>
+              <a:rPr lang="en-US" sz="1200" dirty="0" smtClean="0"/>
+              <a:t> </a:t>
+            </a:r>
+            <a:r>
+              <a:rPr lang="en-US" sz="1200" dirty="0" err="1" smtClean="0"/>
+              <a:t>hơn</a:t>
+            </a:r>
+            <a:r>
+              <a:rPr lang="en-US" sz="1200" dirty="0" smtClean="0"/>
+              <a:t> </a:t>
+            </a:r>
+            <a:r>
+              <a:rPr lang="en-US" sz="1200" dirty="0" err="1" smtClean="0"/>
+              <a:t>ít</a:t>
+            </a:r>
+            <a:r>
+              <a:rPr lang="en-US" sz="1200" dirty="0" smtClean="0"/>
+              <a:t> block </a:t>
+            </a:r>
+            <a:r>
+              <a:rPr lang="en-US" sz="1200" dirty="0" err="1" smtClean="0"/>
+              <a:t>và</a:t>
+            </a:r>
+            <a:r>
+              <a:rPr lang="en-US" sz="1200" dirty="0" smtClean="0"/>
+              <a:t> kernel </a:t>
+            </a:r>
+            <a:r>
+              <a:rPr lang="en-US" sz="1200" dirty="0" err="1" smtClean="0"/>
+              <a:t>lớn</a:t>
+            </a:r>
+            <a:endParaRPr lang="en-US" sz="1200" dirty="0" smtClean="0"/>
+          </a:p>
+          <a:p>
+            <a:pPr lvl="1"/>
+            <a:endParaRPr lang="en-US" sz="1200" dirty="0"/>
           </a:p>
         </p:txBody>
       </p:sp>
       <p:pic>
         <p:nvPicPr>
           <p:cNvPr id="4" name="Picture 3"/>
-          <p:cNvPicPr>
-            <a:picLocks noChangeAspect="1"/>
-          </p:cNvPicPr>
-          <p:nvPr/>
-        </p:nvPicPr>
-        <p:blipFill>
-          <a:blip r:embed="rId2"/>
-          <a:stretch>
-            <a:fillRect/>
-          </a:stretch>
-        </p:blipFill>
-        <p:spPr>
-          <a:xfrm>
-            <a:off x="699161" y="2269172"/>
-            <a:ext cx="7654581" cy="2394268"/>
-          </a:xfrm>
-          <a:prstGeom prst="rect">
-            <a:avLst/>
-          </a:prstGeom>
-        </p:spPr>
-      </p:pic>
-      <p:pic>
-        <p:nvPicPr>
-          <p:cNvPr id="5" name="Picture 4"/>
           <p:cNvPicPr>
             <a:picLocks noChangeAspect="1"/>
           </p:cNvPicPr>
@@ -5975,8 +7939,8 @@
         </p:blipFill>
         <p:spPr>
           <a:xfrm>
-            <a:off x="9251474" y="894556"/>
-            <a:ext cx="1771650" cy="5143500"/>
+            <a:off x="6375768" y="1825625"/>
+            <a:ext cx="4429125" cy="3839411"/>
           </a:xfrm>
           <a:prstGeom prst="rect">
             <a:avLst/>
@@ -5986,7 +7950,7 @@
     </p:spTree>
     <p:extLst>
       <p:ext uri="{BB962C8B-B14F-4D97-AF65-F5344CB8AC3E}">
-        <p14:creationId xmlns:p14="http://schemas.microsoft.com/office/powerpoint/2010/main" val="3150550637"/>
+        <p14:creationId xmlns:p14="http://schemas.microsoft.com/office/powerpoint/2010/main" val="525443696"/>
       </p:ext>
     </p:extLst>
   </p:cSld>
@@ -6030,7 +7994,7 @@
           <a:p>
             <a:r>
               <a:rPr lang="en-US" dirty="0" smtClean="0"/>
-              <a:t>Batch norm layer</a:t>
+              <a:t>Inception blocks</a:t>
             </a:r>
             <a:endParaRPr lang="en-US" dirty="0"/>
           </a:p>
@@ -6046,12 +8010,370 @@
             <p:ph idx="1"/>
           </p:nvPr>
         </p:nvSpPr>
-        <p:spPr/>
-        <p:txBody>
-          <a:bodyPr/>
+        <p:spPr>
+          <a:xfrm>
+            <a:off x="838200" y="1825625"/>
+            <a:ext cx="8787063" cy="4351338"/>
+          </a:xfrm>
+        </p:spPr>
+        <p:txBody>
+          <a:bodyPr>
+            <a:normAutofit/>
+          </a:bodyPr>
           <a:lstStyle/>
           <a:p>
-            <a:endParaRPr lang="en-US" dirty="0"/>
+            <a:r>
+              <a:rPr lang="en-US" sz="1800" dirty="0" err="1" smtClean="0"/>
+              <a:t>Kết</a:t>
+            </a:r>
+            <a:r>
+              <a:rPr lang="en-US" sz="1800" dirty="0" smtClean="0"/>
+              <a:t> </a:t>
+            </a:r>
+            <a:r>
+              <a:rPr lang="en-US" sz="1800" dirty="0" err="1" smtClean="0"/>
+              <a:t>cấu</a:t>
+            </a:r>
+            <a:r>
+              <a:rPr lang="en-US" sz="1800" dirty="0" smtClean="0"/>
+              <a:t> </a:t>
+            </a:r>
+            <a:r>
+              <a:rPr lang="en-US" sz="1800" dirty="0" err="1" smtClean="0"/>
+              <a:t>một</a:t>
+            </a:r>
+            <a:r>
+              <a:rPr lang="en-US" sz="1800" dirty="0" smtClean="0"/>
+              <a:t> block </a:t>
+            </a:r>
+            <a:r>
+              <a:rPr lang="en-US" sz="1800" dirty="0" err="1" smtClean="0"/>
+              <a:t>gồm</a:t>
+            </a:r>
+            <a:r>
+              <a:rPr lang="en-US" sz="1800" dirty="0" smtClean="0"/>
+              <a:t> </a:t>
+            </a:r>
+            <a:r>
+              <a:rPr lang="en-US" sz="1800" dirty="0" err="1" smtClean="0"/>
+              <a:t>nhiều</a:t>
+            </a:r>
+            <a:r>
+              <a:rPr lang="en-US" sz="1800" dirty="0" smtClean="0"/>
+              <a:t> </a:t>
+            </a:r>
+            <a:r>
+              <a:rPr lang="en-US" sz="1800" dirty="0" err="1" smtClean="0"/>
+              <a:t>kiểu</a:t>
+            </a:r>
+            <a:r>
+              <a:rPr lang="en-US" sz="1800" dirty="0" smtClean="0"/>
+              <a:t> CNN </a:t>
+            </a:r>
+            <a:r>
+              <a:rPr lang="en-US" sz="1800" dirty="0" err="1" smtClean="0"/>
+              <a:t>kết</a:t>
+            </a:r>
+            <a:r>
+              <a:rPr lang="en-US" sz="1800" dirty="0" smtClean="0"/>
+              <a:t> </a:t>
+            </a:r>
+            <a:r>
+              <a:rPr lang="en-US" sz="1800" dirty="0" err="1" smtClean="0"/>
+              <a:t>hợp</a:t>
+            </a:r>
+            <a:endParaRPr lang="en-US" sz="1800" dirty="0" smtClean="0"/>
+          </a:p>
+          <a:p>
+            <a:r>
+              <a:rPr lang="en-US" sz="1800" dirty="0" err="1" smtClean="0"/>
+              <a:t>Mô</a:t>
+            </a:r>
+            <a:r>
+              <a:rPr lang="en-US" sz="1800" dirty="0" smtClean="0"/>
+              <a:t> </a:t>
+            </a:r>
+            <a:r>
+              <a:rPr lang="en-US" sz="1800" dirty="0" err="1" smtClean="0"/>
+              <a:t>hình</a:t>
+            </a:r>
+            <a:r>
+              <a:rPr lang="en-US" sz="1800" dirty="0" smtClean="0"/>
+              <a:t> </a:t>
+            </a:r>
+            <a:r>
+              <a:rPr lang="en-US" sz="1800" dirty="0" err="1" smtClean="0"/>
+              <a:t>này</a:t>
+            </a:r>
+            <a:r>
+              <a:rPr lang="en-US" sz="1800" dirty="0" smtClean="0"/>
+              <a:t> </a:t>
+            </a:r>
+            <a:r>
+              <a:rPr lang="en-US" sz="1800" dirty="0" err="1" smtClean="0"/>
+              <a:t>hiệu</a:t>
+            </a:r>
+            <a:r>
+              <a:rPr lang="en-US" sz="1800" dirty="0" smtClean="0"/>
+              <a:t> </a:t>
+            </a:r>
+            <a:r>
+              <a:rPr lang="en-US" sz="1800" dirty="0" err="1" smtClean="0"/>
+              <a:t>quả</a:t>
+            </a:r>
+            <a:r>
+              <a:rPr lang="en-US" sz="1800" dirty="0" smtClean="0"/>
+              <a:t> </a:t>
+            </a:r>
+            <a:r>
+              <a:rPr lang="en-US" sz="1800" dirty="0" err="1" smtClean="0"/>
+              <a:t>vì</a:t>
+            </a:r>
+            <a:r>
+              <a:rPr lang="en-US" sz="1800" dirty="0" smtClean="0"/>
+              <a:t> </a:t>
+            </a:r>
+            <a:r>
+              <a:rPr lang="en-US" sz="1800" dirty="0" err="1" smtClean="0"/>
+              <a:t>các</a:t>
+            </a:r>
+            <a:r>
+              <a:rPr lang="en-US" sz="1800" dirty="0" smtClean="0"/>
+              <a:t> </a:t>
+            </a:r>
+            <a:r>
+              <a:rPr lang="en-US" sz="1800" dirty="0" err="1" smtClean="0"/>
+              <a:t>vật</a:t>
+            </a:r>
+            <a:r>
+              <a:rPr lang="en-US" sz="1800" dirty="0" smtClean="0"/>
+              <a:t> </a:t>
+            </a:r>
+            <a:r>
+              <a:rPr lang="en-US" sz="1800" dirty="0" err="1" smtClean="0"/>
+              <a:t>thể</a:t>
+            </a:r>
+            <a:r>
+              <a:rPr lang="en-US" sz="1800" dirty="0" smtClean="0"/>
+              <a:t> </a:t>
+            </a:r>
+            <a:r>
+              <a:rPr lang="en-US" sz="1800" dirty="0" err="1" smtClean="0"/>
+              <a:t>kích</a:t>
+            </a:r>
+            <a:r>
+              <a:rPr lang="en-US" sz="1800" dirty="0" smtClean="0"/>
+              <a:t> </a:t>
+            </a:r>
+            <a:r>
+              <a:rPr lang="en-US" sz="1800" dirty="0" err="1" smtClean="0"/>
+              <a:t>thước</a:t>
+            </a:r>
+            <a:r>
+              <a:rPr lang="en-US" sz="1800" dirty="0" smtClean="0"/>
+              <a:t> </a:t>
+            </a:r>
+            <a:r>
+              <a:rPr lang="en-US" sz="1800" dirty="0" err="1" smtClean="0"/>
+              <a:t>khác</a:t>
+            </a:r>
+            <a:r>
+              <a:rPr lang="en-US" sz="1800" dirty="0" smtClean="0"/>
+              <a:t> </a:t>
+            </a:r>
+            <a:r>
+              <a:rPr lang="en-US" sz="1800" dirty="0" err="1" smtClean="0"/>
+              <a:t>nhau</a:t>
+            </a:r>
+            <a:r>
+              <a:rPr lang="en-US" sz="1800" dirty="0" smtClean="0"/>
+              <a:t> </a:t>
+            </a:r>
+            <a:r>
+              <a:rPr lang="en-US" sz="1800" dirty="0" err="1" smtClean="0"/>
+              <a:t>đều</a:t>
+            </a:r>
+            <a:r>
+              <a:rPr lang="en-US" sz="1800" dirty="0" smtClean="0"/>
+              <a:t> </a:t>
+            </a:r>
+            <a:r>
+              <a:rPr lang="en-US" sz="1800" dirty="0" err="1" smtClean="0"/>
+              <a:t>có</a:t>
+            </a:r>
+            <a:r>
+              <a:rPr lang="en-US" sz="1800" dirty="0" smtClean="0"/>
+              <a:t> </a:t>
+            </a:r>
+            <a:r>
+              <a:rPr lang="en-US" sz="1800" dirty="0" err="1" smtClean="0"/>
+              <a:t>thể</a:t>
+            </a:r>
+            <a:r>
+              <a:rPr lang="en-US" sz="1800" dirty="0" smtClean="0"/>
+              <a:t> </a:t>
+            </a:r>
+            <a:r>
+              <a:rPr lang="en-US" sz="1800" dirty="0" err="1" smtClean="0"/>
+              <a:t>được</a:t>
+            </a:r>
+            <a:r>
+              <a:rPr lang="en-US" sz="1800" dirty="0" smtClean="0"/>
+              <a:t> </a:t>
+            </a:r>
+            <a:r>
+              <a:rPr lang="en-US" sz="1800" dirty="0" err="1" smtClean="0"/>
+              <a:t>nhận</a:t>
+            </a:r>
+            <a:r>
+              <a:rPr lang="en-US" sz="1800" dirty="0" smtClean="0"/>
+              <a:t> </a:t>
+            </a:r>
+            <a:r>
+              <a:rPr lang="en-US" sz="1800" dirty="0" err="1" smtClean="0"/>
+              <a:t>diện</a:t>
+            </a:r>
+            <a:r>
+              <a:rPr lang="en-US" sz="1800" dirty="0" smtClean="0"/>
+              <a:t> </a:t>
+            </a:r>
+            <a:r>
+              <a:rPr lang="en-US" sz="1800" dirty="0" err="1" smtClean="0"/>
+              <a:t>bởi</a:t>
+            </a:r>
+            <a:r>
+              <a:rPr lang="en-US" sz="1800" dirty="0" smtClean="0"/>
+              <a:t> </a:t>
+            </a:r>
+            <a:r>
+              <a:rPr lang="en-US" sz="1800" dirty="0" err="1" smtClean="0"/>
+              <a:t>các</a:t>
+            </a:r>
+            <a:r>
+              <a:rPr lang="en-US" sz="1800" dirty="0" smtClean="0"/>
+              <a:t> kernel </a:t>
+            </a:r>
+            <a:r>
+              <a:rPr lang="en-US" sz="1800" dirty="0" err="1" smtClean="0"/>
+              <a:t>khác</a:t>
+            </a:r>
+            <a:r>
+              <a:rPr lang="en-US" sz="1800" dirty="0" smtClean="0"/>
+              <a:t> </a:t>
+            </a:r>
+            <a:r>
+              <a:rPr lang="en-US" sz="1800" dirty="0" err="1" smtClean="0"/>
+              <a:t>nhau</a:t>
+            </a:r>
+            <a:endParaRPr lang="en-US" sz="1800" dirty="0" smtClean="0"/>
+          </a:p>
+          <a:p>
+            <a:endParaRPr lang="en-US" sz="1800" dirty="0"/>
+          </a:p>
+          <a:p>
+            <a:r>
+              <a:rPr lang="en-US" sz="1800" dirty="0" err="1" smtClean="0"/>
+              <a:t>GoogLeNet</a:t>
+            </a:r>
+            <a:r>
+              <a:rPr lang="en-US" sz="1800" dirty="0" smtClean="0"/>
+              <a:t> </a:t>
+            </a:r>
+            <a:r>
+              <a:rPr lang="en-US" sz="1800" dirty="0" err="1" smtClean="0"/>
+              <a:t>kết</a:t>
+            </a:r>
+            <a:r>
+              <a:rPr lang="en-US" sz="1800" dirty="0" smtClean="0"/>
+              <a:t> </a:t>
+            </a:r>
+            <a:r>
+              <a:rPr lang="en-US" sz="1800" dirty="0" err="1" smtClean="0"/>
+              <a:t>hợp</a:t>
+            </a:r>
+            <a:r>
+              <a:rPr lang="en-US" sz="1800" dirty="0" smtClean="0"/>
+              <a:t> </a:t>
+            </a:r>
+            <a:r>
+              <a:rPr lang="en-US" sz="1800" dirty="0" err="1" smtClean="0"/>
+              <a:t>nhiều</a:t>
+            </a:r>
+            <a:r>
+              <a:rPr lang="en-US" sz="1800" dirty="0" smtClean="0"/>
+              <a:t> inception block</a:t>
+            </a:r>
+          </a:p>
+          <a:p>
+            <a:r>
+              <a:rPr lang="en-US" sz="1800" dirty="0" err="1" smtClean="0"/>
+              <a:t>Mô</a:t>
+            </a:r>
+            <a:r>
+              <a:rPr lang="en-US" sz="1800" dirty="0" smtClean="0"/>
+              <a:t> </a:t>
+            </a:r>
+            <a:r>
+              <a:rPr lang="en-US" sz="1800" dirty="0" err="1" smtClean="0"/>
+              <a:t>hình</a:t>
+            </a:r>
+            <a:r>
+              <a:rPr lang="en-US" sz="1800" dirty="0" smtClean="0"/>
+              <a:t> </a:t>
+            </a:r>
+            <a:r>
+              <a:rPr lang="en-US" sz="1800" dirty="0" err="1" smtClean="0"/>
+              <a:t>tính</a:t>
+            </a:r>
+            <a:r>
+              <a:rPr lang="en-US" sz="1800" dirty="0" smtClean="0"/>
+              <a:t> </a:t>
+            </a:r>
+            <a:r>
+              <a:rPr lang="en-US" sz="1800" dirty="0" err="1" smtClean="0"/>
+              <a:t>toán</a:t>
+            </a:r>
+            <a:r>
+              <a:rPr lang="en-US" sz="1800" dirty="0" smtClean="0"/>
+              <a:t> </a:t>
+            </a:r>
+            <a:r>
+              <a:rPr lang="en-US" sz="1800" dirty="0" err="1" smtClean="0"/>
+              <a:t>đơn</a:t>
+            </a:r>
+            <a:r>
+              <a:rPr lang="en-US" sz="1800" dirty="0" smtClean="0"/>
+              <a:t> </a:t>
+            </a:r>
+            <a:r>
+              <a:rPr lang="en-US" sz="1800" dirty="0" err="1" smtClean="0"/>
+              <a:t>giản</a:t>
+            </a:r>
+            <a:r>
+              <a:rPr lang="en-US" sz="1800" dirty="0" smtClean="0"/>
+              <a:t> </a:t>
+            </a:r>
+            <a:r>
+              <a:rPr lang="en-US" sz="1800" dirty="0" err="1" smtClean="0"/>
+              <a:t>nhưng</a:t>
+            </a:r>
+            <a:r>
+              <a:rPr lang="en-US" sz="1800" dirty="0" smtClean="0"/>
+              <a:t> </a:t>
+            </a:r>
+            <a:r>
+              <a:rPr lang="en-US" sz="1800" dirty="0" err="1" smtClean="0"/>
+              <a:t>hiệu</a:t>
+            </a:r>
+            <a:r>
+              <a:rPr lang="en-US" sz="1800" dirty="0" smtClean="0"/>
+              <a:t> </a:t>
+            </a:r>
+            <a:r>
+              <a:rPr lang="en-US" sz="1800" dirty="0" err="1" smtClean="0"/>
+              <a:t>quả</a:t>
+            </a:r>
+            <a:endParaRPr lang="en-US" sz="1800" dirty="0" smtClean="0"/>
           </a:p>
         </p:txBody>
       </p:sp>
@@ -6064,15 +8386,15 @@
           <p:nvPr/>
         </p:nvPicPr>
         <p:blipFill>
-          <a:blip r:embed="rId3"/>
+          <a:blip r:embed="rId2"/>
           <a:stretch>
             <a:fillRect/>
           </a:stretch>
         </p:blipFill>
         <p:spPr>
           <a:xfrm>
-            <a:off x="5114924" y="5777706"/>
-            <a:ext cx="1962150" cy="466725"/>
+            <a:off x="6694153" y="5005136"/>
+            <a:ext cx="4908195" cy="1535229"/>
           </a:xfrm>
           <a:prstGeom prst="rect">
             <a:avLst/>
@@ -6088,63 +8410,15 @@
           <p:nvPr/>
         </p:nvPicPr>
         <p:blipFill>
-          <a:blip r:embed="rId4"/>
+          <a:blip r:embed="rId3"/>
           <a:stretch>
             <a:fillRect/>
           </a:stretch>
         </p:blipFill>
         <p:spPr>
           <a:xfrm>
-            <a:off x="2452687" y="1865153"/>
-            <a:ext cx="7286625" cy="1219200"/>
-          </a:xfrm>
-          <a:prstGeom prst="rect">
-            <a:avLst/>
-          </a:prstGeom>
-        </p:spPr>
-      </p:pic>
-      <p:pic>
-        <p:nvPicPr>
-          <p:cNvPr id="6" name="Picture 5"/>
-          <p:cNvPicPr>
-            <a:picLocks noChangeAspect="1"/>
-          </p:cNvPicPr>
-          <p:nvPr/>
-        </p:nvPicPr>
-        <p:blipFill>
-          <a:blip r:embed="rId5"/>
-          <a:stretch>
-            <a:fillRect/>
-          </a:stretch>
-        </p:blipFill>
-        <p:spPr>
-          <a:xfrm>
-            <a:off x="2737485" y="3219290"/>
-            <a:ext cx="7143750" cy="1219200"/>
-          </a:xfrm>
-          <a:prstGeom prst="rect">
-            <a:avLst/>
-          </a:prstGeom>
-        </p:spPr>
-      </p:pic>
-      <p:pic>
-        <p:nvPicPr>
-          <p:cNvPr id="7" name="Picture 6"/>
-          <p:cNvPicPr>
-            <a:picLocks noChangeAspect="1"/>
-          </p:cNvPicPr>
-          <p:nvPr/>
-        </p:nvPicPr>
-        <p:blipFill>
-          <a:blip r:embed="rId6"/>
-          <a:stretch>
-            <a:fillRect/>
-          </a:stretch>
-        </p:blipFill>
-        <p:spPr>
-          <a:xfrm>
-            <a:off x="4053205" y="4489939"/>
-            <a:ext cx="3749675" cy="1287767"/>
+            <a:off x="10292469" y="191912"/>
+            <a:ext cx="1558428" cy="4524467"/>
           </a:xfrm>
           <a:prstGeom prst="rect">
             <a:avLst/>
@@ -6154,7 +8428,7 @@
     </p:spTree>
     <p:extLst>
       <p:ext uri="{BB962C8B-B14F-4D97-AF65-F5344CB8AC3E}">
-        <p14:creationId xmlns:p14="http://schemas.microsoft.com/office/powerpoint/2010/main" val="1686823308"/>
+        <p14:creationId xmlns:p14="http://schemas.microsoft.com/office/powerpoint/2010/main" val="3150550637"/>
       </p:ext>
     </p:extLst>
   </p:cSld>
@@ -6270,7 +8544,15 @@
           <a:p>
             <a:r>
               <a:rPr lang="en-US" dirty="0" err="1" smtClean="0"/>
-              <a:t>ResNet</a:t>
+              <a:t>Lớp</a:t>
+            </a:r>
+            <a:r>
+              <a:rPr lang="en-US" dirty="0" smtClean="0"/>
+              <a:t> batch </a:t>
+            </a:r>
+            <a:r>
+              <a:rPr lang="en-US" dirty="0" err="1" smtClean="0"/>
+              <a:t>normmalization</a:t>
             </a:r>
             <a:endParaRPr lang="en-US" dirty="0"/>
           </a:p>
@@ -6291,62 +8573,358 @@
           <a:bodyPr/>
           <a:lstStyle/>
           <a:p>
-            <a:endParaRPr lang="en-US"/>
-          </a:p>
-        </p:txBody>
-      </p:sp>
-      <p:pic>
-        <p:nvPicPr>
-          <p:cNvPr id="4" name="Picture 3"/>
-          <p:cNvPicPr>
-            <a:picLocks noChangeAspect="1"/>
-          </p:cNvPicPr>
-          <p:nvPr/>
-        </p:nvPicPr>
-        <p:blipFill>
-          <a:blip r:embed="rId3"/>
-          <a:stretch>
-            <a:fillRect/>
-          </a:stretch>
-        </p:blipFill>
-        <p:spPr>
-          <a:xfrm>
-            <a:off x="7011035" y="199549"/>
-            <a:ext cx="4591050" cy="3600450"/>
-          </a:xfrm>
-          <a:prstGeom prst="rect">
-            <a:avLst/>
-          </a:prstGeom>
-        </p:spPr>
-      </p:pic>
-      <p:pic>
-        <p:nvPicPr>
-          <p:cNvPr id="5" name="Picture 4"/>
-          <p:cNvPicPr>
-            <a:picLocks noChangeAspect="1"/>
-          </p:cNvPicPr>
-          <p:nvPr/>
-        </p:nvPicPr>
-        <p:blipFill>
-          <a:blip r:embed="rId4"/>
-          <a:stretch>
-            <a:fillRect/>
-          </a:stretch>
-        </p:blipFill>
-        <p:spPr>
-          <a:xfrm rot="5400000">
-            <a:off x="4781551" y="775812"/>
-            <a:ext cx="2933700" cy="8982075"/>
-          </a:xfrm>
-          <a:prstGeom prst="rect">
-            <a:avLst/>
-          </a:prstGeom>
-        </p:spPr>
-      </p:pic>
+            <a:r>
+              <a:rPr lang="en-US" dirty="0" err="1" smtClean="0"/>
+              <a:t>Tại</a:t>
+            </a:r>
+            <a:r>
+              <a:rPr lang="en-US" dirty="0" smtClean="0"/>
+              <a:t> </a:t>
+            </a:r>
+            <a:r>
+              <a:rPr lang="en-US" dirty="0" err="1" smtClean="0"/>
+              <a:t>sao</a:t>
+            </a:r>
+            <a:r>
+              <a:rPr lang="en-US" dirty="0" smtClean="0"/>
+              <a:t> </a:t>
+            </a:r>
+            <a:r>
+              <a:rPr lang="en-US" dirty="0" err="1" smtClean="0"/>
+              <a:t>cần</a:t>
+            </a:r>
+            <a:r>
+              <a:rPr lang="en-US" dirty="0" smtClean="0"/>
+              <a:t> </a:t>
+            </a:r>
+            <a:r>
+              <a:rPr lang="en-US" dirty="0" err="1" smtClean="0"/>
+              <a:t>lớp</a:t>
+            </a:r>
+            <a:r>
+              <a:rPr lang="en-US" dirty="0" smtClean="0"/>
+              <a:t> batch norm?</a:t>
+            </a:r>
+          </a:p>
+          <a:p>
+            <a:pPr lvl="1"/>
+            <a:r>
+              <a:rPr lang="en-US" dirty="0" err="1" smtClean="0"/>
+              <a:t>Để</a:t>
+            </a:r>
+            <a:r>
+              <a:rPr lang="en-US" dirty="0" smtClean="0"/>
+              <a:t> </a:t>
+            </a:r>
+            <a:r>
+              <a:rPr lang="en-US" dirty="0" err="1" smtClean="0"/>
+              <a:t>các</a:t>
+            </a:r>
+            <a:r>
+              <a:rPr lang="en-US" dirty="0" smtClean="0"/>
+              <a:t> features </a:t>
+            </a:r>
+            <a:r>
+              <a:rPr lang="en-US" dirty="0" err="1" smtClean="0"/>
+              <a:t>giữa</a:t>
+            </a:r>
+            <a:r>
+              <a:rPr lang="en-US" dirty="0" smtClean="0"/>
+              <a:t> </a:t>
+            </a:r>
+            <a:r>
+              <a:rPr lang="en-US" dirty="0" err="1" smtClean="0"/>
+              <a:t>các</a:t>
+            </a:r>
+            <a:r>
+              <a:rPr lang="en-US" dirty="0" smtClean="0"/>
+              <a:t> </a:t>
+            </a:r>
+            <a:r>
+              <a:rPr lang="en-US" dirty="0" err="1" smtClean="0"/>
+              <a:t>lớp</a:t>
+            </a:r>
+            <a:r>
+              <a:rPr lang="en-US" dirty="0" smtClean="0"/>
+              <a:t> </a:t>
+            </a:r>
+            <a:r>
+              <a:rPr lang="en-US" dirty="0" err="1" smtClean="0"/>
+              <a:t>được</a:t>
+            </a:r>
+            <a:r>
+              <a:rPr lang="en-US" dirty="0" smtClean="0"/>
+              <a:t> </a:t>
+            </a:r>
+            <a:r>
+              <a:rPr lang="en-US" dirty="0" err="1" smtClean="0"/>
+              <a:t>chuẩn</a:t>
+            </a:r>
+            <a:r>
+              <a:rPr lang="en-US" dirty="0" smtClean="0"/>
+              <a:t> </a:t>
+            </a:r>
+            <a:r>
+              <a:rPr lang="en-US" dirty="0" err="1" smtClean="0"/>
+              <a:t>hoá</a:t>
+            </a:r>
+            <a:r>
+              <a:rPr lang="en-US" dirty="0" smtClean="0"/>
+              <a:t>, </a:t>
+            </a:r>
+            <a:r>
+              <a:rPr lang="en-US" dirty="0" err="1" smtClean="0"/>
+              <a:t>cho</a:t>
+            </a:r>
+            <a:r>
+              <a:rPr lang="en-US" dirty="0" smtClean="0"/>
+              <a:t> </a:t>
+            </a:r>
+            <a:r>
+              <a:rPr lang="en-US" dirty="0" err="1" smtClean="0"/>
+              <a:t>giá</a:t>
+            </a:r>
+            <a:r>
+              <a:rPr lang="en-US" dirty="0" smtClean="0"/>
+              <a:t> </a:t>
+            </a:r>
+            <a:r>
+              <a:rPr lang="en-US" dirty="0" err="1" smtClean="0"/>
+              <a:t>trị</a:t>
+            </a:r>
+            <a:r>
+              <a:rPr lang="en-US" dirty="0" smtClean="0"/>
+              <a:t> </a:t>
+            </a:r>
+            <a:r>
+              <a:rPr lang="en-US" dirty="0" err="1" smtClean="0"/>
+              <a:t>của</a:t>
+            </a:r>
+            <a:r>
+              <a:rPr lang="en-US" dirty="0" smtClean="0"/>
+              <a:t> kernel </a:t>
+            </a:r>
+            <a:r>
+              <a:rPr lang="en-US" dirty="0" err="1" smtClean="0"/>
+              <a:t>được</a:t>
+            </a:r>
+            <a:r>
+              <a:rPr lang="en-US" dirty="0" smtClean="0"/>
+              <a:t> </a:t>
+            </a:r>
+            <a:r>
+              <a:rPr lang="en-US" dirty="0" err="1" smtClean="0"/>
+              <a:t>huấn</a:t>
+            </a:r>
+            <a:r>
+              <a:rPr lang="en-US" dirty="0" smtClean="0"/>
+              <a:t> </a:t>
+            </a:r>
+            <a:r>
+              <a:rPr lang="en-US" dirty="0" err="1" smtClean="0"/>
+              <a:t>luyện</a:t>
+            </a:r>
+            <a:r>
+              <a:rPr lang="en-US" dirty="0" smtClean="0"/>
+              <a:t> ở </a:t>
+            </a:r>
+            <a:r>
+              <a:rPr lang="en-US" dirty="0" err="1" smtClean="0"/>
+              <a:t>không</a:t>
+            </a:r>
+            <a:r>
+              <a:rPr lang="en-US" dirty="0" smtClean="0"/>
+              <a:t> </a:t>
+            </a:r>
+            <a:r>
+              <a:rPr lang="en-US" dirty="0" err="1" smtClean="0"/>
+              <a:t>bị</a:t>
+            </a:r>
+            <a:r>
+              <a:rPr lang="en-US" dirty="0" smtClean="0"/>
+              <a:t> </a:t>
+            </a:r>
+            <a:r>
+              <a:rPr lang="en-US" dirty="0" err="1" smtClean="0"/>
+              <a:t>giao</a:t>
+            </a:r>
+            <a:r>
+              <a:rPr lang="en-US" dirty="0" smtClean="0"/>
+              <a:t> </a:t>
+            </a:r>
+            <a:r>
+              <a:rPr lang="en-US" dirty="0" err="1" smtClean="0"/>
+              <a:t>động</a:t>
+            </a:r>
+            <a:r>
+              <a:rPr lang="en-US" dirty="0" smtClean="0"/>
+              <a:t> </a:t>
+            </a:r>
+            <a:r>
+              <a:rPr lang="en-US" dirty="0" err="1" smtClean="0"/>
+              <a:t>lớn</a:t>
+            </a:r>
+            <a:endParaRPr lang="en-US" dirty="0" smtClean="0"/>
+          </a:p>
+          <a:p>
+            <a:pPr lvl="1"/>
+            <a:r>
+              <a:rPr lang="en-US" dirty="0" err="1" smtClean="0"/>
+              <a:t>Lớp</a:t>
+            </a:r>
+            <a:r>
+              <a:rPr lang="en-US" dirty="0" smtClean="0"/>
+              <a:t> </a:t>
+            </a:r>
+            <a:r>
+              <a:rPr lang="en-US" dirty="0" err="1" smtClean="0"/>
+              <a:t>này</a:t>
+            </a:r>
+            <a:r>
+              <a:rPr lang="en-US" dirty="0" smtClean="0"/>
+              <a:t> </a:t>
+            </a:r>
+            <a:r>
+              <a:rPr lang="en-US" dirty="0" err="1" smtClean="0"/>
+              <a:t>cũng</a:t>
+            </a:r>
+            <a:r>
+              <a:rPr lang="en-US" dirty="0" smtClean="0"/>
+              <a:t> </a:t>
+            </a:r>
+            <a:r>
+              <a:rPr lang="en-US" dirty="0" err="1" smtClean="0"/>
+              <a:t>có</a:t>
+            </a:r>
+            <a:r>
+              <a:rPr lang="en-US" dirty="0" smtClean="0"/>
+              <a:t> </a:t>
+            </a:r>
+            <a:r>
+              <a:rPr lang="en-US" dirty="0" err="1" smtClean="0"/>
+              <a:t>tác</a:t>
+            </a:r>
+            <a:r>
+              <a:rPr lang="en-US" dirty="0" smtClean="0"/>
+              <a:t> </a:t>
+            </a:r>
+            <a:r>
+              <a:rPr lang="en-US" dirty="0" err="1" smtClean="0"/>
+              <a:t>dụng</a:t>
+            </a:r>
+            <a:r>
+              <a:rPr lang="en-US" dirty="0" smtClean="0"/>
+              <a:t> regularization </a:t>
+            </a:r>
+            <a:r>
+              <a:rPr lang="en-US" dirty="0" err="1" smtClean="0"/>
+              <a:t>giúp</a:t>
+            </a:r>
+            <a:r>
+              <a:rPr lang="en-US" dirty="0" smtClean="0"/>
+              <a:t> </a:t>
+            </a:r>
+            <a:r>
+              <a:rPr lang="en-US" dirty="0" err="1" smtClean="0"/>
+              <a:t>chống</a:t>
+            </a:r>
+            <a:r>
+              <a:rPr lang="en-US" dirty="0" smtClean="0"/>
+              <a:t> overfitting</a:t>
+            </a:r>
+          </a:p>
+          <a:p>
+            <a:pPr lvl="1"/>
+            <a:endParaRPr lang="en-US" dirty="0"/>
+          </a:p>
+          <a:p>
+            <a:r>
+              <a:rPr lang="en-US" dirty="0" err="1" smtClean="0"/>
+              <a:t>Điều</a:t>
+            </a:r>
+            <a:r>
+              <a:rPr lang="en-US" dirty="0" smtClean="0"/>
+              <a:t> </a:t>
+            </a:r>
+            <a:r>
+              <a:rPr lang="en-US" dirty="0" err="1" smtClean="0"/>
+              <a:t>kiện</a:t>
+            </a:r>
+            <a:r>
+              <a:rPr lang="en-US" dirty="0" smtClean="0"/>
+              <a:t> </a:t>
+            </a:r>
+            <a:r>
+              <a:rPr lang="en-US" dirty="0" err="1" smtClean="0"/>
+              <a:t>sử</a:t>
+            </a:r>
+            <a:r>
+              <a:rPr lang="en-US" dirty="0" smtClean="0"/>
+              <a:t> </a:t>
+            </a:r>
+            <a:r>
+              <a:rPr lang="en-US" dirty="0" err="1" smtClean="0"/>
+              <a:t>dụng</a:t>
+            </a:r>
+            <a:r>
+              <a:rPr lang="en-US" dirty="0" smtClean="0"/>
+              <a:t> </a:t>
+            </a:r>
+            <a:r>
+              <a:rPr lang="en-US" dirty="0" err="1" smtClean="0"/>
+              <a:t>batchnorm</a:t>
+            </a:r>
+            <a:r>
+              <a:rPr lang="en-US" dirty="0" smtClean="0"/>
+              <a:t>:</a:t>
+            </a:r>
+          </a:p>
+          <a:p>
+            <a:pPr lvl="1"/>
+            <a:r>
+              <a:rPr lang="en-US" dirty="0" err="1" smtClean="0"/>
+              <a:t>Kích</a:t>
+            </a:r>
+            <a:r>
+              <a:rPr lang="en-US" dirty="0" smtClean="0"/>
+              <a:t> </a:t>
+            </a:r>
+            <a:r>
+              <a:rPr lang="en-US" dirty="0" err="1" smtClean="0"/>
+              <a:t>thước</a:t>
+            </a:r>
+            <a:r>
+              <a:rPr lang="en-US" dirty="0" smtClean="0"/>
+              <a:t> </a:t>
+            </a:r>
+            <a:r>
+              <a:rPr lang="en-US" dirty="0" err="1" smtClean="0"/>
+              <a:t>minibatch</a:t>
+            </a:r>
+            <a:r>
+              <a:rPr lang="en-US" dirty="0" smtClean="0"/>
+              <a:t> </a:t>
+            </a:r>
+            <a:r>
+              <a:rPr lang="en-US" dirty="0" err="1" smtClean="0"/>
+              <a:t>đủ</a:t>
+            </a:r>
+            <a:r>
+              <a:rPr lang="en-US" dirty="0" smtClean="0"/>
+              <a:t> </a:t>
+            </a:r>
+            <a:r>
+              <a:rPr lang="en-US" dirty="0" err="1" smtClean="0"/>
+              <a:t>lớn</a:t>
+            </a:r>
+            <a:endParaRPr lang="en-US" dirty="0"/>
+          </a:p>
+        </p:txBody>
+      </p:sp>
     </p:spTree>
     <p:extLst>
       <p:ext uri="{BB962C8B-B14F-4D97-AF65-F5344CB8AC3E}">
-        <p14:creationId xmlns:p14="http://schemas.microsoft.com/office/powerpoint/2010/main" val="607854373"/>
+        <p14:creationId xmlns:p14="http://schemas.microsoft.com/office/powerpoint/2010/main" val="1686823308"/>
       </p:ext>
     </p:extLst>
   </p:cSld>
@@ -6389,8 +8967,16 @@
           <a:lstStyle/>
           <a:p>
             <a:r>
-              <a:rPr lang="en-US" dirty="0" smtClean="0"/>
-              <a:t>Implementation</a:t>
+              <a:rPr lang="en-US" dirty="0" err="1" smtClean="0"/>
+              <a:t>Lớp</a:t>
+            </a:r>
+            <a:r>
+              <a:rPr lang="en-US" dirty="0" smtClean="0"/>
+              <a:t> batch </a:t>
+            </a:r>
+            <a:r>
+              <a:rPr lang="en-US" dirty="0" err="1" smtClean="0"/>
+              <a:t>normmalization</a:t>
             </a:r>
             <a:endParaRPr lang="en-US" dirty="0"/>
           </a:p>
@@ -6408,21 +8994,455 @@
         </p:nvSpPr>
         <p:spPr/>
         <p:txBody>
-          <a:bodyPr/>
+          <a:bodyPr>
+            <a:normAutofit/>
+          </a:bodyPr>
           <a:lstStyle/>
           <a:p>
             <a:r>
-              <a:rPr lang="en-US" dirty="0" smtClean="0"/>
-              <a:t>Example code implementation of some model</a:t>
-            </a:r>
-            <a:endParaRPr lang="en-US" dirty="0"/>
-          </a:p>
-        </p:txBody>
-      </p:sp>
+              <a:rPr lang="en-US" sz="1600" dirty="0" err="1" smtClean="0"/>
+              <a:t>Với</a:t>
+            </a:r>
+            <a:r>
+              <a:rPr lang="en-US" sz="1600" dirty="0" smtClean="0"/>
+              <a:t> x </a:t>
+            </a:r>
+            <a:r>
+              <a:rPr lang="en-US" sz="1600" dirty="0" err="1" smtClean="0"/>
+              <a:t>là</a:t>
+            </a:r>
+            <a:r>
+              <a:rPr lang="en-US" sz="1600" dirty="0" smtClean="0"/>
+              <a:t> </a:t>
+            </a:r>
+            <a:r>
+              <a:rPr lang="en-US" sz="1600" dirty="0" err="1" smtClean="0"/>
+              <a:t>một</a:t>
+            </a:r>
+            <a:r>
+              <a:rPr lang="en-US" sz="1600" dirty="0" smtClean="0"/>
+              <a:t> </a:t>
+            </a:r>
+            <a:r>
+              <a:rPr lang="en-US" sz="1600" dirty="0" err="1" smtClean="0"/>
+              <a:t>mẫu</a:t>
+            </a:r>
+            <a:r>
+              <a:rPr lang="en-US" sz="1600" dirty="0" smtClean="0"/>
+              <a:t> </a:t>
+            </a:r>
+            <a:r>
+              <a:rPr lang="en-US" sz="1600" dirty="0" err="1" smtClean="0"/>
+              <a:t>trong</a:t>
+            </a:r>
+            <a:r>
+              <a:rPr lang="en-US" sz="1600" dirty="0" smtClean="0"/>
+              <a:t> mini batch B, </a:t>
+            </a:r>
+            <a:r>
+              <a:rPr lang="en-US" sz="1600" dirty="0" err="1" smtClean="0"/>
+              <a:t>batchnorm</a:t>
+            </a:r>
+            <a:r>
+              <a:rPr lang="en-US" sz="1600" dirty="0" smtClean="0"/>
+              <a:t> </a:t>
+            </a:r>
+            <a:r>
+              <a:rPr lang="en-US" sz="1600" dirty="0" err="1" smtClean="0"/>
+              <a:t>của</a:t>
+            </a:r>
+            <a:r>
+              <a:rPr lang="en-US" sz="1600" dirty="0" smtClean="0"/>
+              <a:t> x </a:t>
+            </a:r>
+            <a:r>
+              <a:rPr lang="en-US" sz="1600" dirty="0" err="1" smtClean="0"/>
+              <a:t>được</a:t>
+            </a:r>
+            <a:r>
+              <a:rPr lang="en-US" sz="1600" dirty="0" smtClean="0"/>
+              <a:t> </a:t>
+            </a:r>
+            <a:r>
+              <a:rPr lang="en-US" sz="1600" dirty="0" err="1" smtClean="0"/>
+              <a:t>tính</a:t>
+            </a:r>
+            <a:r>
+              <a:rPr lang="en-US" sz="1600" dirty="0" smtClean="0"/>
+              <a:t> </a:t>
+            </a:r>
+            <a:r>
+              <a:rPr lang="en-US" sz="1600" dirty="0" err="1" smtClean="0"/>
+              <a:t>như</a:t>
+            </a:r>
+            <a:r>
+              <a:rPr lang="en-US" sz="1600" dirty="0" smtClean="0"/>
+              <a:t> </a:t>
+            </a:r>
+            <a:r>
+              <a:rPr lang="en-US" sz="1600" dirty="0" err="1" smtClean="0"/>
+              <a:t>sau</a:t>
+            </a:r>
+            <a:r>
+              <a:rPr lang="en-US" sz="1600" dirty="0" smtClean="0"/>
+              <a:t>:</a:t>
+            </a:r>
+          </a:p>
+          <a:p>
+            <a:endParaRPr lang="en-US" sz="1600" dirty="0"/>
+          </a:p>
+          <a:p>
+            <a:endParaRPr lang="en-US" sz="1600" dirty="0" smtClean="0"/>
+          </a:p>
+          <a:p>
+            <a:r>
+              <a:rPr lang="en-US" sz="1600" dirty="0" err="1" smtClean="0"/>
+              <a:t>Với</a:t>
+            </a:r>
+            <a:r>
+              <a:rPr lang="en-US" sz="1600" dirty="0" smtClean="0"/>
+              <a:t> </a:t>
+            </a:r>
+            <a:r>
+              <a:rPr lang="en-US" sz="1600" dirty="0" err="1" smtClean="0"/>
+              <a:t>uB</a:t>
+            </a:r>
+            <a:r>
+              <a:rPr lang="en-US" sz="1600" dirty="0" smtClean="0"/>
+              <a:t> </a:t>
+            </a:r>
+            <a:r>
+              <a:rPr lang="en-US" sz="1600" dirty="0" err="1" smtClean="0"/>
+              <a:t>và</a:t>
+            </a:r>
+            <a:r>
+              <a:rPr lang="en-US" sz="1600" dirty="0" smtClean="0"/>
+              <a:t> </a:t>
+            </a:r>
+            <a:r>
+              <a:rPr lang="en-US" sz="1600" dirty="0" err="1" smtClean="0"/>
+              <a:t>sigmaB</a:t>
+            </a:r>
+            <a:r>
+              <a:rPr lang="en-US" sz="1600" dirty="0" smtClean="0"/>
+              <a:t> </a:t>
+            </a:r>
+            <a:r>
+              <a:rPr lang="en-US" sz="1600" dirty="0" err="1" smtClean="0"/>
+              <a:t>là</a:t>
+            </a:r>
+            <a:r>
+              <a:rPr lang="en-US" sz="1600" dirty="0" smtClean="0"/>
+              <a:t> </a:t>
+            </a:r>
+            <a:r>
+              <a:rPr lang="en-US" sz="1600" dirty="0" err="1" smtClean="0"/>
+              <a:t>trung</a:t>
+            </a:r>
+            <a:r>
+              <a:rPr lang="en-US" sz="1600" dirty="0" smtClean="0"/>
+              <a:t> </a:t>
+            </a:r>
+            <a:r>
+              <a:rPr lang="en-US" sz="1600" dirty="0" err="1" smtClean="0"/>
+              <a:t>bình</a:t>
+            </a:r>
+            <a:r>
+              <a:rPr lang="en-US" sz="1600" dirty="0" smtClean="0"/>
+              <a:t> </a:t>
+            </a:r>
+            <a:r>
+              <a:rPr lang="en-US" sz="1600" dirty="0" err="1" smtClean="0"/>
+              <a:t>và</a:t>
+            </a:r>
+            <a:r>
+              <a:rPr lang="en-US" sz="1600" dirty="0" smtClean="0"/>
+              <a:t> </a:t>
+            </a:r>
+            <a:r>
+              <a:rPr lang="en-US" sz="1600" dirty="0" err="1" smtClean="0"/>
+              <a:t>độ</a:t>
+            </a:r>
+            <a:r>
+              <a:rPr lang="en-US" sz="1600" dirty="0" smtClean="0"/>
+              <a:t> </a:t>
+            </a:r>
+            <a:r>
+              <a:rPr lang="en-US" sz="1600" dirty="0" err="1" smtClean="0"/>
+              <a:t>lệch</a:t>
+            </a:r>
+            <a:r>
+              <a:rPr lang="en-US" sz="1600" dirty="0" smtClean="0"/>
+              <a:t> </a:t>
+            </a:r>
+            <a:r>
+              <a:rPr lang="en-US" sz="1600" dirty="0" err="1" smtClean="0"/>
+              <a:t>chuẩn</a:t>
+            </a:r>
+            <a:r>
+              <a:rPr lang="en-US" sz="1600" dirty="0" smtClean="0"/>
+              <a:t> </a:t>
+            </a:r>
+            <a:r>
+              <a:rPr lang="en-US" sz="1600" dirty="0" err="1" smtClean="0"/>
+              <a:t>của</a:t>
+            </a:r>
+            <a:r>
+              <a:rPr lang="en-US" sz="1600" dirty="0" smtClean="0"/>
+              <a:t> B, 2 vector </a:t>
+            </a:r>
+            <a:r>
+              <a:rPr lang="en-US" sz="1600" dirty="0" err="1" smtClean="0"/>
+              <a:t>tham</a:t>
+            </a:r>
+            <a:r>
+              <a:rPr lang="en-US" sz="1600" dirty="0" smtClean="0"/>
+              <a:t> </a:t>
+            </a:r>
+            <a:r>
+              <a:rPr lang="en-US" sz="1600" dirty="0" err="1" smtClean="0"/>
+              <a:t>số</a:t>
+            </a:r>
+            <a:r>
+              <a:rPr lang="en-US" sz="1600" dirty="0" smtClean="0"/>
+              <a:t> lambda </a:t>
+            </a:r>
+            <a:r>
+              <a:rPr lang="en-US" sz="1600" dirty="0" err="1" smtClean="0"/>
+              <a:t>và</a:t>
+            </a:r>
+            <a:r>
+              <a:rPr lang="en-US" sz="1600" dirty="0" smtClean="0"/>
+              <a:t> beta </a:t>
+            </a:r>
+            <a:r>
+              <a:rPr lang="en-US" sz="1600" dirty="0" err="1" smtClean="0"/>
+              <a:t>có</a:t>
+            </a:r>
+            <a:r>
+              <a:rPr lang="en-US" sz="1600" dirty="0" smtClean="0"/>
+              <a:t> </a:t>
+            </a:r>
+            <a:r>
+              <a:rPr lang="en-US" sz="1600" dirty="0" err="1" smtClean="0"/>
+              <a:t>cùng</a:t>
+            </a:r>
+            <a:r>
+              <a:rPr lang="en-US" sz="1600" dirty="0" smtClean="0"/>
+              <a:t> </a:t>
+            </a:r>
+            <a:r>
+              <a:rPr lang="en-US" sz="1600" dirty="0" err="1" smtClean="0"/>
+              <a:t>kích</a:t>
+            </a:r>
+            <a:r>
+              <a:rPr lang="en-US" sz="1600" dirty="0" smtClean="0"/>
+              <a:t> </a:t>
+            </a:r>
+            <a:r>
+              <a:rPr lang="en-US" sz="1600" dirty="0" err="1" smtClean="0"/>
+              <a:t>thước</a:t>
+            </a:r>
+            <a:r>
+              <a:rPr lang="en-US" sz="1600" dirty="0" smtClean="0"/>
+              <a:t> </a:t>
+            </a:r>
+            <a:r>
+              <a:rPr lang="en-US" sz="1600" dirty="0" err="1" smtClean="0"/>
+              <a:t>với</a:t>
+            </a:r>
+            <a:r>
+              <a:rPr lang="en-US" sz="1600" dirty="0" smtClean="0"/>
+              <a:t> x, </a:t>
+            </a:r>
+            <a:r>
+              <a:rPr lang="en-US" sz="1600" dirty="0" err="1" smtClean="0"/>
+              <a:t>và</a:t>
+            </a:r>
+            <a:r>
+              <a:rPr lang="en-US" sz="1600" dirty="0" smtClean="0"/>
+              <a:t> </a:t>
+            </a:r>
+            <a:r>
+              <a:rPr lang="en-US" sz="1600" dirty="0" err="1" smtClean="0"/>
+              <a:t>cũng</a:t>
+            </a:r>
+            <a:r>
+              <a:rPr lang="en-US" sz="1600" dirty="0" smtClean="0"/>
+              <a:t> </a:t>
+            </a:r>
+            <a:r>
+              <a:rPr lang="en-US" sz="1600" dirty="0" err="1" smtClean="0"/>
+              <a:t>được</a:t>
+            </a:r>
+            <a:r>
+              <a:rPr lang="en-US" sz="1600" dirty="0" smtClean="0"/>
+              <a:t> </a:t>
+            </a:r>
+            <a:r>
+              <a:rPr lang="en-US" sz="1600" dirty="0" err="1" smtClean="0"/>
+              <a:t>huấn</a:t>
+            </a:r>
+            <a:r>
+              <a:rPr lang="en-US" sz="1600" dirty="0" smtClean="0"/>
+              <a:t> </a:t>
+            </a:r>
+            <a:r>
+              <a:rPr lang="en-US" sz="1600" dirty="0" err="1" smtClean="0"/>
+              <a:t>luyện</a:t>
+            </a:r>
+            <a:r>
+              <a:rPr lang="en-US" sz="1600" dirty="0" smtClean="0"/>
+              <a:t> </a:t>
+            </a:r>
+            <a:r>
+              <a:rPr lang="en-US" sz="1600" dirty="0" err="1" smtClean="0"/>
+              <a:t>chung</a:t>
+            </a:r>
+            <a:r>
+              <a:rPr lang="en-US" sz="1600" dirty="0" smtClean="0"/>
+              <a:t> </a:t>
+            </a:r>
+            <a:r>
+              <a:rPr lang="en-US" sz="1600" dirty="0" err="1" smtClean="0"/>
+              <a:t>với</a:t>
+            </a:r>
+            <a:r>
+              <a:rPr lang="en-US" sz="1600" dirty="0" smtClean="0"/>
+              <a:t> </a:t>
+            </a:r>
+            <a:r>
+              <a:rPr lang="en-US" sz="1600" dirty="0" err="1" smtClean="0"/>
+              <a:t>mô</a:t>
+            </a:r>
+            <a:r>
+              <a:rPr lang="en-US" sz="1600" dirty="0" smtClean="0"/>
+              <a:t> </a:t>
+            </a:r>
+            <a:r>
+              <a:rPr lang="en-US" sz="1600" dirty="0" err="1" smtClean="0"/>
+              <a:t>hình</a:t>
+            </a:r>
+            <a:endParaRPr lang="en-US" sz="1600" dirty="0" smtClean="0"/>
+          </a:p>
+          <a:p>
+            <a:endParaRPr lang="en-US" sz="1600" dirty="0"/>
+          </a:p>
+          <a:p>
+            <a:r>
+              <a:rPr lang="en-US" sz="1600" dirty="0" err="1" smtClean="0"/>
+              <a:t>uB</a:t>
+            </a:r>
+            <a:r>
+              <a:rPr lang="en-US" sz="1600" dirty="0" smtClean="0"/>
+              <a:t> </a:t>
+            </a:r>
+            <a:r>
+              <a:rPr lang="en-US" sz="1600" dirty="0" err="1" smtClean="0"/>
+              <a:t>và</a:t>
+            </a:r>
+            <a:r>
+              <a:rPr lang="en-US" sz="1600" dirty="0" smtClean="0"/>
+              <a:t> </a:t>
+            </a:r>
+            <a:r>
+              <a:rPr lang="en-US" sz="1600" dirty="0" err="1" smtClean="0"/>
+              <a:t>sigmaB</a:t>
+            </a:r>
+            <a:r>
+              <a:rPr lang="en-US" sz="1600" dirty="0" smtClean="0"/>
+              <a:t> </a:t>
+            </a:r>
+            <a:r>
+              <a:rPr lang="en-US" sz="1600" dirty="0" err="1" smtClean="0"/>
+              <a:t>được</a:t>
+            </a:r>
+            <a:r>
+              <a:rPr lang="en-US" sz="1600" dirty="0" smtClean="0"/>
+              <a:t> </a:t>
+            </a:r>
+            <a:r>
+              <a:rPr lang="en-US" sz="1600" dirty="0" err="1" smtClean="0"/>
+              <a:t>tính</a:t>
+            </a:r>
+            <a:r>
+              <a:rPr lang="en-US" sz="1600" dirty="0" smtClean="0"/>
+              <a:t> </a:t>
+            </a:r>
+            <a:r>
+              <a:rPr lang="en-US" sz="1600" dirty="0" err="1" smtClean="0"/>
+              <a:t>như</a:t>
+            </a:r>
+            <a:r>
+              <a:rPr lang="en-US" sz="1600" dirty="0" smtClean="0"/>
+              <a:t> </a:t>
+            </a:r>
+            <a:r>
+              <a:rPr lang="en-US" sz="1600" dirty="0" err="1" smtClean="0"/>
+              <a:t>sau</a:t>
+            </a:r>
+            <a:r>
+              <a:rPr lang="en-US" sz="1600" dirty="0" smtClean="0"/>
+              <a:t>:</a:t>
+            </a:r>
+            <a:endParaRPr lang="en-US" sz="1600" dirty="0"/>
+          </a:p>
+          <a:p>
+            <a:pPr lvl="1"/>
+            <a:endParaRPr lang="en-US" sz="1400" dirty="0" smtClean="0"/>
+          </a:p>
+        </p:txBody>
+      </p:sp>
+      <p:pic>
+        <p:nvPicPr>
+          <p:cNvPr id="5" name="Picture 4"/>
+          <p:cNvPicPr>
+            <a:picLocks noChangeAspect="1"/>
+          </p:cNvPicPr>
+          <p:nvPr/>
+        </p:nvPicPr>
+        <p:blipFill rotWithShape="1">
+          <a:blip r:embed="rId3"/>
+          <a:srcRect l="29762" t="46163" r="37742"/>
+          <a:stretch/>
+        </p:blipFill>
+        <p:spPr>
+          <a:xfrm>
+            <a:off x="5137166" y="2211510"/>
+            <a:ext cx="2367815" cy="656382"/>
+          </a:xfrm>
+          <a:prstGeom prst="rect">
+            <a:avLst/>
+          </a:prstGeom>
+        </p:spPr>
+      </p:pic>
+      <p:pic>
+        <p:nvPicPr>
+          <p:cNvPr id="7" name="Picture 6"/>
+          <p:cNvPicPr>
+            <a:picLocks noChangeAspect="1"/>
+          </p:cNvPicPr>
+          <p:nvPr/>
+        </p:nvPicPr>
+        <p:blipFill rotWithShape="1">
+          <a:blip r:embed="rId4"/>
+          <a:srcRect l="39646" t="21565"/>
+          <a:stretch/>
+        </p:blipFill>
+        <p:spPr>
+          <a:xfrm>
+            <a:off x="4427621" y="3782728"/>
+            <a:ext cx="2263056" cy="1010068"/>
+          </a:xfrm>
+          <a:prstGeom prst="rect">
+            <a:avLst/>
+          </a:prstGeom>
+        </p:spPr>
+      </p:pic>
     </p:spTree>
     <p:extLst>
       <p:ext uri="{BB962C8B-B14F-4D97-AF65-F5344CB8AC3E}">
-        <p14:creationId xmlns:p14="http://schemas.microsoft.com/office/powerpoint/2010/main" val="2797356283"/>
+        <p14:creationId xmlns:p14="http://schemas.microsoft.com/office/powerpoint/2010/main" val="2933090646"/>
       </p:ext>
     </p:extLst>
   </p:cSld>
@@ -6451,7 +9471,7 @@
       </p:grpSpPr>
       <p:sp>
         <p:nvSpPr>
-          <p:cNvPr id="4" name="Title 3"/>
+          <p:cNvPr id="2" name="Title 1"/>
           <p:cNvSpPr>
             <a:spLocks noGrp="1"/>
           </p:cNvSpPr>
@@ -6465,8 +9485,44 @@
           <a:lstStyle/>
           <a:p>
             <a:r>
-              <a:rPr lang="fr-FR" dirty="0" smtClean="0"/>
-              <a:t>Augmentation basics</a:t>
+              <a:rPr lang="en-US" dirty="0" err="1" smtClean="0"/>
+              <a:t>Áp</a:t>
+            </a:r>
+            <a:r>
+              <a:rPr lang="en-US" dirty="0" smtClean="0"/>
+              <a:t> </a:t>
+            </a:r>
+            <a:r>
+              <a:rPr lang="en-US" dirty="0" err="1" smtClean="0"/>
+              <a:t>dụng</a:t>
+            </a:r>
+            <a:r>
+              <a:rPr lang="en-US" dirty="0" smtClean="0"/>
+              <a:t> </a:t>
+            </a:r>
+            <a:r>
+              <a:rPr lang="en-US" dirty="0" err="1" smtClean="0"/>
+              <a:t>batchnorm</a:t>
+            </a:r>
+            <a:r>
+              <a:rPr lang="en-US" dirty="0" smtClean="0"/>
+              <a:t> </a:t>
+            </a:r>
+            <a:r>
+              <a:rPr lang="en-US" dirty="0" err="1" smtClean="0"/>
+              <a:t>vào</a:t>
+            </a:r>
+            <a:r>
+              <a:rPr lang="en-US" dirty="0" smtClean="0"/>
+              <a:t> </a:t>
+            </a:r>
+            <a:r>
+              <a:rPr lang="en-US" dirty="0" err="1" smtClean="0"/>
+              <a:t>các</a:t>
+            </a:r>
+            <a:r>
+              <a:rPr lang="en-US" dirty="0" smtClean="0"/>
+              <a:t> layer</a:t>
             </a:r>
             <a:endParaRPr lang="en-US" dirty="0"/>
           </a:p>
@@ -6474,27 +9530,500 @@
       </p:sp>
       <p:sp>
         <p:nvSpPr>
-          <p:cNvPr id="5" name="Text Placeholder 4"/>
-          <p:cNvSpPr>
-            <a:spLocks noGrp="1"/>
-          </p:cNvSpPr>
-          <p:nvPr>
-            <p:ph type="body" idx="1"/>
+          <p:cNvPr id="3" name="Content Placeholder 2"/>
+          <p:cNvSpPr>
+            <a:spLocks noGrp="1"/>
+          </p:cNvSpPr>
+          <p:nvPr>
+            <p:ph idx="1"/>
           </p:nvPr>
         </p:nvSpPr>
         <p:spPr/>
         <p:txBody>
-          <a:bodyPr/>
+          <a:bodyPr>
+            <a:normAutofit fontScale="92500" lnSpcReduction="10000"/>
+          </a:bodyPr>
           <a:lstStyle/>
           <a:p>
-            <a:endParaRPr lang="en-US"/>
-          </a:p>
-        </p:txBody>
-      </p:sp>
+            <a:r>
+              <a:rPr lang="en-US" dirty="0" err="1" smtClean="0"/>
+              <a:t>Khi</a:t>
+            </a:r>
+            <a:r>
+              <a:rPr lang="en-US" dirty="0" smtClean="0"/>
+              <a:t> </a:t>
+            </a:r>
+            <a:r>
+              <a:rPr lang="en-US" dirty="0" err="1" smtClean="0"/>
+              <a:t>huấn</a:t>
+            </a:r>
+            <a:r>
+              <a:rPr lang="en-US" dirty="0" smtClean="0"/>
+              <a:t> </a:t>
+            </a:r>
+            <a:r>
+              <a:rPr lang="en-US" dirty="0" err="1" smtClean="0"/>
+              <a:t>luyện</a:t>
+            </a:r>
+            <a:r>
+              <a:rPr lang="en-US" dirty="0" smtClean="0"/>
+              <a:t>:</a:t>
+            </a:r>
+          </a:p>
+          <a:p>
+            <a:pPr lvl="1"/>
+            <a:r>
+              <a:rPr lang="en-US" dirty="0" smtClean="0"/>
+              <a:t>Layer FC:</a:t>
+            </a:r>
+          </a:p>
+          <a:p>
+            <a:endParaRPr lang="en-US" dirty="0"/>
+          </a:p>
+          <a:p>
+            <a:pPr lvl="1"/>
+            <a:r>
+              <a:rPr lang="en-US" dirty="0" smtClean="0"/>
+              <a:t>Layer CNN:</a:t>
+            </a:r>
+          </a:p>
+          <a:p>
+            <a:pPr lvl="2"/>
+            <a:r>
+              <a:rPr lang="en-US" dirty="0" err="1" smtClean="0"/>
+              <a:t>Áp</a:t>
+            </a:r>
+            <a:r>
+              <a:rPr lang="en-US" dirty="0" smtClean="0"/>
+              <a:t> </a:t>
+            </a:r>
+            <a:r>
+              <a:rPr lang="en-US" dirty="0" err="1" smtClean="0"/>
+              <a:t>dụng</a:t>
+            </a:r>
+            <a:r>
+              <a:rPr lang="en-US" dirty="0" smtClean="0"/>
+              <a:t> </a:t>
+            </a:r>
+            <a:r>
+              <a:rPr lang="en-US" dirty="0" err="1" smtClean="0"/>
+              <a:t>batchnorm</a:t>
+            </a:r>
+            <a:r>
+              <a:rPr lang="en-US" dirty="0" smtClean="0"/>
+              <a:t> </a:t>
+            </a:r>
+            <a:r>
+              <a:rPr lang="en-US" dirty="0" err="1" smtClean="0"/>
+              <a:t>cho</a:t>
+            </a:r>
+            <a:r>
+              <a:rPr lang="en-US" dirty="0" smtClean="0"/>
+              <a:t> </a:t>
+            </a:r>
+            <a:r>
+              <a:rPr lang="en-US" dirty="0" err="1" smtClean="0"/>
+              <a:t>các</a:t>
+            </a:r>
+            <a:r>
+              <a:rPr lang="en-US" dirty="0" smtClean="0"/>
+              <a:t> feature </a:t>
+            </a:r>
+            <a:r>
+              <a:rPr lang="en-US" dirty="0" err="1" smtClean="0"/>
+              <a:t>sau</a:t>
+            </a:r>
+            <a:r>
+              <a:rPr lang="en-US" dirty="0" smtClean="0"/>
+              <a:t> convolution </a:t>
+            </a:r>
+            <a:r>
+              <a:rPr lang="en-US" dirty="0" err="1" smtClean="0"/>
+              <a:t>và</a:t>
+            </a:r>
+            <a:r>
+              <a:rPr lang="en-US" dirty="0" smtClean="0"/>
+              <a:t> </a:t>
+            </a:r>
+            <a:r>
+              <a:rPr lang="en-US" dirty="0" err="1" smtClean="0"/>
+              <a:t>trước</a:t>
+            </a:r>
+            <a:r>
+              <a:rPr lang="en-US" dirty="0" smtClean="0"/>
+              <a:t> activation</a:t>
+            </a:r>
+          </a:p>
+          <a:p>
+            <a:pPr lvl="2"/>
+            <a:r>
+              <a:rPr lang="en-US" dirty="0" err="1" smtClean="0"/>
+              <a:t>Nếu</a:t>
+            </a:r>
+            <a:r>
+              <a:rPr lang="en-US" dirty="0" smtClean="0"/>
+              <a:t> CNN </a:t>
+            </a:r>
+            <a:r>
+              <a:rPr lang="en-US" dirty="0" err="1" smtClean="0"/>
+              <a:t>nhiều</a:t>
+            </a:r>
+            <a:r>
+              <a:rPr lang="en-US" dirty="0" smtClean="0"/>
+              <a:t> channel </a:t>
+            </a:r>
+            <a:r>
+              <a:rPr lang="en-US" dirty="0" err="1" smtClean="0"/>
+              <a:t>thì</a:t>
+            </a:r>
+            <a:r>
+              <a:rPr lang="en-US" dirty="0" smtClean="0"/>
+              <a:t> batch norm </a:t>
+            </a:r>
+            <a:r>
+              <a:rPr lang="en-US" dirty="0" err="1" smtClean="0"/>
+              <a:t>được</a:t>
+            </a:r>
+            <a:r>
+              <a:rPr lang="en-US" dirty="0" smtClean="0"/>
+              <a:t> </a:t>
+            </a:r>
+            <a:r>
+              <a:rPr lang="en-US" dirty="0" err="1" smtClean="0"/>
+              <a:t>áp</a:t>
+            </a:r>
+            <a:r>
+              <a:rPr lang="en-US" dirty="0" smtClean="0"/>
+              <a:t> </a:t>
+            </a:r>
+            <a:r>
+              <a:rPr lang="en-US" dirty="0" err="1" smtClean="0"/>
+              <a:t>dụng</a:t>
+            </a:r>
+            <a:r>
+              <a:rPr lang="en-US" dirty="0" smtClean="0"/>
+              <a:t> </a:t>
+            </a:r>
+            <a:r>
+              <a:rPr lang="en-US" dirty="0" err="1" smtClean="0"/>
+              <a:t>riêng</a:t>
+            </a:r>
+            <a:r>
+              <a:rPr lang="en-US" dirty="0" smtClean="0"/>
+              <a:t> </a:t>
+            </a:r>
+            <a:r>
+              <a:rPr lang="en-US" dirty="0" err="1" smtClean="0"/>
+              <a:t>cho</a:t>
+            </a:r>
+            <a:r>
+              <a:rPr lang="en-US" dirty="0" smtClean="0"/>
+              <a:t> </a:t>
+            </a:r>
+            <a:r>
+              <a:rPr lang="en-US" dirty="0" err="1" smtClean="0"/>
+              <a:t>từng</a:t>
+            </a:r>
+            <a:r>
+              <a:rPr lang="en-US" dirty="0" smtClean="0"/>
+              <a:t> channel</a:t>
+            </a:r>
+          </a:p>
+          <a:p>
+            <a:r>
+              <a:rPr lang="en-US" dirty="0" err="1" smtClean="0"/>
+              <a:t>Khi</a:t>
+            </a:r>
+            <a:r>
+              <a:rPr lang="en-US" dirty="0" smtClean="0"/>
+              <a:t> </a:t>
+            </a:r>
+            <a:r>
+              <a:rPr lang="en-US" dirty="0" err="1" smtClean="0"/>
+              <a:t>dự</a:t>
+            </a:r>
+            <a:r>
+              <a:rPr lang="en-US" dirty="0" smtClean="0"/>
+              <a:t> </a:t>
+            </a:r>
+            <a:r>
+              <a:rPr lang="en-US" dirty="0" err="1" smtClean="0"/>
+              <a:t>đoán</a:t>
+            </a:r>
+            <a:endParaRPr lang="en-US" dirty="0" smtClean="0"/>
+          </a:p>
+          <a:p>
+            <a:pPr lvl="1"/>
+            <a:r>
+              <a:rPr lang="en-US" dirty="0" err="1" smtClean="0"/>
+              <a:t>Khác</a:t>
+            </a:r>
+            <a:r>
+              <a:rPr lang="en-US" dirty="0" smtClean="0"/>
+              <a:t> </a:t>
+            </a:r>
+            <a:r>
+              <a:rPr lang="en-US" dirty="0" err="1" smtClean="0"/>
+              <a:t>với</a:t>
+            </a:r>
+            <a:r>
+              <a:rPr lang="en-US" dirty="0" smtClean="0"/>
+              <a:t> </a:t>
+            </a:r>
+            <a:r>
+              <a:rPr lang="en-US" dirty="0" err="1" smtClean="0"/>
+              <a:t>khi</a:t>
+            </a:r>
+            <a:r>
+              <a:rPr lang="en-US" dirty="0" smtClean="0"/>
+              <a:t> </a:t>
+            </a:r>
+            <a:r>
+              <a:rPr lang="en-US" dirty="0" err="1" smtClean="0"/>
+              <a:t>huấn</a:t>
+            </a:r>
+            <a:r>
+              <a:rPr lang="en-US" dirty="0" smtClean="0"/>
+              <a:t> </a:t>
+            </a:r>
+            <a:r>
+              <a:rPr lang="en-US" dirty="0" err="1" smtClean="0"/>
+              <a:t>luyện</a:t>
+            </a:r>
+            <a:r>
+              <a:rPr lang="en-US" dirty="0" smtClean="0"/>
+              <a:t>, </a:t>
+            </a:r>
+            <a:r>
+              <a:rPr lang="en-US" dirty="0" err="1" smtClean="0"/>
+              <a:t>đôi</a:t>
+            </a:r>
+            <a:r>
+              <a:rPr lang="en-US" dirty="0" smtClean="0"/>
+              <a:t> </a:t>
+            </a:r>
+            <a:r>
+              <a:rPr lang="en-US" dirty="0" err="1" smtClean="0"/>
+              <a:t>khi</a:t>
+            </a:r>
+            <a:r>
+              <a:rPr lang="en-US" dirty="0" smtClean="0"/>
+              <a:t> </a:t>
+            </a:r>
+            <a:r>
+              <a:rPr lang="en-US" dirty="0" err="1" smtClean="0"/>
+              <a:t>chỉ</a:t>
+            </a:r>
+            <a:r>
+              <a:rPr lang="en-US" dirty="0" smtClean="0"/>
+              <a:t> </a:t>
+            </a:r>
+            <a:r>
+              <a:rPr lang="en-US" dirty="0" err="1" smtClean="0"/>
+              <a:t>dự</a:t>
+            </a:r>
+            <a:r>
+              <a:rPr lang="en-US" dirty="0" smtClean="0"/>
+              <a:t> </a:t>
+            </a:r>
+            <a:r>
+              <a:rPr lang="en-US" dirty="0" err="1" smtClean="0"/>
+              <a:t>đoán</a:t>
+            </a:r>
+            <a:r>
+              <a:rPr lang="en-US" dirty="0" smtClean="0"/>
+              <a:t> </a:t>
+            </a:r>
+            <a:r>
+              <a:rPr lang="en-US" dirty="0" err="1" smtClean="0"/>
+              <a:t>trên</a:t>
+            </a:r>
+            <a:r>
+              <a:rPr lang="en-US" dirty="0" smtClean="0"/>
+              <a:t> 1 sample, </a:t>
+            </a:r>
+            <a:r>
+              <a:rPr lang="en-US" dirty="0" err="1" smtClean="0"/>
+              <a:t>nên</a:t>
+            </a:r>
+            <a:r>
+              <a:rPr lang="en-US" dirty="0" smtClean="0"/>
+              <a:t> </a:t>
+            </a:r>
+            <a:r>
+              <a:rPr lang="en-US" dirty="0" err="1" smtClean="0"/>
+              <a:t>không</a:t>
+            </a:r>
+            <a:r>
+              <a:rPr lang="en-US" dirty="0" smtClean="0"/>
+              <a:t> </a:t>
+            </a:r>
+            <a:r>
+              <a:rPr lang="en-US" dirty="0" err="1" smtClean="0"/>
+              <a:t>thể</a:t>
+            </a:r>
+            <a:r>
+              <a:rPr lang="en-US" dirty="0" smtClean="0"/>
+              <a:t> </a:t>
+            </a:r>
+            <a:r>
+              <a:rPr lang="en-US" dirty="0" err="1" smtClean="0"/>
+              <a:t>tính</a:t>
+            </a:r>
+            <a:r>
+              <a:rPr lang="en-US" dirty="0" smtClean="0"/>
+              <a:t> mean </a:t>
+            </a:r>
+            <a:r>
+              <a:rPr lang="en-US" dirty="0" err="1" smtClean="0"/>
+              <a:t>và</a:t>
+            </a:r>
+            <a:r>
+              <a:rPr lang="en-US" dirty="0" smtClean="0"/>
+              <a:t> sigma</a:t>
+            </a:r>
+          </a:p>
+          <a:p>
+            <a:pPr lvl="1"/>
+            <a:r>
+              <a:rPr lang="en-US" dirty="0" smtClean="0"/>
+              <a:t>Do </a:t>
+            </a:r>
+            <a:r>
+              <a:rPr lang="en-US" dirty="0" err="1" smtClean="0"/>
+              <a:t>đó</a:t>
+            </a:r>
+            <a:r>
+              <a:rPr lang="en-US" dirty="0" smtClean="0"/>
+              <a:t> mean </a:t>
+            </a:r>
+            <a:r>
+              <a:rPr lang="en-US" dirty="0" err="1" smtClean="0"/>
+              <a:t>và</a:t>
+            </a:r>
+            <a:r>
+              <a:rPr lang="en-US" dirty="0" smtClean="0"/>
+              <a:t> sigma </a:t>
+            </a:r>
+            <a:r>
+              <a:rPr lang="en-US" dirty="0" err="1" smtClean="0"/>
+              <a:t>được</a:t>
+            </a:r>
+            <a:r>
+              <a:rPr lang="en-US" dirty="0" smtClean="0"/>
+              <a:t> </a:t>
+            </a:r>
+            <a:r>
+              <a:rPr lang="en-US" dirty="0" err="1" smtClean="0"/>
+              <a:t>tính</a:t>
+            </a:r>
+            <a:r>
+              <a:rPr lang="en-US" dirty="0" smtClean="0"/>
+              <a:t> </a:t>
+            </a:r>
+            <a:r>
+              <a:rPr lang="en-US" dirty="0" err="1" smtClean="0"/>
+              <a:t>dự</a:t>
+            </a:r>
+            <a:r>
+              <a:rPr lang="en-US" dirty="0" smtClean="0"/>
+              <a:t> </a:t>
+            </a:r>
+            <a:r>
+              <a:rPr lang="en-US" dirty="0" err="1" smtClean="0"/>
+              <a:t>trên</a:t>
+            </a:r>
+            <a:r>
+              <a:rPr lang="en-US" dirty="0" smtClean="0"/>
+              <a:t> </a:t>
+            </a:r>
+            <a:r>
+              <a:rPr lang="en-US" dirty="0" err="1" smtClean="0"/>
+              <a:t>thống</a:t>
+            </a:r>
+            <a:r>
+              <a:rPr lang="en-US" dirty="0" smtClean="0"/>
+              <a:t> </a:t>
+            </a:r>
+            <a:r>
+              <a:rPr lang="en-US" dirty="0" err="1" smtClean="0"/>
+              <a:t>kê</a:t>
+            </a:r>
+            <a:r>
+              <a:rPr lang="en-US" dirty="0" smtClean="0"/>
+              <a:t> </a:t>
+            </a:r>
+            <a:r>
+              <a:rPr lang="en-US" dirty="0" err="1" smtClean="0"/>
+              <a:t>trên</a:t>
+            </a:r>
+            <a:r>
+              <a:rPr lang="en-US" dirty="0" smtClean="0"/>
+              <a:t> </a:t>
+            </a:r>
+            <a:r>
+              <a:rPr lang="en-US" dirty="0" err="1" smtClean="0"/>
+              <a:t>tập</a:t>
+            </a:r>
+            <a:r>
+              <a:rPr lang="en-US" dirty="0" smtClean="0"/>
+              <a:t> </a:t>
+            </a:r>
+            <a:r>
+              <a:rPr lang="en-US" dirty="0" err="1" smtClean="0"/>
+              <a:t>huấn</a:t>
+            </a:r>
+            <a:r>
+              <a:rPr lang="en-US" dirty="0" smtClean="0"/>
+              <a:t> </a:t>
+            </a:r>
+            <a:r>
+              <a:rPr lang="en-US" dirty="0" err="1" smtClean="0"/>
+              <a:t>luyện</a:t>
+            </a:r>
+            <a:endParaRPr lang="en-US" dirty="0" smtClean="0"/>
+          </a:p>
+          <a:p>
+            <a:pPr lvl="1"/>
+            <a:endParaRPr lang="en-US" dirty="0"/>
+          </a:p>
+          <a:p>
+            <a:r>
+              <a:rPr lang="en-US" dirty="0" smtClean="0"/>
+              <a:t>Code</a:t>
+            </a:r>
+            <a:endParaRPr lang="en-US" dirty="0"/>
+          </a:p>
+        </p:txBody>
+      </p:sp>
+      <p:pic>
+        <p:nvPicPr>
+          <p:cNvPr id="4" name="Picture 3"/>
+          <p:cNvPicPr>
+            <a:picLocks noChangeAspect="1"/>
+          </p:cNvPicPr>
+          <p:nvPr/>
+        </p:nvPicPr>
+        <p:blipFill>
+          <a:blip r:embed="rId3"/>
+          <a:stretch>
+            <a:fillRect/>
+          </a:stretch>
+        </p:blipFill>
+        <p:spPr>
+          <a:xfrm>
+            <a:off x="3453446" y="2394185"/>
+            <a:ext cx="1962150" cy="466725"/>
+          </a:xfrm>
+          <a:prstGeom prst="rect">
+            <a:avLst/>
+          </a:prstGeom>
+        </p:spPr>
+      </p:pic>
     </p:spTree>
     <p:extLst>
       <p:ext uri="{BB962C8B-B14F-4D97-AF65-F5344CB8AC3E}">
-        <p14:creationId xmlns:p14="http://schemas.microsoft.com/office/powerpoint/2010/main" val="2435146155"/>
+        <p14:creationId xmlns:p14="http://schemas.microsoft.com/office/powerpoint/2010/main" val="3819619331"/>
       </p:ext>
     </p:extLst>
   </p:cSld>
@@ -6537,99 +10066,210 @@
           <a:lstStyle/>
           <a:p>
             <a:r>
-              <a:rPr lang="en-US" dirty="0" smtClean="0"/>
-              <a:t>Augmentation </a:t>
-            </a:r>
-            <a:r>
-              <a:rPr lang="en-US" dirty="0" err="1" smtClean="0"/>
-              <a:t>để</a:t>
-            </a:r>
-            <a:r>
-              <a:rPr lang="en-US" dirty="0" smtClean="0"/>
-              <a:t> </a:t>
-            </a:r>
-            <a:r>
-              <a:rPr lang="en-US" dirty="0" err="1" smtClean="0"/>
-              <a:t>làm</a:t>
-            </a:r>
-            <a:r>
-              <a:rPr lang="en-US" dirty="0" smtClean="0"/>
-              <a:t> </a:t>
-            </a:r>
-            <a:r>
-              <a:rPr lang="en-US" dirty="0" err="1" smtClean="0"/>
-              <a:t>gì</a:t>
-            </a:r>
-            <a:r>
-              <a:rPr lang="en-US" dirty="0" smtClean="0"/>
-              <a:t>?</a:t>
+              <a:rPr lang="en-US" dirty="0" err="1" smtClean="0"/>
+              <a:t>ResNet</a:t>
             </a:r>
             <a:endParaRPr lang="en-US" dirty="0"/>
           </a:p>
         </p:txBody>
       </p:sp>
-      <p:sp>
-        <p:nvSpPr>
-          <p:cNvPr id="3" name="Content Placeholder 2"/>
-          <p:cNvSpPr>
-            <a:spLocks noGrp="1"/>
-          </p:cNvSpPr>
-          <p:nvPr>
-            <p:ph idx="1"/>
-          </p:nvPr>
-        </p:nvSpPr>
-        <p:spPr/>
-        <p:txBody>
-          <a:bodyPr/>
+      <p:pic>
+        <p:nvPicPr>
+          <p:cNvPr id="4" name="Picture 3"/>
+          <p:cNvPicPr>
+            <a:picLocks noChangeAspect="1"/>
+          </p:cNvPicPr>
+          <p:nvPr/>
+        </p:nvPicPr>
+        <p:blipFill>
+          <a:blip r:embed="rId3"/>
+          <a:stretch>
+            <a:fillRect/>
+          </a:stretch>
+        </p:blipFill>
+        <p:spPr>
+          <a:xfrm>
+            <a:off x="6208308" y="3938649"/>
+            <a:ext cx="3317534" cy="2601718"/>
+          </a:xfrm>
+          <a:prstGeom prst="rect">
+            <a:avLst/>
+          </a:prstGeom>
+        </p:spPr>
+      </p:pic>
+      <p:pic>
+        <p:nvPicPr>
+          <p:cNvPr id="5" name="Picture 4"/>
+          <p:cNvPicPr>
+            <a:picLocks noChangeAspect="1"/>
+          </p:cNvPicPr>
+          <p:nvPr/>
+        </p:nvPicPr>
+        <p:blipFill>
+          <a:blip r:embed="rId4"/>
+          <a:stretch>
+            <a:fillRect/>
+          </a:stretch>
+        </p:blipFill>
+        <p:spPr>
+          <a:xfrm>
+            <a:off x="9781755" y="85386"/>
+            <a:ext cx="2206932" cy="6756936"/>
+          </a:xfrm>
+          <a:prstGeom prst="rect">
+            <a:avLst/>
+          </a:prstGeom>
+        </p:spPr>
+      </p:pic>
+      <p:sp>
+        <p:nvSpPr>
+          <p:cNvPr id="3" name="TextBox 2"/>
+          <p:cNvSpPr txBox="1"/>
+          <p:nvPr/>
+        </p:nvSpPr>
+        <p:spPr>
+          <a:xfrm>
+            <a:off x="1087655" y="1848051"/>
+            <a:ext cx="7468776" cy="2031325"/>
+          </a:xfrm>
+          <a:prstGeom prst="rect">
+            <a:avLst/>
+          </a:prstGeom>
+          <a:noFill/>
+        </p:spPr>
+        <p:txBody>
+          <a:bodyPr wrap="none" rtlCol="0">
+            <a:spAutoFit/>
+          </a:bodyPr>
           <a:lstStyle/>
           <a:p>
             <a:r>
               <a:rPr lang="en-US" dirty="0" err="1" smtClean="0"/>
-              <a:t>Tổng</a:t>
-            </a:r>
-            <a:r>
-              <a:rPr lang="en-US" dirty="0" smtClean="0"/>
-              <a:t> </a:t>
-            </a:r>
-            <a:r>
-              <a:rPr lang="en-US" dirty="0" err="1" smtClean="0"/>
-              <a:t>quát</a:t>
-            </a:r>
-            <a:r>
-              <a:rPr lang="en-US" dirty="0" smtClean="0"/>
-              <a:t> model, </a:t>
-            </a:r>
-            <a:r>
-              <a:rPr lang="en-US" dirty="0" err="1" smtClean="0"/>
-              <a:t>tránh</a:t>
-            </a:r>
-            <a:r>
-              <a:rPr lang="en-US" dirty="0" smtClean="0"/>
-              <a:t> </a:t>
-            </a:r>
-            <a:r>
-              <a:rPr lang="en-US" dirty="0" err="1" smtClean="0"/>
-              <a:t>overfit</a:t>
-            </a:r>
-            <a:r>
-              <a:rPr lang="en-US" dirty="0" smtClean="0"/>
-              <a:t> </a:t>
-            </a:r>
-            <a:r>
-              <a:rPr lang="en-US" dirty="0" err="1" smtClean="0"/>
-              <a:t>trên</a:t>
-            </a:r>
-            <a:r>
-              <a:rPr lang="en-US" dirty="0" smtClean="0"/>
-              <a:t> </a:t>
-            </a:r>
-            <a:r>
-              <a:rPr lang="en-US" dirty="0" err="1" smtClean="0"/>
-              <a:t>tập</a:t>
-            </a:r>
-            <a:r>
-              <a:rPr lang="en-US" dirty="0" smtClean="0"/>
-              <a:t> train.</a:t>
+              <a:t>Vấn</a:t>
+            </a:r>
+            <a:r>
+              <a:rPr lang="en-US" dirty="0" smtClean="0"/>
+              <a:t> </a:t>
+            </a:r>
+            <a:r>
+              <a:rPr lang="en-US" dirty="0" err="1" smtClean="0"/>
+              <a:t>đề</a:t>
+            </a:r>
+            <a:r>
+              <a:rPr lang="en-US" dirty="0" smtClean="0"/>
+              <a:t>: </a:t>
+            </a:r>
+            <a:r>
+              <a:rPr lang="en-US" dirty="0" err="1" smtClean="0"/>
+              <a:t>một</a:t>
+            </a:r>
+            <a:r>
+              <a:rPr lang="en-US" dirty="0" smtClean="0"/>
+              <a:t> </a:t>
+            </a:r>
+            <a:r>
+              <a:rPr lang="en-US" dirty="0" err="1" smtClean="0"/>
+              <a:t>mô</a:t>
+            </a:r>
+            <a:r>
+              <a:rPr lang="en-US" dirty="0" smtClean="0"/>
+              <a:t> </a:t>
+            </a:r>
+            <a:r>
+              <a:rPr lang="en-US" dirty="0" err="1" smtClean="0"/>
+              <a:t>hình</a:t>
+            </a:r>
+            <a:r>
+              <a:rPr lang="en-US" dirty="0" smtClean="0"/>
+              <a:t> </a:t>
+            </a:r>
+            <a:r>
+              <a:rPr lang="en-US" dirty="0" err="1" smtClean="0"/>
+              <a:t>lớn</a:t>
+            </a:r>
+            <a:r>
+              <a:rPr lang="en-US" dirty="0" smtClean="0"/>
+              <a:t> </a:t>
+            </a:r>
+            <a:r>
+              <a:rPr lang="en-US" dirty="0" err="1" smtClean="0"/>
+              <a:t>hơn</a:t>
+            </a:r>
+            <a:r>
+              <a:rPr lang="en-US" dirty="0" smtClean="0"/>
+              <a:t> </a:t>
+            </a:r>
+            <a:r>
+              <a:rPr lang="en-US" dirty="0" err="1" smtClean="0"/>
+              <a:t>không</a:t>
+            </a:r>
+            <a:r>
+              <a:rPr lang="en-US" dirty="0" smtClean="0"/>
+              <a:t> </a:t>
+            </a:r>
+            <a:r>
+              <a:rPr lang="en-US" dirty="0" err="1" smtClean="0"/>
+              <a:t>đảm</a:t>
+            </a:r>
+            <a:r>
+              <a:rPr lang="en-US" dirty="0" smtClean="0"/>
+              <a:t> </a:t>
+            </a:r>
+            <a:r>
+              <a:rPr lang="en-US" dirty="0" err="1" smtClean="0"/>
+              <a:t>bảo</a:t>
+            </a:r>
+            <a:r>
+              <a:rPr lang="en-US" dirty="0" smtClean="0"/>
+              <a:t> </a:t>
+            </a:r>
+            <a:r>
+              <a:rPr lang="en-US" dirty="0" err="1" smtClean="0"/>
+              <a:t>cho</a:t>
+            </a:r>
+            <a:r>
+              <a:rPr lang="en-US" dirty="0" smtClean="0"/>
+              <a:t> </a:t>
+            </a:r>
+            <a:r>
+              <a:rPr lang="en-US" dirty="0" err="1" smtClean="0"/>
+              <a:t>một</a:t>
+            </a:r>
+            <a:r>
+              <a:rPr lang="en-US" dirty="0" smtClean="0"/>
+              <a:t> </a:t>
+            </a:r>
+            <a:r>
+              <a:rPr lang="en-US" dirty="0" err="1" smtClean="0"/>
+              <a:t>kết</a:t>
+            </a:r>
+            <a:r>
+              <a:rPr lang="en-US" dirty="0" smtClean="0"/>
+              <a:t> </a:t>
+            </a:r>
+            <a:r>
+              <a:rPr lang="en-US" dirty="0" err="1" smtClean="0"/>
+              <a:t>quả</a:t>
+            </a:r>
+            <a:r>
+              <a:rPr lang="en-US" dirty="0" smtClean="0"/>
+              <a:t> </a:t>
+            </a:r>
+            <a:r>
+              <a:rPr lang="en-US" dirty="0" err="1" smtClean="0"/>
+              <a:t>tốt</a:t>
+            </a:r>
+            <a:r>
+              <a:rPr lang="en-US" dirty="0" smtClean="0"/>
+              <a:t> </a:t>
+            </a:r>
+            <a:r>
+              <a:rPr lang="en-US" dirty="0" err="1" smtClean="0"/>
+              <a:t>hơn</a:t>
+            </a:r>
+            <a:r>
+              <a:rPr lang="en-US" dirty="0" smtClean="0"/>
+              <a:t>.</a:t>
             </a:r>
           </a:p>
           <a:p>
@@ -6638,53 +10278,258 @@
           <a:p>
             <a:r>
               <a:rPr lang="en-US" dirty="0" err="1" smtClean="0"/>
-              <a:t>Các</a:t>
-            </a:r>
-            <a:r>
-              <a:rPr lang="en-US" dirty="0" smtClean="0"/>
-              <a:t> </a:t>
-            </a:r>
-            <a:r>
-              <a:rPr lang="en-US" dirty="0" err="1" smtClean="0"/>
-              <a:t>loại</a:t>
-            </a:r>
-            <a:r>
-              <a:rPr lang="en-US" dirty="0" smtClean="0"/>
-              <a:t> augmentation </a:t>
-            </a:r>
-            <a:r>
-              <a:rPr lang="en-US" dirty="0" err="1" smtClean="0"/>
-              <a:t>cơ</a:t>
-            </a:r>
-            <a:r>
-              <a:rPr lang="en-US" dirty="0" smtClean="0"/>
-              <a:t> </a:t>
-            </a:r>
-            <a:r>
-              <a:rPr lang="en-US" dirty="0" err="1" smtClean="0"/>
-              <a:t>bản</a:t>
-            </a:r>
-            <a:r>
-              <a:rPr lang="en-US" dirty="0" smtClean="0"/>
-              <a:t>:</a:t>
-            </a:r>
-          </a:p>
-          <a:p>
-            <a:pPr lvl="1"/>
-            <a:r>
-              <a:rPr lang="en-US" dirty="0" smtClean="0"/>
-              <a:t>Flip, rotate</a:t>
-            </a:r>
-          </a:p>
-          <a:p>
-            <a:pPr lvl="1"/>
-            <a:r>
-              <a:rPr lang="en-US" dirty="0" smtClean="0"/>
-              <a:t>Normalization</a:t>
-            </a:r>
-          </a:p>
-          <a:p>
-            <a:pPr lvl="1"/>
+              <a:t>Để</a:t>
+            </a:r>
+            <a:r>
+              <a:rPr lang="en-US" dirty="0" smtClean="0"/>
+              <a:t> </a:t>
+            </a:r>
+            <a:r>
+              <a:rPr lang="en-US" dirty="0" err="1" smtClean="0"/>
+              <a:t>đảm</a:t>
+            </a:r>
+            <a:r>
+              <a:rPr lang="en-US" dirty="0" smtClean="0"/>
+              <a:t> </a:t>
+            </a:r>
+            <a:r>
+              <a:rPr lang="en-US" dirty="0" err="1" smtClean="0"/>
+              <a:t>bảo</a:t>
+            </a:r>
+            <a:r>
+              <a:rPr lang="en-US" dirty="0" smtClean="0"/>
+              <a:t> </a:t>
+            </a:r>
+            <a:r>
+              <a:rPr lang="en-US" dirty="0" err="1" smtClean="0"/>
+              <a:t>việc</a:t>
+            </a:r>
+            <a:r>
+              <a:rPr lang="en-US" dirty="0" smtClean="0"/>
+              <a:t> tang </a:t>
+            </a:r>
+            <a:r>
+              <a:rPr lang="en-US" dirty="0" err="1" smtClean="0"/>
+              <a:t>kích</a:t>
+            </a:r>
+            <a:r>
+              <a:rPr lang="en-US" dirty="0" smtClean="0"/>
+              <a:t> </a:t>
+            </a:r>
+            <a:r>
+              <a:rPr lang="en-US" dirty="0" err="1" smtClean="0"/>
+              <a:t>thước</a:t>
+            </a:r>
+            <a:r>
+              <a:rPr lang="en-US" dirty="0" smtClean="0"/>
+              <a:t> </a:t>
+            </a:r>
+            <a:r>
+              <a:rPr lang="en-US" dirty="0" err="1" smtClean="0"/>
+              <a:t>mô</a:t>
+            </a:r>
+            <a:r>
+              <a:rPr lang="en-US" dirty="0" smtClean="0"/>
+              <a:t> </a:t>
+            </a:r>
+            <a:r>
+              <a:rPr lang="en-US" dirty="0" err="1" smtClean="0"/>
+              <a:t>hình</a:t>
+            </a:r>
+            <a:r>
+              <a:rPr lang="en-US" dirty="0" smtClean="0"/>
+              <a:t> </a:t>
+            </a:r>
+            <a:r>
+              <a:rPr lang="en-US" dirty="0" err="1" smtClean="0"/>
+              <a:t>sẽ</a:t>
+            </a:r>
+            <a:r>
+              <a:rPr lang="en-US" dirty="0" smtClean="0"/>
+              <a:t> </a:t>
+            </a:r>
+            <a:r>
+              <a:rPr lang="en-US" dirty="0" err="1" smtClean="0"/>
+              <a:t>giúp</a:t>
+            </a:r>
+            <a:r>
+              <a:rPr lang="en-US" dirty="0" smtClean="0"/>
+              <a:t> </a:t>
+            </a:r>
+            <a:r>
+              <a:rPr lang="en-US" dirty="0" err="1" smtClean="0"/>
+              <a:t>ích</a:t>
+            </a:r>
+            <a:r>
+              <a:rPr lang="en-US" dirty="0" smtClean="0"/>
+              <a:t>, </a:t>
+            </a:r>
+            <a:r>
+              <a:rPr lang="en-US" dirty="0" err="1" smtClean="0"/>
+              <a:t>một</a:t>
+            </a:r>
+            <a:r>
+              <a:rPr lang="en-US" dirty="0" smtClean="0"/>
+              <a:t> block </a:t>
+            </a:r>
+            <a:r>
+              <a:rPr lang="en-US" dirty="0" err="1" smtClean="0"/>
+              <a:t>có</a:t>
+            </a:r>
+            <a:r>
+              <a:rPr lang="en-US" dirty="0" smtClean="0"/>
+              <a:t> </a:t>
+            </a:r>
+            <a:r>
+              <a:rPr lang="en-US" dirty="0" err="1" smtClean="0"/>
+              <a:t>khả</a:t>
+            </a:r>
+            <a:r>
+              <a:rPr lang="en-US" dirty="0" smtClean="0"/>
+              <a:t> </a:t>
+            </a:r>
+            <a:r>
+              <a:rPr lang="en-US" dirty="0" err="1" smtClean="0"/>
+              <a:t>năng</a:t>
+            </a:r>
+            <a:r>
+              <a:rPr lang="en-US" dirty="0" smtClean="0"/>
+              <a:t>  </a:t>
+            </a:r>
+          </a:p>
+          <a:p>
+            <a:r>
+              <a:rPr lang="en-US" dirty="0" err="1" smtClean="0"/>
+              <a:t>trở</a:t>
+            </a:r>
+            <a:r>
+              <a:rPr lang="en-US" dirty="0" smtClean="0"/>
+              <a:t> </a:t>
+            </a:r>
+            <a:r>
+              <a:rPr lang="en-US" dirty="0" err="1" smtClean="0"/>
+              <a:t>thành</a:t>
+            </a:r>
+            <a:r>
+              <a:rPr lang="en-US" dirty="0" smtClean="0"/>
+              <a:t> 1 </a:t>
+            </a:r>
+            <a:r>
+              <a:rPr lang="en-US" dirty="0" err="1" smtClean="0"/>
+              <a:t>hàm</a:t>
+            </a:r>
+            <a:r>
+              <a:rPr lang="en-US" dirty="0" smtClean="0"/>
+              <a:t> </a:t>
+            </a:r>
+            <a:r>
+              <a:rPr lang="en-US" dirty="0" err="1" smtClean="0"/>
+              <a:t>nguyên</a:t>
+            </a:r>
+            <a:r>
+              <a:rPr lang="en-US" dirty="0" smtClean="0"/>
+              <a:t> </a:t>
+            </a:r>
+            <a:r>
+              <a:rPr lang="en-US" dirty="0" err="1" smtClean="0"/>
+              <a:t>mẫu</a:t>
+            </a:r>
+            <a:r>
+              <a:rPr lang="en-US" dirty="0" smtClean="0"/>
+              <a:t> (identity function) </a:t>
+            </a:r>
+            <a:r>
+              <a:rPr lang="en-US" dirty="0" err="1" smtClean="0"/>
+              <a:t>ra</a:t>
+            </a:r>
+            <a:r>
+              <a:rPr lang="en-US" dirty="0" smtClean="0"/>
+              <a:t> </a:t>
+            </a:r>
+            <a:r>
+              <a:rPr lang="en-US" dirty="0" err="1" smtClean="0"/>
+              <a:t>đời</a:t>
+            </a:r>
+            <a:r>
+              <a:rPr lang="en-US" dirty="0" smtClean="0"/>
+              <a:t>: residual block</a:t>
+            </a:r>
+            <a:endParaRPr lang="en-US" dirty="0"/>
+          </a:p>
+          <a:p>
+            <a:endParaRPr lang="en-US" dirty="0" smtClean="0"/>
+          </a:p>
+          <a:p>
+            <a:r>
+              <a:rPr lang="en-US" dirty="0" err="1" smtClean="0"/>
+              <a:t>ResNet</a:t>
+            </a:r>
+            <a:r>
+              <a:rPr lang="en-US" dirty="0" smtClean="0"/>
+              <a:t> </a:t>
+            </a:r>
+            <a:r>
+              <a:rPr lang="en-US" dirty="0" err="1" smtClean="0"/>
+              <a:t>hợp</a:t>
+            </a:r>
+            <a:r>
+              <a:rPr lang="en-US" dirty="0" smtClean="0"/>
+              <a:t> </a:t>
+            </a:r>
+            <a:r>
+              <a:rPr lang="en-US" dirty="0" err="1" smtClean="0"/>
+              <a:t>thành</a:t>
+            </a:r>
+            <a:r>
+              <a:rPr lang="en-US" dirty="0" smtClean="0"/>
+              <a:t> </a:t>
+            </a:r>
+            <a:r>
+              <a:rPr lang="en-US" dirty="0" err="1" smtClean="0"/>
+              <a:t>từ</a:t>
+            </a:r>
+            <a:r>
+              <a:rPr lang="en-US" dirty="0" smtClean="0"/>
+              <a:t> </a:t>
+            </a:r>
+            <a:r>
+              <a:rPr lang="en-US" dirty="0" err="1" smtClean="0"/>
+              <a:t>nhiều</a:t>
+            </a:r>
+            <a:r>
+              <a:rPr lang="en-US" dirty="0" smtClean="0"/>
+              <a:t> Residual </a:t>
+            </a:r>
+            <a:r>
+              <a:rPr lang="en-US" dirty="0" smtClean="0"/>
+              <a:t>block</a:t>
+            </a:r>
+          </a:p>
+          <a:p>
+            <a:r>
+              <a:rPr lang="en-US" dirty="0" err="1" smtClean="0"/>
+              <a:t>ResNet</a:t>
+            </a:r>
+            <a:r>
+              <a:rPr lang="en-US" dirty="0" smtClean="0"/>
+              <a:t> </a:t>
+            </a:r>
+            <a:r>
+              <a:rPr lang="en-US" dirty="0" err="1" smtClean="0"/>
+              <a:t>thăng</a:t>
+            </a:r>
+            <a:r>
+              <a:rPr lang="en-US" dirty="0" smtClean="0"/>
+              <a:t> ImageNet Large Scale Visual Recognition </a:t>
+            </a:r>
+            <a:r>
+              <a:rPr lang="en-US" dirty="0" err="1" smtClean="0"/>
+              <a:t>năm</a:t>
+            </a:r>
+            <a:r>
+              <a:rPr lang="en-US" dirty="0" smtClean="0"/>
+              <a:t> 2015</a:t>
+            </a:r>
             <a:endParaRPr lang="en-US" dirty="0"/>
           </a:p>
         </p:txBody>
@@ -6692,7 +10537,7 @@
     </p:spTree>
     <p:extLst>
       <p:ext uri="{BB962C8B-B14F-4D97-AF65-F5344CB8AC3E}">
-        <p14:creationId xmlns:p14="http://schemas.microsoft.com/office/powerpoint/2010/main" val="390351029"/>
+        <p14:creationId xmlns:p14="http://schemas.microsoft.com/office/powerpoint/2010/main" val="607854373"/>
       </p:ext>
     </p:extLst>
   </p:cSld>
@@ -6736,76 +10581,39 @@
           <a:p>
             <a:r>
               <a:rPr lang="en-US" dirty="0" smtClean="0"/>
-              <a:t>Resize</a:t>
+              <a:t>Implementation</a:t>
             </a:r>
             <a:endParaRPr lang="en-US" dirty="0"/>
           </a:p>
         </p:txBody>
       </p:sp>
-      <p:pic>
-        <p:nvPicPr>
-          <p:cNvPr id="4" name="Content Placeholder 3"/>
-          <p:cNvPicPr>
-            <a:picLocks noChangeAspect="1"/>
-          </p:cNvPicPr>
-          <p:nvPr/>
-        </p:nvPicPr>
-        <p:blipFill>
-          <a:blip r:embed="rId2">
-            <a:extLst>
-              <a:ext uri="{28A0092B-C50C-407E-A947-70E740481C1C}">
-                <a14:useLocalDpi xmlns:a14="http://schemas.microsoft.com/office/drawing/2010/main" val="0"/>
-              </a:ext>
-            </a:extLst>
-          </a:blip>
-          <a:stretch>
-            <a:fillRect/>
-          </a:stretch>
-        </p:blipFill>
-        <p:spPr>
-          <a:xfrm>
-            <a:off x="3266440" y="2119470"/>
-            <a:ext cx="2122006" cy="2818289"/>
-          </a:xfrm>
-          <a:prstGeom prst="rect">
-            <a:avLst/>
-          </a:prstGeom>
-        </p:spPr>
-      </p:pic>
-      <p:pic>
-        <p:nvPicPr>
-          <p:cNvPr id="3" name="Picture 2"/>
-          <p:cNvPicPr>
-            <a:picLocks noChangeAspect="1"/>
-          </p:cNvPicPr>
-          <p:nvPr/>
-        </p:nvPicPr>
-        <p:blipFill>
-          <a:blip r:embed="rId3">
-            <a:extLst>
-              <a:ext uri="{28A0092B-C50C-407E-A947-70E740481C1C}">
-                <a14:useLocalDpi xmlns:a14="http://schemas.microsoft.com/office/drawing/2010/main" val="0"/>
-              </a:ext>
-            </a:extLst>
-          </a:blip>
-          <a:stretch>
-            <a:fillRect/>
-          </a:stretch>
-        </p:blipFill>
-        <p:spPr>
-          <a:xfrm>
-            <a:off x="6187439" y="2119470"/>
-            <a:ext cx="2818289" cy="2818289"/>
-          </a:xfrm>
-          <a:prstGeom prst="rect">
-            <a:avLst/>
-          </a:prstGeom>
-        </p:spPr>
-      </p:pic>
+      <p:sp>
+        <p:nvSpPr>
+          <p:cNvPr id="3" name="Content Placeholder 2"/>
+          <p:cNvSpPr>
+            <a:spLocks noGrp="1"/>
+          </p:cNvSpPr>
+          <p:nvPr>
+            <p:ph idx="1"/>
+          </p:nvPr>
+        </p:nvSpPr>
+        <p:spPr/>
+        <p:txBody>
+          <a:bodyPr/>
+          <a:lstStyle/>
+          <a:p>
+            <a:r>
+              <a:rPr lang="en-US" dirty="0" smtClean="0"/>
+              <a:t>Example code implementation of some model</a:t>
+            </a:r>
+            <a:endParaRPr lang="en-US" dirty="0"/>
+          </a:p>
+        </p:txBody>
+      </p:sp>
     </p:spTree>
     <p:extLst>
       <p:ext uri="{BB962C8B-B14F-4D97-AF65-F5344CB8AC3E}">
-        <p14:creationId xmlns:p14="http://schemas.microsoft.com/office/powerpoint/2010/main" val="50502859"/>
+        <p14:creationId xmlns:p14="http://schemas.microsoft.com/office/powerpoint/2010/main" val="2797356283"/>
       </p:ext>
     </p:extLst>
   </p:cSld>
@@ -6816,6 +10624,315 @@
 </file>
 
 <file path=ppt/slides/slide25.xml><?xml version="1.0" encoding="utf-8"?>
+<p:sld xmlns:a="http://schemas.openxmlformats.org/drawingml/2006/main" xmlns:r="http://schemas.openxmlformats.org/officeDocument/2006/relationships" xmlns:p="http://schemas.openxmlformats.org/presentationml/2006/main">
+  <p:cSld>
+    <p:spTree>
+      <p:nvGrpSpPr>
+        <p:cNvPr id="1" name=""/>
+        <p:cNvGrpSpPr/>
+        <p:nvPr/>
+      </p:nvGrpSpPr>
+      <p:grpSpPr>
+        <a:xfrm>
+          <a:off x="0" y="0"/>
+          <a:ext cx="0" cy="0"/>
+          <a:chOff x="0" y="0"/>
+          <a:chExt cx="0" cy="0"/>
+        </a:xfrm>
+      </p:grpSpPr>
+      <p:sp>
+        <p:nvSpPr>
+          <p:cNvPr id="4" name="Title 3"/>
+          <p:cNvSpPr>
+            <a:spLocks noGrp="1"/>
+          </p:cNvSpPr>
+          <p:nvPr>
+            <p:ph type="title"/>
+          </p:nvPr>
+        </p:nvSpPr>
+        <p:spPr/>
+        <p:txBody>
+          <a:bodyPr/>
+          <a:lstStyle/>
+          <a:p>
+            <a:r>
+              <a:rPr lang="fr-FR" dirty="0" err="1" smtClean="0"/>
+              <a:t>Tăng</a:t>
+            </a:r>
+            <a:r>
+              <a:rPr lang="fr-FR" dirty="0" smtClean="0"/>
+              <a:t> </a:t>
+            </a:r>
+            <a:r>
+              <a:rPr lang="fr-FR" dirty="0" err="1" smtClean="0"/>
+              <a:t>cường</a:t>
+            </a:r>
+            <a:r>
+              <a:rPr lang="fr-FR" dirty="0" smtClean="0"/>
+              <a:t> </a:t>
+            </a:r>
+            <a:r>
+              <a:rPr lang="fr-FR" dirty="0" err="1" smtClean="0"/>
+              <a:t>ảnh</a:t>
+            </a:r>
+            <a:r>
+              <a:rPr lang="fr-FR" dirty="0" smtClean="0"/>
+              <a:t> (augmentation) </a:t>
+            </a:r>
+            <a:endParaRPr lang="en-US" dirty="0"/>
+          </a:p>
+        </p:txBody>
+      </p:sp>
+      <p:sp>
+        <p:nvSpPr>
+          <p:cNvPr id="5" name="Text Placeholder 4"/>
+          <p:cNvSpPr>
+            <a:spLocks noGrp="1"/>
+          </p:cNvSpPr>
+          <p:nvPr>
+            <p:ph type="body" idx="1"/>
+          </p:nvPr>
+        </p:nvSpPr>
+        <p:spPr/>
+        <p:txBody>
+          <a:bodyPr/>
+          <a:lstStyle/>
+          <a:p>
+            <a:endParaRPr lang="en-US"/>
+          </a:p>
+        </p:txBody>
+      </p:sp>
+    </p:spTree>
+    <p:extLst>
+      <p:ext uri="{BB962C8B-B14F-4D97-AF65-F5344CB8AC3E}">
+        <p14:creationId xmlns:p14="http://schemas.microsoft.com/office/powerpoint/2010/main" val="2435146155"/>
+      </p:ext>
+    </p:extLst>
+  </p:cSld>
+  <p:clrMapOvr>
+    <a:masterClrMapping/>
+  </p:clrMapOvr>
+</p:sld>
+</file>
+
+<file path=ppt/slides/slide26.xml><?xml version="1.0" encoding="utf-8"?>
+<p:sld xmlns:a="http://schemas.openxmlformats.org/drawingml/2006/main" xmlns:r="http://schemas.openxmlformats.org/officeDocument/2006/relationships" xmlns:p="http://schemas.openxmlformats.org/presentationml/2006/main">
+  <p:cSld>
+    <p:spTree>
+      <p:nvGrpSpPr>
+        <p:cNvPr id="1" name=""/>
+        <p:cNvGrpSpPr/>
+        <p:nvPr/>
+      </p:nvGrpSpPr>
+      <p:grpSpPr>
+        <a:xfrm>
+          <a:off x="0" y="0"/>
+          <a:ext cx="0" cy="0"/>
+          <a:chOff x="0" y="0"/>
+          <a:chExt cx="0" cy="0"/>
+        </a:xfrm>
+      </p:grpSpPr>
+      <p:sp>
+        <p:nvSpPr>
+          <p:cNvPr id="2" name="Title 1"/>
+          <p:cNvSpPr>
+            <a:spLocks noGrp="1"/>
+          </p:cNvSpPr>
+          <p:nvPr>
+            <p:ph type="title"/>
+          </p:nvPr>
+        </p:nvSpPr>
+        <p:spPr/>
+        <p:txBody>
+          <a:bodyPr/>
+          <a:lstStyle/>
+          <a:p>
+            <a:r>
+              <a:rPr lang="en-US" dirty="0" smtClean="0"/>
+              <a:t>Augmentation </a:t>
+            </a:r>
+            <a:r>
+              <a:rPr lang="en-US" dirty="0" err="1" smtClean="0"/>
+              <a:t>để</a:t>
+            </a:r>
+            <a:r>
+              <a:rPr lang="en-US" dirty="0" smtClean="0"/>
+              <a:t> </a:t>
+            </a:r>
+            <a:r>
+              <a:rPr lang="en-US" dirty="0" err="1" smtClean="0"/>
+              <a:t>làm</a:t>
+            </a:r>
+            <a:r>
+              <a:rPr lang="en-US" dirty="0" smtClean="0"/>
+              <a:t> </a:t>
+            </a:r>
+            <a:r>
+              <a:rPr lang="en-US" dirty="0" err="1" smtClean="0"/>
+              <a:t>gì</a:t>
+            </a:r>
+            <a:r>
+              <a:rPr lang="en-US" dirty="0" smtClean="0"/>
+              <a:t>?</a:t>
+            </a:r>
+            <a:endParaRPr lang="en-US" dirty="0"/>
+          </a:p>
+        </p:txBody>
+      </p:sp>
+      <p:sp>
+        <p:nvSpPr>
+          <p:cNvPr id="3" name="Content Placeholder 2"/>
+          <p:cNvSpPr>
+            <a:spLocks noGrp="1"/>
+          </p:cNvSpPr>
+          <p:nvPr>
+            <p:ph idx="1"/>
+          </p:nvPr>
+        </p:nvSpPr>
+        <p:spPr/>
+        <p:txBody>
+          <a:bodyPr/>
+          <a:lstStyle/>
+          <a:p>
+            <a:r>
+              <a:rPr lang="en-US" dirty="0" err="1" smtClean="0"/>
+              <a:t>Tổng</a:t>
+            </a:r>
+            <a:r>
+              <a:rPr lang="en-US" dirty="0" smtClean="0"/>
+              <a:t> </a:t>
+            </a:r>
+            <a:r>
+              <a:rPr lang="en-US" dirty="0" err="1" smtClean="0"/>
+              <a:t>quát</a:t>
+            </a:r>
+            <a:r>
+              <a:rPr lang="en-US" dirty="0" smtClean="0"/>
+              <a:t> </a:t>
+            </a:r>
+            <a:r>
+              <a:rPr lang="en-US" dirty="0" smtClean="0"/>
+              <a:t>model (generalization), </a:t>
+            </a:r>
+            <a:r>
+              <a:rPr lang="en-US" dirty="0" err="1" smtClean="0"/>
+              <a:t>tránh</a:t>
+            </a:r>
+            <a:r>
+              <a:rPr lang="en-US" dirty="0" smtClean="0"/>
+              <a:t> </a:t>
+            </a:r>
+            <a:r>
+              <a:rPr lang="en-US" dirty="0" err="1" smtClean="0"/>
+              <a:t>overfit</a:t>
+            </a:r>
+            <a:r>
+              <a:rPr lang="en-US" dirty="0" smtClean="0"/>
+              <a:t> </a:t>
+            </a:r>
+            <a:r>
+              <a:rPr lang="en-US" dirty="0" err="1" smtClean="0"/>
+              <a:t>trên</a:t>
+            </a:r>
+            <a:r>
+              <a:rPr lang="en-US" dirty="0" smtClean="0"/>
+              <a:t> </a:t>
+            </a:r>
+            <a:r>
+              <a:rPr lang="en-US" dirty="0" err="1" smtClean="0"/>
+              <a:t>tập</a:t>
+            </a:r>
+            <a:r>
+              <a:rPr lang="en-US" dirty="0" smtClean="0"/>
+              <a:t> train.</a:t>
+            </a:r>
+          </a:p>
+          <a:p>
+            <a:endParaRPr lang="en-US" dirty="0"/>
+          </a:p>
+          <a:p>
+            <a:r>
+              <a:rPr lang="en-US" dirty="0" err="1" smtClean="0"/>
+              <a:t>Các</a:t>
+            </a:r>
+            <a:r>
+              <a:rPr lang="en-US" dirty="0" smtClean="0"/>
+              <a:t> </a:t>
+            </a:r>
+            <a:r>
+              <a:rPr lang="en-US" dirty="0" err="1" smtClean="0"/>
+              <a:t>loại</a:t>
+            </a:r>
+            <a:r>
+              <a:rPr lang="en-US" dirty="0" smtClean="0"/>
+              <a:t> augmentation </a:t>
+            </a:r>
+            <a:r>
+              <a:rPr lang="en-US" dirty="0" err="1" smtClean="0"/>
+              <a:t>cơ</a:t>
+            </a:r>
+            <a:r>
+              <a:rPr lang="en-US" dirty="0" smtClean="0"/>
+              <a:t> </a:t>
+            </a:r>
+            <a:r>
+              <a:rPr lang="en-US" dirty="0" err="1" smtClean="0"/>
+              <a:t>bản</a:t>
+            </a:r>
+            <a:r>
+              <a:rPr lang="en-US" dirty="0" smtClean="0"/>
+              <a:t>:</a:t>
+            </a:r>
+          </a:p>
+          <a:p>
+            <a:pPr lvl="1"/>
+            <a:r>
+              <a:rPr lang="en-US" dirty="0" smtClean="0"/>
+              <a:t>Flip </a:t>
+            </a:r>
+          </a:p>
+          <a:p>
+            <a:pPr lvl="1"/>
+            <a:r>
+              <a:rPr lang="en-US" dirty="0" smtClean="0"/>
+              <a:t>Crop</a:t>
+            </a:r>
+          </a:p>
+          <a:p>
+            <a:pPr lvl="1"/>
+            <a:r>
+              <a:rPr lang="en-US" dirty="0" smtClean="0"/>
+              <a:t>R</a:t>
+            </a:r>
+            <a:r>
+              <a:rPr lang="en-US" dirty="0" smtClean="0"/>
+              <a:t>otate</a:t>
+            </a:r>
+          </a:p>
+          <a:p>
+            <a:pPr lvl="1"/>
+            <a:r>
+              <a:rPr lang="en-US" dirty="0" smtClean="0"/>
+              <a:t>Color Jitter</a:t>
+            </a:r>
+            <a:endParaRPr lang="en-US" dirty="0"/>
+          </a:p>
+        </p:txBody>
+      </p:sp>
+    </p:spTree>
+    <p:extLst>
+      <p:ext uri="{BB962C8B-B14F-4D97-AF65-F5344CB8AC3E}">
+        <p14:creationId xmlns:p14="http://schemas.microsoft.com/office/powerpoint/2010/main" val="390351029"/>
+      </p:ext>
+    </p:extLst>
+  </p:cSld>
+  <p:clrMapOvr>
+    <a:masterClrMapping/>
+  </p:clrMapOvr>
+</p:sld>
+</file>
+
+<file path=ppt/slides/slide27.xml><?xml version="1.0" encoding="utf-8"?>
 <p:sld xmlns:a="http://schemas.openxmlformats.org/drawingml/2006/main" xmlns:r="http://schemas.openxmlformats.org/officeDocument/2006/relationships" xmlns:p="http://schemas.openxmlformats.org/presentationml/2006/main">
   <p:cSld>
     <p:spTree>
@@ -6961,7 +11078,120 @@
 </p:sld>
 </file>
 
-<file path=ppt/slides/slide26.xml><?xml version="1.0" encoding="utf-8"?>
+<file path=ppt/slides/slide28.xml><?xml version="1.0" encoding="utf-8"?>
+<p:sld xmlns:a="http://schemas.openxmlformats.org/drawingml/2006/main" xmlns:r="http://schemas.openxmlformats.org/officeDocument/2006/relationships" xmlns:p="http://schemas.openxmlformats.org/presentationml/2006/main">
+  <p:cSld>
+    <p:spTree>
+      <p:nvGrpSpPr>
+        <p:cNvPr id="1" name=""/>
+        <p:cNvGrpSpPr/>
+        <p:nvPr/>
+      </p:nvGrpSpPr>
+      <p:grpSpPr>
+        <a:xfrm>
+          <a:off x="0" y="0"/>
+          <a:ext cx="0" cy="0"/>
+          <a:chOff x="0" y="0"/>
+          <a:chExt cx="0" cy="0"/>
+        </a:xfrm>
+      </p:grpSpPr>
+      <p:sp>
+        <p:nvSpPr>
+          <p:cNvPr id="2" name="Title 1"/>
+          <p:cNvSpPr>
+            <a:spLocks noGrp="1"/>
+          </p:cNvSpPr>
+          <p:nvPr>
+            <p:ph type="title"/>
+          </p:nvPr>
+        </p:nvSpPr>
+        <p:spPr/>
+        <p:txBody>
+          <a:bodyPr/>
+          <a:lstStyle/>
+          <a:p>
+            <a:r>
+              <a:rPr lang="en-US" dirty="0" smtClean="0"/>
+              <a:t>Resize</a:t>
+            </a:r>
+            <a:endParaRPr lang="en-US" dirty="0"/>
+          </a:p>
+        </p:txBody>
+      </p:sp>
+      <p:pic>
+        <p:nvPicPr>
+          <p:cNvPr id="4" name="Content Placeholder 3"/>
+          <p:cNvPicPr>
+            <a:picLocks noChangeAspect="1"/>
+          </p:cNvPicPr>
+          <p:nvPr/>
+        </p:nvPicPr>
+        <p:blipFill>
+          <a:blip r:embed="rId2">
+            <a:extLst>
+              <a:ext uri="{28A0092B-C50C-407E-A947-70E740481C1C}">
+                <a14:useLocalDpi xmlns:a14="http://schemas.microsoft.com/office/drawing/2010/main" val="0"/>
+              </a:ext>
+            </a:extLst>
+          </a:blip>
+          <a:stretch>
+            <a:fillRect/>
+          </a:stretch>
+        </p:blipFill>
+        <p:spPr>
+          <a:xfrm>
+            <a:off x="3266440" y="2119470"/>
+            <a:ext cx="2122006" cy="2818289"/>
+          </a:xfrm>
+          <a:prstGeom prst="rect">
+            <a:avLst/>
+          </a:prstGeom>
+        </p:spPr>
+      </p:pic>
+      <p:pic>
+        <p:nvPicPr>
+          <p:cNvPr id="3" name="Picture 2"/>
+          <p:cNvPicPr>
+            <a:picLocks noChangeAspect="1"/>
+          </p:cNvPicPr>
+          <p:nvPr/>
+        </p:nvPicPr>
+        <p:blipFill>
+          <a:blip r:embed="rId3">
+            <a:extLst>
+              <a:ext uri="{28A0092B-C50C-407E-A947-70E740481C1C}">
+                <a14:useLocalDpi xmlns:a14="http://schemas.microsoft.com/office/drawing/2010/main" val="0"/>
+              </a:ext>
+            </a:extLst>
+          </a:blip>
+          <a:stretch>
+            <a:fillRect/>
+          </a:stretch>
+        </p:blipFill>
+        <p:spPr>
+          <a:xfrm>
+            <a:off x="6187439" y="2119470"/>
+            <a:ext cx="2818289" cy="2818289"/>
+          </a:xfrm>
+          <a:prstGeom prst="rect">
+            <a:avLst/>
+          </a:prstGeom>
+        </p:spPr>
+      </p:pic>
+    </p:spTree>
+    <p:extLst>
+      <p:ext uri="{BB962C8B-B14F-4D97-AF65-F5344CB8AC3E}">
+        <p14:creationId xmlns:p14="http://schemas.microsoft.com/office/powerpoint/2010/main" val="50502859"/>
+      </p:ext>
+    </p:extLst>
+  </p:cSld>
+  <p:clrMapOvr>
+    <a:masterClrMapping/>
+  </p:clrMapOvr>
+</p:sld>
+</file>
+
+<file path=ppt/slides/slide29.xml><?xml version="1.0" encoding="utf-8"?>
 <p:sld xmlns:a="http://schemas.openxmlformats.org/drawingml/2006/main" xmlns:r="http://schemas.openxmlformats.org/officeDocument/2006/relationships" xmlns:p="http://schemas.openxmlformats.org/presentationml/2006/main">
   <p:cSld>
     <p:spTree>
@@ -7081,250 +11311,6 @@
 </p:sld>
 </file>
 
-<file path=ppt/slides/slide27.xml><?xml version="1.0" encoding="utf-8"?>
-<p:sld xmlns:a="http://schemas.openxmlformats.org/drawingml/2006/main" xmlns:r="http://schemas.openxmlformats.org/officeDocument/2006/relationships" xmlns:p="http://schemas.openxmlformats.org/presentationml/2006/main">
-  <p:cSld>
-    <p:spTree>
-      <p:nvGrpSpPr>
-        <p:cNvPr id="1" name=""/>
-        <p:cNvGrpSpPr/>
-        <p:nvPr/>
-      </p:nvGrpSpPr>
-      <p:grpSpPr>
-        <a:xfrm>
-          <a:off x="0" y="0"/>
-          <a:ext cx="0" cy="0"/>
-          <a:chOff x="0" y="0"/>
-          <a:chExt cx="0" cy="0"/>
-        </a:xfrm>
-      </p:grpSpPr>
-      <p:sp>
-        <p:nvSpPr>
-          <p:cNvPr id="2" name="Title 1"/>
-          <p:cNvSpPr>
-            <a:spLocks noGrp="1"/>
-          </p:cNvSpPr>
-          <p:nvPr>
-            <p:ph type="title"/>
-          </p:nvPr>
-        </p:nvSpPr>
-        <p:spPr/>
-        <p:txBody>
-          <a:bodyPr/>
-          <a:lstStyle/>
-          <a:p>
-            <a:endParaRPr lang="en-US"/>
-          </a:p>
-        </p:txBody>
-      </p:sp>
-      <p:sp>
-        <p:nvSpPr>
-          <p:cNvPr id="3" name="Content Placeholder 2"/>
-          <p:cNvSpPr>
-            <a:spLocks noGrp="1"/>
-          </p:cNvSpPr>
-          <p:nvPr>
-            <p:ph idx="1"/>
-          </p:nvPr>
-        </p:nvSpPr>
-        <p:spPr/>
-        <p:txBody>
-          <a:bodyPr/>
-          <a:lstStyle/>
-          <a:p>
-            <a:r>
-              <a:rPr lang="en-US" smtClean="0"/>
-              <a:t>Notebook augmentation</a:t>
-            </a:r>
-            <a:endParaRPr lang="en-US"/>
-          </a:p>
-        </p:txBody>
-      </p:sp>
-    </p:spTree>
-    <p:extLst>
-      <p:ext uri="{BB962C8B-B14F-4D97-AF65-F5344CB8AC3E}">
-        <p14:creationId xmlns:p14="http://schemas.microsoft.com/office/powerpoint/2010/main" val="3944893903"/>
-      </p:ext>
-    </p:extLst>
-  </p:cSld>
-  <p:clrMapOvr>
-    <a:masterClrMapping/>
-  </p:clrMapOvr>
-</p:sld>
-</file>
-
-<file path=ppt/slides/slide28.xml><?xml version="1.0" encoding="utf-8"?>
-<p:sld xmlns:a="http://schemas.openxmlformats.org/drawingml/2006/main" xmlns:r="http://schemas.openxmlformats.org/officeDocument/2006/relationships" xmlns:p="http://schemas.openxmlformats.org/presentationml/2006/main">
-  <p:cSld>
-    <p:spTree>
-      <p:nvGrpSpPr>
-        <p:cNvPr id="1" name=""/>
-        <p:cNvGrpSpPr/>
-        <p:nvPr/>
-      </p:nvGrpSpPr>
-      <p:grpSpPr>
-        <a:xfrm>
-          <a:off x="0" y="0"/>
-          <a:ext cx="0" cy="0"/>
-          <a:chOff x="0" y="0"/>
-          <a:chExt cx="0" cy="0"/>
-        </a:xfrm>
-      </p:grpSpPr>
-      <p:sp>
-        <p:nvSpPr>
-          <p:cNvPr id="4" name="Title 3"/>
-          <p:cNvSpPr>
-            <a:spLocks noGrp="1"/>
-          </p:cNvSpPr>
-          <p:nvPr>
-            <p:ph type="title"/>
-          </p:nvPr>
-        </p:nvSpPr>
-        <p:spPr/>
-        <p:txBody>
-          <a:bodyPr/>
-          <a:lstStyle/>
-          <a:p>
-            <a:r>
-              <a:rPr lang="fr-FR" dirty="0" err="1" smtClean="0"/>
-              <a:t>Transposed</a:t>
-            </a:r>
-            <a:r>
-              <a:rPr lang="fr-FR" dirty="0" smtClean="0"/>
-              <a:t> convolution</a:t>
-            </a:r>
-            <a:endParaRPr lang="en-US" dirty="0"/>
-          </a:p>
-        </p:txBody>
-      </p:sp>
-      <p:sp>
-        <p:nvSpPr>
-          <p:cNvPr id="5" name="Text Placeholder 4"/>
-          <p:cNvSpPr>
-            <a:spLocks noGrp="1"/>
-          </p:cNvSpPr>
-          <p:nvPr>
-            <p:ph type="body" idx="1"/>
-          </p:nvPr>
-        </p:nvSpPr>
-        <p:spPr/>
-        <p:txBody>
-          <a:bodyPr/>
-          <a:lstStyle/>
-          <a:p>
-            <a:endParaRPr lang="en-US"/>
-          </a:p>
-        </p:txBody>
-      </p:sp>
-    </p:spTree>
-    <p:extLst>
-      <p:ext uri="{BB962C8B-B14F-4D97-AF65-F5344CB8AC3E}">
-        <p14:creationId xmlns:p14="http://schemas.microsoft.com/office/powerpoint/2010/main" val="4148077118"/>
-      </p:ext>
-    </p:extLst>
-  </p:cSld>
-  <p:clrMapOvr>
-    <a:masterClrMapping/>
-  </p:clrMapOvr>
-</p:sld>
-</file>
-
-<file path=ppt/slides/slide29.xml><?xml version="1.0" encoding="utf-8"?>
-<p:sld xmlns:a="http://schemas.openxmlformats.org/drawingml/2006/main" xmlns:r="http://schemas.openxmlformats.org/officeDocument/2006/relationships" xmlns:p="http://schemas.openxmlformats.org/presentationml/2006/main">
-  <p:cSld>
-    <p:spTree>
-      <p:nvGrpSpPr>
-        <p:cNvPr id="1" name=""/>
-        <p:cNvGrpSpPr/>
-        <p:nvPr/>
-      </p:nvGrpSpPr>
-      <p:grpSpPr>
-        <a:xfrm>
-          <a:off x="0" y="0"/>
-          <a:ext cx="0" cy="0"/>
-          <a:chOff x="0" y="0"/>
-          <a:chExt cx="0" cy="0"/>
-        </a:xfrm>
-      </p:grpSpPr>
-      <p:sp>
-        <p:nvSpPr>
-          <p:cNvPr id="4" name="Title 3"/>
-          <p:cNvSpPr>
-            <a:spLocks noGrp="1"/>
-          </p:cNvSpPr>
-          <p:nvPr>
-            <p:ph type="title"/>
-          </p:nvPr>
-        </p:nvSpPr>
-        <p:spPr/>
-        <p:txBody>
-          <a:bodyPr/>
-          <a:lstStyle/>
-          <a:p>
-            <a:r>
-              <a:rPr lang="fr-FR" dirty="0" err="1" smtClean="0"/>
-              <a:t>Operation</a:t>
-            </a:r>
-            <a:endParaRPr lang="en-US" dirty="0"/>
-          </a:p>
-        </p:txBody>
-      </p:sp>
-      <p:sp>
-        <p:nvSpPr>
-          <p:cNvPr id="5" name="Content Placeholder 4"/>
-          <p:cNvSpPr>
-            <a:spLocks noGrp="1"/>
-          </p:cNvSpPr>
-          <p:nvPr>
-            <p:ph idx="1"/>
-          </p:nvPr>
-        </p:nvSpPr>
-        <p:spPr/>
-        <p:txBody>
-          <a:bodyPr/>
-          <a:lstStyle/>
-          <a:p>
-            <a:endParaRPr lang="en-US"/>
-          </a:p>
-        </p:txBody>
-      </p:sp>
-      <p:pic>
-        <p:nvPicPr>
-          <p:cNvPr id="6" name="Picture 5"/>
-          <p:cNvPicPr>
-            <a:picLocks noChangeAspect="1"/>
-          </p:cNvPicPr>
-          <p:nvPr/>
-        </p:nvPicPr>
-        <p:blipFill>
-          <a:blip r:embed="rId3"/>
-          <a:stretch>
-            <a:fillRect/>
-          </a:stretch>
-        </p:blipFill>
-        <p:spPr>
-          <a:xfrm>
-            <a:off x="3271837" y="2157412"/>
-            <a:ext cx="5648325" cy="2543175"/>
-          </a:xfrm>
-          <a:prstGeom prst="rect">
-            <a:avLst/>
-          </a:prstGeom>
-        </p:spPr>
-      </p:pic>
-    </p:spTree>
-    <p:extLst>
-      <p:ext uri="{BB962C8B-B14F-4D97-AF65-F5344CB8AC3E}">
-        <p14:creationId xmlns:p14="http://schemas.microsoft.com/office/powerpoint/2010/main" val="71342531"/>
-      </p:ext>
-    </p:extLst>
-  </p:cSld>
-  <p:clrMapOvr>
-    <a:masterClrMapping/>
-  </p:clrMapOvr>
-</p:sld>
-</file>
-
 <file path=ppt/slides/slide3.xml><?xml version="1.0" encoding="utf-8"?>
 <p:sld xmlns:a="http://schemas.openxmlformats.org/drawingml/2006/main" xmlns:r="http://schemas.openxmlformats.org/officeDocument/2006/relationships" xmlns:p="http://schemas.openxmlformats.org/presentationml/2006/main">
   <p:cSld>
@@ -7383,26 +11369,17 @@
         </p:spPr>
         <p:txBody>
           <a:bodyPr>
-            <a:normAutofit fontScale="62500" lnSpcReduction="20000"/>
+            <a:normAutofit fontScale="77500" lnSpcReduction="20000"/>
           </a:bodyPr>
           <a:lstStyle/>
           <a:p>
             <a:r>
+              <a:rPr lang="en-US" dirty="0" smtClean="0"/>
+              <a:t>In </a:t>
+            </a:r>
+            <a:r>
               <a:rPr lang="en-US" dirty="0"/>
-              <a:t>Pigs usually do not fly and planes usually do not swim. Nonetheless, we should still recognize a pig were one to appear at the top of the </a:t>
-            </a:r>
-            <a:r>
-              <a:rPr lang="en-US" dirty="0" smtClean="0"/>
-              <a:t>image</a:t>
-            </a:r>
-          </a:p>
-          <a:p>
-            <a:endParaRPr lang="en-US" dirty="0"/>
-          </a:p>
-          <a:p>
-            <a:r>
-              <a:rPr lang="en-US" dirty="0"/>
-              <a:t>In the earliest layers, our network should respond similarly to the same patch, regardless of where it appears in the image. This principle is called </a:t>
+              <a:t>the earliest layers, our network should respond similarly to the same patch, regardless of where it appears in the image. This principle is called </a:t>
             </a:r>
             <a:r>
               <a:rPr lang="en-US" i="1" dirty="0"/>
@@ -7518,6 +11495,250 @@
           <a:bodyPr/>
           <a:lstStyle/>
           <a:p>
+            <a:endParaRPr lang="en-US"/>
+          </a:p>
+        </p:txBody>
+      </p:sp>
+      <p:sp>
+        <p:nvSpPr>
+          <p:cNvPr id="3" name="Content Placeholder 2"/>
+          <p:cNvSpPr>
+            <a:spLocks noGrp="1"/>
+          </p:cNvSpPr>
+          <p:nvPr>
+            <p:ph idx="1"/>
+          </p:nvPr>
+        </p:nvSpPr>
+        <p:spPr/>
+        <p:txBody>
+          <a:bodyPr/>
+          <a:lstStyle/>
+          <a:p>
+            <a:r>
+              <a:rPr lang="en-US" smtClean="0"/>
+              <a:t>Notebook augmentation</a:t>
+            </a:r>
+            <a:endParaRPr lang="en-US"/>
+          </a:p>
+        </p:txBody>
+      </p:sp>
+    </p:spTree>
+    <p:extLst>
+      <p:ext uri="{BB962C8B-B14F-4D97-AF65-F5344CB8AC3E}">
+        <p14:creationId xmlns:p14="http://schemas.microsoft.com/office/powerpoint/2010/main" val="3944893903"/>
+      </p:ext>
+    </p:extLst>
+  </p:cSld>
+  <p:clrMapOvr>
+    <a:masterClrMapping/>
+  </p:clrMapOvr>
+</p:sld>
+</file>
+
+<file path=ppt/slides/slide31.xml><?xml version="1.0" encoding="utf-8"?>
+<p:sld xmlns:a="http://schemas.openxmlformats.org/drawingml/2006/main" xmlns:r="http://schemas.openxmlformats.org/officeDocument/2006/relationships" xmlns:p="http://schemas.openxmlformats.org/presentationml/2006/main">
+  <p:cSld>
+    <p:spTree>
+      <p:nvGrpSpPr>
+        <p:cNvPr id="1" name=""/>
+        <p:cNvGrpSpPr/>
+        <p:nvPr/>
+      </p:nvGrpSpPr>
+      <p:grpSpPr>
+        <a:xfrm>
+          <a:off x="0" y="0"/>
+          <a:ext cx="0" cy="0"/>
+          <a:chOff x="0" y="0"/>
+          <a:chExt cx="0" cy="0"/>
+        </a:xfrm>
+      </p:grpSpPr>
+      <p:sp>
+        <p:nvSpPr>
+          <p:cNvPr id="4" name="Title 3"/>
+          <p:cNvSpPr>
+            <a:spLocks noGrp="1"/>
+          </p:cNvSpPr>
+          <p:nvPr>
+            <p:ph type="title"/>
+          </p:nvPr>
+        </p:nvSpPr>
+        <p:spPr/>
+        <p:txBody>
+          <a:bodyPr/>
+          <a:lstStyle/>
+          <a:p>
+            <a:r>
+              <a:rPr lang="fr-FR" dirty="0" err="1" smtClean="0"/>
+              <a:t>Transposed</a:t>
+            </a:r>
+            <a:r>
+              <a:rPr lang="fr-FR" dirty="0" smtClean="0"/>
+              <a:t> convolution</a:t>
+            </a:r>
+            <a:endParaRPr lang="en-US" dirty="0"/>
+          </a:p>
+        </p:txBody>
+      </p:sp>
+      <p:sp>
+        <p:nvSpPr>
+          <p:cNvPr id="5" name="Text Placeholder 4"/>
+          <p:cNvSpPr>
+            <a:spLocks noGrp="1"/>
+          </p:cNvSpPr>
+          <p:nvPr>
+            <p:ph type="body" idx="1"/>
+          </p:nvPr>
+        </p:nvSpPr>
+        <p:spPr/>
+        <p:txBody>
+          <a:bodyPr/>
+          <a:lstStyle/>
+          <a:p>
+            <a:endParaRPr lang="en-US"/>
+          </a:p>
+        </p:txBody>
+      </p:sp>
+    </p:spTree>
+    <p:extLst>
+      <p:ext uri="{BB962C8B-B14F-4D97-AF65-F5344CB8AC3E}">
+        <p14:creationId xmlns:p14="http://schemas.microsoft.com/office/powerpoint/2010/main" val="4148077118"/>
+      </p:ext>
+    </p:extLst>
+  </p:cSld>
+  <p:clrMapOvr>
+    <a:masterClrMapping/>
+  </p:clrMapOvr>
+</p:sld>
+</file>
+
+<file path=ppt/slides/slide32.xml><?xml version="1.0" encoding="utf-8"?>
+<p:sld xmlns:a="http://schemas.openxmlformats.org/drawingml/2006/main" xmlns:r="http://schemas.openxmlformats.org/officeDocument/2006/relationships" xmlns:p="http://schemas.openxmlformats.org/presentationml/2006/main">
+  <p:cSld>
+    <p:spTree>
+      <p:nvGrpSpPr>
+        <p:cNvPr id="1" name=""/>
+        <p:cNvGrpSpPr/>
+        <p:nvPr/>
+      </p:nvGrpSpPr>
+      <p:grpSpPr>
+        <a:xfrm>
+          <a:off x="0" y="0"/>
+          <a:ext cx="0" cy="0"/>
+          <a:chOff x="0" y="0"/>
+          <a:chExt cx="0" cy="0"/>
+        </a:xfrm>
+      </p:grpSpPr>
+      <p:sp>
+        <p:nvSpPr>
+          <p:cNvPr id="4" name="Title 3"/>
+          <p:cNvSpPr>
+            <a:spLocks noGrp="1"/>
+          </p:cNvSpPr>
+          <p:nvPr>
+            <p:ph type="title"/>
+          </p:nvPr>
+        </p:nvSpPr>
+        <p:spPr/>
+        <p:txBody>
+          <a:bodyPr/>
+          <a:lstStyle/>
+          <a:p>
+            <a:r>
+              <a:rPr lang="fr-FR" dirty="0" err="1" smtClean="0"/>
+              <a:t>Operation</a:t>
+            </a:r>
+            <a:endParaRPr lang="en-US" dirty="0"/>
+          </a:p>
+        </p:txBody>
+      </p:sp>
+      <p:sp>
+        <p:nvSpPr>
+          <p:cNvPr id="5" name="Content Placeholder 4"/>
+          <p:cNvSpPr>
+            <a:spLocks noGrp="1"/>
+          </p:cNvSpPr>
+          <p:nvPr>
+            <p:ph idx="1"/>
+          </p:nvPr>
+        </p:nvSpPr>
+        <p:spPr/>
+        <p:txBody>
+          <a:bodyPr/>
+          <a:lstStyle/>
+          <a:p>
+            <a:endParaRPr lang="en-US"/>
+          </a:p>
+        </p:txBody>
+      </p:sp>
+      <p:pic>
+        <p:nvPicPr>
+          <p:cNvPr id="6" name="Picture 5"/>
+          <p:cNvPicPr>
+            <a:picLocks noChangeAspect="1"/>
+          </p:cNvPicPr>
+          <p:nvPr/>
+        </p:nvPicPr>
+        <p:blipFill>
+          <a:blip r:embed="rId3"/>
+          <a:stretch>
+            <a:fillRect/>
+          </a:stretch>
+        </p:blipFill>
+        <p:spPr>
+          <a:xfrm>
+            <a:off x="3271837" y="2157412"/>
+            <a:ext cx="5648325" cy="2543175"/>
+          </a:xfrm>
+          <a:prstGeom prst="rect">
+            <a:avLst/>
+          </a:prstGeom>
+        </p:spPr>
+      </p:pic>
+    </p:spTree>
+    <p:extLst>
+      <p:ext uri="{BB962C8B-B14F-4D97-AF65-F5344CB8AC3E}">
+        <p14:creationId xmlns:p14="http://schemas.microsoft.com/office/powerpoint/2010/main" val="71342531"/>
+      </p:ext>
+    </p:extLst>
+  </p:cSld>
+  <p:clrMapOvr>
+    <a:masterClrMapping/>
+  </p:clrMapOvr>
+</p:sld>
+</file>
+
+<file path=ppt/slides/slide33.xml><?xml version="1.0" encoding="utf-8"?>
+<p:sld xmlns:a="http://schemas.openxmlformats.org/drawingml/2006/main" xmlns:r="http://schemas.openxmlformats.org/officeDocument/2006/relationships" xmlns:p="http://schemas.openxmlformats.org/presentationml/2006/main">
+  <p:cSld>
+    <p:spTree>
+      <p:nvGrpSpPr>
+        <p:cNvPr id="1" name=""/>
+        <p:cNvGrpSpPr/>
+        <p:nvPr/>
+      </p:nvGrpSpPr>
+      <p:grpSpPr>
+        <a:xfrm>
+          <a:off x="0" y="0"/>
+          <a:ext cx="0" cy="0"/>
+          <a:chOff x="0" y="0"/>
+          <a:chExt cx="0" cy="0"/>
+        </a:xfrm>
+      </p:grpSpPr>
+      <p:sp>
+        <p:nvSpPr>
+          <p:cNvPr id="2" name="Title 1"/>
+          <p:cNvSpPr>
+            <a:spLocks noGrp="1"/>
+          </p:cNvSpPr>
+          <p:nvPr>
+            <p:ph type="title"/>
+          </p:nvPr>
+        </p:nvSpPr>
+        <p:spPr/>
+        <p:txBody>
+          <a:bodyPr/>
+          <a:lstStyle/>
+          <a:p>
             <a:r>
               <a:rPr lang="fr-FR" dirty="0" err="1" smtClean="0"/>
               <a:t>Padding</a:t>
@@ -7598,7 +11819,7 @@
 </p:sld>
 </file>
 
-<file path=ppt/slides/slide31.xml><?xml version="1.0" encoding="utf-8"?>
+<file path=ppt/slides/slide34.xml><?xml version="1.0" encoding="utf-8"?>
 <p:sld xmlns:a="http://schemas.openxmlformats.org/drawingml/2006/main" xmlns:r="http://schemas.openxmlformats.org/officeDocument/2006/relationships" xmlns:p="http://schemas.openxmlformats.org/presentationml/2006/main">
   <p:cSld>
     <p:spTree>
@@ -7727,8 +11948,44 @@
           <a:lstStyle/>
           <a:p>
             <a:r>
-              <a:rPr lang="en-US" dirty="0" smtClean="0"/>
-              <a:t>Convolution</a:t>
+              <a:rPr lang="en-US" dirty="0" err="1" smtClean="0"/>
+              <a:t>Tại</a:t>
+            </a:r>
+            <a:r>
+              <a:rPr lang="en-US" dirty="0" smtClean="0"/>
+              <a:t> </a:t>
+            </a:r>
+            <a:r>
+              <a:rPr lang="en-US" dirty="0" err="1" smtClean="0"/>
+              <a:t>sao</a:t>
+            </a:r>
+            <a:r>
+              <a:rPr lang="en-US" dirty="0" smtClean="0"/>
+              <a:t> </a:t>
+            </a:r>
+            <a:r>
+              <a:rPr lang="en-US" dirty="0" err="1" smtClean="0"/>
+              <a:t>phải</a:t>
+            </a:r>
+            <a:r>
+              <a:rPr lang="en-US" dirty="0" smtClean="0"/>
+              <a:t> </a:t>
+            </a:r>
+            <a:r>
+              <a:rPr lang="en-US" dirty="0" err="1" smtClean="0"/>
+              <a:t>sử</a:t>
+            </a:r>
+            <a:r>
+              <a:rPr lang="en-US" dirty="0" smtClean="0"/>
+              <a:t> </a:t>
+            </a:r>
+            <a:r>
+              <a:rPr lang="en-US" dirty="0" err="1" smtClean="0"/>
+              <a:t>dụng</a:t>
+            </a:r>
+            <a:r>
+              <a:rPr lang="en-US" dirty="0" smtClean="0"/>
+              <a:t> CNN</a:t>
             </a:r>
             <a:endParaRPr lang="en-US" dirty="0"/>
           </a:p>
@@ -7749,62 +12006,327 @@
           <a:bodyPr/>
           <a:lstStyle/>
           <a:p>
-            <a:endParaRPr lang="en-US"/>
-          </a:p>
-        </p:txBody>
-      </p:sp>
-      <p:pic>
-        <p:nvPicPr>
-          <p:cNvPr id="4" name="Picture 3"/>
-          <p:cNvPicPr>
-            <a:picLocks noChangeAspect="1"/>
-          </p:cNvPicPr>
-          <p:nvPr/>
-        </p:nvPicPr>
-        <p:blipFill>
-          <a:blip r:embed="rId2"/>
-          <a:stretch>
-            <a:fillRect/>
-          </a:stretch>
-        </p:blipFill>
-        <p:spPr>
-          <a:xfrm>
-            <a:off x="2815737" y="2039082"/>
-            <a:ext cx="6877050" cy="2305050"/>
-          </a:xfrm>
-          <a:prstGeom prst="rect">
-            <a:avLst/>
-          </a:prstGeom>
-        </p:spPr>
-      </p:pic>
-      <p:pic>
-        <p:nvPicPr>
-          <p:cNvPr id="5" name="Picture 4"/>
-          <p:cNvPicPr>
-            <a:picLocks noChangeAspect="1"/>
-          </p:cNvPicPr>
-          <p:nvPr/>
-        </p:nvPicPr>
-        <p:blipFill>
-          <a:blip r:embed="rId3"/>
-          <a:stretch>
-            <a:fillRect/>
-          </a:stretch>
-        </p:blipFill>
-        <p:spPr>
-          <a:xfrm>
-            <a:off x="2610949" y="4803347"/>
-            <a:ext cx="7286625" cy="914400"/>
-          </a:xfrm>
-          <a:prstGeom prst="rect">
-            <a:avLst/>
-          </a:prstGeom>
-        </p:spPr>
-      </p:pic>
+            <a:r>
+              <a:rPr lang="en-US" dirty="0" err="1" smtClean="0"/>
+              <a:t>Vị</a:t>
+            </a:r>
+            <a:r>
+              <a:rPr lang="en-US" dirty="0" smtClean="0"/>
+              <a:t> </a:t>
+            </a:r>
+            <a:r>
+              <a:rPr lang="en-US" dirty="0" err="1" smtClean="0"/>
+              <a:t>trí</a:t>
+            </a:r>
+            <a:r>
+              <a:rPr lang="en-US" dirty="0" smtClean="0"/>
+              <a:t> </a:t>
+            </a:r>
+            <a:r>
+              <a:rPr lang="en-US" dirty="0" err="1" smtClean="0"/>
+              <a:t>của</a:t>
+            </a:r>
+            <a:r>
+              <a:rPr lang="en-US" dirty="0" smtClean="0"/>
+              <a:t> </a:t>
+            </a:r>
+            <a:r>
+              <a:rPr lang="en-US" dirty="0" err="1" smtClean="0"/>
+              <a:t>vật</a:t>
+            </a:r>
+            <a:r>
+              <a:rPr lang="en-US" dirty="0" smtClean="0"/>
+              <a:t> </a:t>
+            </a:r>
+            <a:r>
+              <a:rPr lang="en-US" dirty="0" err="1" smtClean="0"/>
+              <a:t>thể</a:t>
+            </a:r>
+            <a:r>
+              <a:rPr lang="en-US" dirty="0" smtClean="0"/>
+              <a:t> </a:t>
+            </a:r>
+            <a:r>
+              <a:rPr lang="en-US" dirty="0" err="1" smtClean="0"/>
+              <a:t>không</a:t>
+            </a:r>
+            <a:r>
+              <a:rPr lang="en-US" dirty="0" smtClean="0"/>
+              <a:t> </a:t>
+            </a:r>
+            <a:r>
+              <a:rPr lang="en-US" dirty="0" err="1" smtClean="0"/>
+              <a:t>ảnh</a:t>
+            </a:r>
+            <a:r>
+              <a:rPr lang="en-US" dirty="0" smtClean="0"/>
+              <a:t> </a:t>
+            </a:r>
+            <a:r>
+              <a:rPr lang="en-US" dirty="0" err="1" smtClean="0"/>
+              <a:t>hưởng</a:t>
+            </a:r>
+            <a:r>
+              <a:rPr lang="en-US" dirty="0" smtClean="0"/>
+              <a:t> </a:t>
+            </a:r>
+            <a:r>
+              <a:rPr lang="en-US" dirty="0" err="1" smtClean="0"/>
+              <a:t>đến</a:t>
+            </a:r>
+            <a:r>
+              <a:rPr lang="en-US" dirty="0" smtClean="0"/>
+              <a:t> </a:t>
+            </a:r>
+            <a:r>
+              <a:rPr lang="en-US" dirty="0" err="1" smtClean="0"/>
+              <a:t>tính</a:t>
+            </a:r>
+            <a:r>
+              <a:rPr lang="en-US" dirty="0" smtClean="0"/>
+              <a:t> </a:t>
+            </a:r>
+            <a:r>
+              <a:rPr lang="en-US" dirty="0" err="1" smtClean="0"/>
+              <a:t>chất</a:t>
+            </a:r>
+            <a:r>
+              <a:rPr lang="en-US" dirty="0" smtClean="0"/>
+              <a:t> </a:t>
+            </a:r>
+            <a:r>
+              <a:rPr lang="en-US" dirty="0" err="1" smtClean="0"/>
+              <a:t>của</a:t>
+            </a:r>
+            <a:r>
+              <a:rPr lang="en-US" dirty="0" smtClean="0"/>
+              <a:t> </a:t>
+            </a:r>
+            <a:r>
+              <a:rPr lang="en-US" dirty="0" err="1" smtClean="0"/>
+              <a:t>vật</a:t>
+            </a:r>
+            <a:r>
+              <a:rPr lang="en-US" dirty="0" smtClean="0"/>
+              <a:t> </a:t>
+            </a:r>
+            <a:r>
+              <a:rPr lang="en-US" dirty="0" err="1" smtClean="0"/>
+              <a:t>thể</a:t>
+            </a:r>
+            <a:r>
+              <a:rPr lang="en-US" dirty="0" smtClean="0"/>
+              <a:t> (</a:t>
+            </a:r>
+            <a:r>
+              <a:rPr lang="en-US" dirty="0" err="1" smtClean="0"/>
+              <a:t>spacial</a:t>
+            </a:r>
+            <a:r>
+              <a:rPr lang="en-US" dirty="0" smtClean="0"/>
+              <a:t> invariance)</a:t>
+            </a:r>
+          </a:p>
+          <a:p>
+            <a:r>
+              <a:rPr lang="en-US" dirty="0" err="1" smtClean="0"/>
+              <a:t>Giảm</a:t>
+            </a:r>
+            <a:r>
+              <a:rPr lang="en-US" dirty="0" smtClean="0"/>
+              <a:t> </a:t>
+            </a:r>
+            <a:r>
+              <a:rPr lang="en-US" dirty="0" err="1" smtClean="0"/>
+              <a:t>số</a:t>
+            </a:r>
+            <a:r>
+              <a:rPr lang="en-US" dirty="0" smtClean="0"/>
+              <a:t> </a:t>
+            </a:r>
+            <a:r>
+              <a:rPr lang="en-US" dirty="0" err="1" smtClean="0"/>
+              <a:t>lượng</a:t>
+            </a:r>
+            <a:r>
+              <a:rPr lang="en-US" dirty="0" smtClean="0"/>
+              <a:t> </a:t>
+            </a:r>
+            <a:r>
+              <a:rPr lang="en-US" dirty="0" err="1" smtClean="0"/>
+              <a:t>thông</a:t>
+            </a:r>
+            <a:r>
+              <a:rPr lang="en-US" dirty="0" smtClean="0"/>
+              <a:t> </a:t>
+            </a:r>
+            <a:r>
+              <a:rPr lang="en-US" dirty="0" err="1" smtClean="0"/>
+              <a:t>số</a:t>
+            </a:r>
+            <a:r>
+              <a:rPr lang="en-US" dirty="0" smtClean="0"/>
+              <a:t> </a:t>
+            </a:r>
+            <a:r>
+              <a:rPr lang="en-US" dirty="0" err="1" smtClean="0"/>
+              <a:t>của</a:t>
+            </a:r>
+            <a:r>
+              <a:rPr lang="en-US" dirty="0" smtClean="0"/>
+              <a:t> </a:t>
+            </a:r>
+            <a:r>
+              <a:rPr lang="en-US" dirty="0" err="1" smtClean="0"/>
+              <a:t>mô</a:t>
+            </a:r>
+            <a:r>
+              <a:rPr lang="en-US" dirty="0" smtClean="0"/>
+              <a:t> </a:t>
+            </a:r>
+            <a:r>
+              <a:rPr lang="en-US" dirty="0" err="1" smtClean="0"/>
+              <a:t>hình</a:t>
+            </a:r>
+            <a:r>
+              <a:rPr lang="en-US" dirty="0" smtClean="0"/>
+              <a:t> so </a:t>
+            </a:r>
+            <a:r>
+              <a:rPr lang="en-US" dirty="0" err="1" smtClean="0"/>
+              <a:t>với</a:t>
+            </a:r>
+            <a:r>
+              <a:rPr lang="en-US" dirty="0" smtClean="0"/>
+              <a:t> fully connected layer</a:t>
+            </a:r>
+          </a:p>
+          <a:p>
+            <a:r>
+              <a:rPr lang="en-US" dirty="0" err="1" smtClean="0"/>
+              <a:t>Những</a:t>
+            </a:r>
+            <a:r>
+              <a:rPr lang="en-US" dirty="0" smtClean="0"/>
+              <a:t> </a:t>
+            </a:r>
+            <a:r>
+              <a:rPr lang="en-US" dirty="0" err="1" smtClean="0"/>
+              <a:t>lớp</a:t>
+            </a:r>
+            <a:r>
+              <a:rPr lang="en-US" dirty="0" smtClean="0"/>
+              <a:t> </a:t>
+            </a:r>
+            <a:r>
+              <a:rPr lang="en-US" dirty="0" err="1" smtClean="0"/>
+              <a:t>đầu</a:t>
+            </a:r>
+            <a:r>
+              <a:rPr lang="en-US" dirty="0" smtClean="0"/>
+              <a:t> </a:t>
+            </a:r>
+            <a:r>
+              <a:rPr lang="en-US" dirty="0" err="1" smtClean="0"/>
+              <a:t>của</a:t>
+            </a:r>
+            <a:r>
+              <a:rPr lang="en-US" dirty="0" smtClean="0"/>
+              <a:t> </a:t>
+            </a:r>
+            <a:r>
+              <a:rPr lang="en-US" dirty="0" err="1" smtClean="0"/>
+              <a:t>mô</a:t>
+            </a:r>
+            <a:r>
+              <a:rPr lang="en-US" dirty="0" smtClean="0"/>
+              <a:t> </a:t>
+            </a:r>
+            <a:r>
+              <a:rPr lang="en-US" dirty="0" err="1" smtClean="0"/>
+              <a:t>hình</a:t>
+            </a:r>
+            <a:r>
+              <a:rPr lang="en-US" dirty="0" smtClean="0"/>
+              <a:t> </a:t>
+            </a:r>
+            <a:r>
+              <a:rPr lang="en-US" dirty="0" err="1" smtClean="0"/>
+              <a:t>tập</a:t>
+            </a:r>
+            <a:r>
+              <a:rPr lang="en-US" dirty="0" smtClean="0"/>
+              <a:t> </a:t>
+            </a:r>
+            <a:r>
+              <a:rPr lang="en-US" dirty="0" err="1" smtClean="0"/>
+              <a:t>trung</a:t>
+            </a:r>
+            <a:r>
+              <a:rPr lang="en-US" dirty="0" smtClean="0"/>
+              <a:t> </a:t>
+            </a:r>
+            <a:r>
+              <a:rPr lang="en-US" dirty="0" err="1" smtClean="0"/>
+              <a:t>thông</a:t>
+            </a:r>
+            <a:r>
+              <a:rPr lang="en-US" dirty="0" smtClean="0"/>
+              <a:t> tin </a:t>
+            </a:r>
+            <a:r>
+              <a:rPr lang="en-US" dirty="0" err="1" smtClean="0"/>
+              <a:t>của</a:t>
+            </a:r>
+            <a:r>
+              <a:rPr lang="en-US" dirty="0" smtClean="0"/>
+              <a:t> </a:t>
+            </a:r>
+            <a:r>
+              <a:rPr lang="en-US" dirty="0" err="1" smtClean="0"/>
+              <a:t>một</a:t>
+            </a:r>
+            <a:r>
+              <a:rPr lang="en-US" dirty="0" smtClean="0"/>
+              <a:t> </a:t>
+            </a:r>
+            <a:r>
+              <a:rPr lang="en-US" dirty="0" err="1" smtClean="0"/>
+              <a:t>vùng</a:t>
+            </a:r>
+            <a:r>
+              <a:rPr lang="en-US" dirty="0" smtClean="0"/>
+              <a:t> </a:t>
+            </a:r>
+            <a:r>
+              <a:rPr lang="en-US" dirty="0" err="1" smtClean="0"/>
+              <a:t>nhỏ</a:t>
+            </a:r>
+            <a:r>
+              <a:rPr lang="en-US" dirty="0" smtClean="0"/>
+              <a:t> </a:t>
+            </a:r>
+            <a:r>
+              <a:rPr lang="en-US" dirty="0" err="1" smtClean="0"/>
+              <a:t>trên</a:t>
+            </a:r>
+            <a:r>
+              <a:rPr lang="en-US" dirty="0" smtClean="0"/>
+              <a:t> input (locality)</a:t>
+            </a:r>
+          </a:p>
+          <a:p>
+            <a:endParaRPr lang="en-US" dirty="0"/>
+          </a:p>
+          <a:p>
+            <a:endParaRPr lang="en-US" dirty="0"/>
+          </a:p>
+        </p:txBody>
+      </p:sp>
     </p:spTree>
     <p:extLst>
       <p:ext uri="{BB962C8B-B14F-4D97-AF65-F5344CB8AC3E}">
-        <p14:creationId xmlns:p14="http://schemas.microsoft.com/office/powerpoint/2010/main" val="2440544149"/>
+        <p14:creationId xmlns:p14="http://schemas.microsoft.com/office/powerpoint/2010/main" val="1644221908"/>
       </p:ext>
     </p:extLst>
   </p:cSld>
@@ -7847,8 +12369,36 @@
           <a:lstStyle/>
           <a:p>
             <a:r>
-              <a:rPr lang="en-US" dirty="0" smtClean="0"/>
-              <a:t>Learning kernel</a:t>
+              <a:rPr lang="en-US" dirty="0" err="1" smtClean="0"/>
+              <a:t>Phép</a:t>
+            </a:r>
+            <a:r>
+              <a:rPr lang="en-US" dirty="0" smtClean="0"/>
+              <a:t> </a:t>
+            </a:r>
+            <a:r>
+              <a:rPr lang="en-US" dirty="0" err="1" smtClean="0"/>
+              <a:t>tính</a:t>
+            </a:r>
+            <a:r>
+              <a:rPr lang="en-US" dirty="0" smtClean="0"/>
+              <a:t> </a:t>
+            </a:r>
+            <a:r>
+              <a:rPr lang="en-US" dirty="0" err="1" smtClean="0"/>
+              <a:t>tích</a:t>
+            </a:r>
+            <a:r>
+              <a:rPr lang="en-US" dirty="0" smtClean="0"/>
+              <a:t> </a:t>
+            </a:r>
+            <a:r>
+              <a:rPr lang="en-US" dirty="0" err="1" smtClean="0"/>
+              <a:t>chập</a:t>
+            </a:r>
+            <a:r>
+              <a:rPr lang="en-US" dirty="0" smtClean="0"/>
+              <a:t> (CNN)</a:t>
             </a:r>
             <a:endParaRPr lang="en-US" dirty="0"/>
           </a:p>
@@ -7856,38 +12406,66 @@
       </p:sp>
       <p:sp>
         <p:nvSpPr>
-          <p:cNvPr id="7" name="Content Placeholder 6"/>
-          <p:cNvSpPr>
-            <a:spLocks noGrp="1"/>
-          </p:cNvSpPr>
-          <p:nvPr>
-            <p:ph idx="1"/>
-          </p:nvPr>
-        </p:nvSpPr>
-        <p:spPr/>
-        <p:txBody>
-          <a:bodyPr/>
+          <p:cNvPr id="11" name="TextBox 10"/>
+          <p:cNvSpPr txBox="1"/>
+          <p:nvPr/>
+        </p:nvSpPr>
+        <p:spPr>
+          <a:xfrm>
+            <a:off x="1494419" y="4446872"/>
+            <a:ext cx="3931654" cy="923330"/>
+          </a:xfrm>
+          <a:prstGeom prst="rect">
+            <a:avLst/>
+          </a:prstGeom>
+          <a:noFill/>
+        </p:spPr>
+        <p:txBody>
+          <a:bodyPr wrap="none" rtlCol="0">
+            <a:spAutoFit/>
+          </a:bodyPr>
           <a:lstStyle/>
           <a:p>
             <a:r>
-              <a:rPr lang="en-US" dirty="0" smtClean="0"/>
-              <a:t>Example code training CNN</a:t>
-            </a:r>
-          </a:p>
-          <a:p>
-            <a:endParaRPr lang="en-US" dirty="0" smtClean="0"/>
-          </a:p>
-          <a:p>
-            <a:r>
-              <a:rPr lang="en-US" dirty="0" smtClean="0"/>
-              <a:t>Feature map</a:t>
-            </a:r>
+              <a:rPr lang="en-US" dirty="0" err="1" smtClean="0"/>
+              <a:t>Với</a:t>
+            </a:r>
+            <a:r>
+              <a:rPr lang="en-US" dirty="0" smtClean="0"/>
+              <a:t> input size </a:t>
+            </a:r>
+            <a:r>
+              <a:rPr lang="en-US" dirty="0" err="1" smtClean="0"/>
+              <a:t>nh</a:t>
+            </a:r>
+            <a:r>
+              <a:rPr lang="en-US" dirty="0" smtClean="0"/>
+              <a:t>*</a:t>
+            </a:r>
+            <a:r>
+              <a:rPr lang="en-US" dirty="0" err="1" smtClean="0"/>
+              <a:t>nw</a:t>
+            </a:r>
+            <a:r>
+              <a:rPr lang="en-US" dirty="0" smtClean="0"/>
+              <a:t>, kernel size </a:t>
+            </a:r>
+            <a:r>
+              <a:rPr lang="en-US" dirty="0" err="1" smtClean="0"/>
+              <a:t>kh</a:t>
+            </a:r>
+            <a:r>
+              <a:rPr lang="en-US" dirty="0" smtClean="0"/>
+              <a:t>*kw:</a:t>
+            </a:r>
+          </a:p>
+          <a:p>
             <a:endParaRPr lang="en-US" dirty="0"/>
           </a:p>
           <a:p>
             <a:r>
               <a:rPr lang="en-US" dirty="0" smtClean="0"/>
-              <a:t>Receptive field</a:t>
+              <a:t>Output size: (nh-kh+1)*(nw-kw+1)</a:t>
             </a:r>
             <a:endParaRPr lang="en-US" dirty="0"/>
           </a:p>
@@ -7895,7 +12473,7 @@
       </p:sp>
       <p:pic>
         <p:nvPicPr>
-          <p:cNvPr id="3" name="Picture 2"/>
+          <p:cNvPr id="12" name="Picture 11"/>
           <p:cNvPicPr>
             <a:picLocks noChangeAspect="1"/>
           </p:cNvPicPr>
@@ -7909,7 +12487,7 @@
         </p:blipFill>
         <p:spPr>
           <a:xfrm>
-            <a:off x="4367212" y="2771775"/>
+            <a:off x="4482716" y="2271261"/>
             <a:ext cx="3457575" cy="1314450"/>
           </a:xfrm>
           <a:prstGeom prst="rect">
@@ -7920,7 +12498,7 @@
     </p:spTree>
     <p:extLst>
       <p:ext uri="{BB962C8B-B14F-4D97-AF65-F5344CB8AC3E}">
-        <p14:creationId xmlns:p14="http://schemas.microsoft.com/office/powerpoint/2010/main" val="626144634"/>
+        <p14:creationId xmlns:p14="http://schemas.microsoft.com/office/powerpoint/2010/main" val="2440544149"/>
       </p:ext>
     </p:extLst>
   </p:cSld>
@@ -7963,8 +12541,44 @@
           <a:lstStyle/>
           <a:p>
             <a:r>
-              <a:rPr lang="en-US" dirty="0" smtClean="0"/>
-              <a:t>Padding</a:t>
+              <a:rPr lang="en-US" dirty="0" err="1" smtClean="0"/>
+              <a:t>Huấn</a:t>
+            </a:r>
+            <a:r>
+              <a:rPr lang="en-US" dirty="0" smtClean="0"/>
+              <a:t> </a:t>
+            </a:r>
+            <a:r>
+              <a:rPr lang="en-US" dirty="0" err="1" smtClean="0"/>
+              <a:t>luyện</a:t>
+            </a:r>
+            <a:r>
+              <a:rPr lang="en-US" dirty="0" smtClean="0"/>
+              <a:t> </a:t>
+            </a:r>
+            <a:r>
+              <a:rPr lang="en-US" dirty="0" err="1" smtClean="0"/>
+              <a:t>lớp</a:t>
+            </a:r>
+            <a:r>
+              <a:rPr lang="en-US" dirty="0" smtClean="0"/>
+              <a:t> </a:t>
+            </a:r>
+            <a:r>
+              <a:rPr lang="en-US" dirty="0" err="1" smtClean="0"/>
+              <a:t>tích</a:t>
+            </a:r>
+            <a:r>
+              <a:rPr lang="en-US" dirty="0" smtClean="0"/>
+              <a:t> </a:t>
+            </a:r>
+            <a:r>
+              <a:rPr lang="en-US" dirty="0" err="1" smtClean="0"/>
+              <a:t>chập</a:t>
+            </a:r>
+            <a:r>
+              <a:rPr lang="en-US" dirty="0" smtClean="0"/>
+              <a:t> (CNN)</a:t>
             </a:r>
             <a:endParaRPr lang="en-US" dirty="0"/>
           </a:p>
@@ -7972,7 +12586,7 @@
       </p:sp>
       <p:sp>
         <p:nvSpPr>
-          <p:cNvPr id="3" name="Content Placeholder 2"/>
+          <p:cNvPr id="7" name="Content Placeholder 6"/>
           <p:cNvSpPr>
             <a:spLocks noGrp="1"/>
           </p:cNvSpPr>
@@ -7980,98 +12594,116 @@
             <p:ph idx="1"/>
           </p:nvPr>
         </p:nvSpPr>
-        <p:spPr>
-          <a:xfrm>
-            <a:off x="838200" y="1825625"/>
-            <a:ext cx="5773615" cy="4351338"/>
-          </a:xfrm>
-        </p:spPr>
+        <p:spPr/>
         <p:txBody>
           <a:bodyPr/>
           <a:lstStyle/>
           <a:p>
             <a:r>
-              <a:rPr lang="en-US" dirty="0"/>
-              <a:t> lose pixels on the perimeter of our image</a:t>
-            </a:r>
-            <a:endParaRPr lang="en-US" dirty="0" smtClean="0"/>
-          </a:p>
-          <a:p>
-            <a:r>
-              <a:rPr lang="en-US" dirty="0" smtClean="0"/>
-              <a:t>Output shape:</a:t>
-            </a:r>
-          </a:p>
-          <a:p>
+              <a:rPr lang="en-US" dirty="0" smtClean="0"/>
+              <a:t>Feature map: </a:t>
+            </a:r>
+            <a:r>
+              <a:rPr lang="en-US" dirty="0" err="1"/>
+              <a:t>đ</a:t>
+            </a:r>
+            <a:r>
+              <a:rPr lang="en-US" dirty="0" err="1" smtClean="0"/>
+              <a:t>ầu</a:t>
+            </a:r>
+            <a:r>
+              <a:rPr lang="en-US" dirty="0" smtClean="0"/>
+              <a:t> </a:t>
+            </a:r>
+            <a:r>
+              <a:rPr lang="en-US" dirty="0" err="1" smtClean="0"/>
+              <a:t>ra</a:t>
+            </a:r>
+            <a:r>
+              <a:rPr lang="en-US" dirty="0" smtClean="0"/>
+              <a:t> </a:t>
+            </a:r>
+            <a:r>
+              <a:rPr lang="en-US" dirty="0" err="1" smtClean="0"/>
+              <a:t>của</a:t>
+            </a:r>
+            <a:r>
+              <a:rPr lang="en-US" dirty="0" smtClean="0"/>
+              <a:t> </a:t>
+            </a:r>
+            <a:r>
+              <a:rPr lang="en-US" dirty="0" err="1" smtClean="0"/>
+              <a:t>lớp</a:t>
+            </a:r>
+            <a:r>
+              <a:rPr lang="en-US" dirty="0" smtClean="0"/>
+              <a:t> convolutional </a:t>
+            </a:r>
             <a:endParaRPr lang="en-US" dirty="0"/>
           </a:p>
           <a:p>
-            <a:endParaRPr lang="en-US" dirty="0" smtClean="0"/>
+            <a:r>
+              <a:rPr lang="en-US" dirty="0" smtClean="0"/>
+              <a:t>Receptive field: </a:t>
+            </a:r>
+            <a:r>
+              <a:rPr lang="en-US" dirty="0" err="1" smtClean="0"/>
+              <a:t>phần</a:t>
+            </a:r>
+            <a:r>
+              <a:rPr lang="en-US" dirty="0" smtClean="0"/>
+              <a:t> ở </a:t>
+            </a:r>
+            <a:r>
+              <a:rPr lang="en-US" dirty="0" err="1" smtClean="0"/>
+              <a:t>trên</a:t>
+            </a:r>
+            <a:r>
+              <a:rPr lang="en-US" dirty="0" smtClean="0"/>
+              <a:t> input </a:t>
+            </a:r>
+            <a:r>
+              <a:rPr lang="en-US" dirty="0" err="1" smtClean="0"/>
+              <a:t>được</a:t>
+            </a:r>
+            <a:r>
+              <a:rPr lang="en-US" dirty="0" smtClean="0"/>
+              <a:t> dung </a:t>
+            </a:r>
+            <a:r>
+              <a:rPr lang="en-US" dirty="0" err="1" smtClean="0"/>
+              <a:t>để</a:t>
+            </a:r>
+            <a:r>
+              <a:rPr lang="en-US" dirty="0" smtClean="0"/>
+              <a:t> </a:t>
+            </a:r>
+            <a:r>
+              <a:rPr lang="en-US" dirty="0" err="1" smtClean="0"/>
+              <a:t>nhân</a:t>
+            </a:r>
+            <a:r>
+              <a:rPr lang="en-US" dirty="0" smtClean="0"/>
+              <a:t> </a:t>
+            </a:r>
+            <a:r>
+              <a:rPr lang="en-US" dirty="0" err="1" smtClean="0"/>
+              <a:t>với</a:t>
+            </a:r>
+            <a:r>
+              <a:rPr lang="en-US" dirty="0" smtClean="0"/>
+              <a:t> kernel</a:t>
+            </a:r>
           </a:p>
           <a:p>
             <a:endParaRPr lang="en-US" dirty="0"/>
           </a:p>
-          <a:p>
-            <a:r>
-              <a:rPr lang="en-US" dirty="0" smtClean="0"/>
-              <a:t>Example code</a:t>
-            </a:r>
-            <a:endParaRPr lang="en-US" dirty="0"/>
-          </a:p>
-        </p:txBody>
-      </p:sp>
-      <p:pic>
-        <p:nvPicPr>
-          <p:cNvPr id="4" name="Picture 3"/>
-          <p:cNvPicPr>
-            <a:picLocks noChangeAspect="1"/>
-          </p:cNvPicPr>
-          <p:nvPr/>
-        </p:nvPicPr>
-        <p:blipFill>
-          <a:blip r:embed="rId2"/>
-          <a:stretch>
-            <a:fillRect/>
-          </a:stretch>
-        </p:blipFill>
-        <p:spPr>
-          <a:xfrm>
-            <a:off x="6743700" y="334961"/>
-            <a:ext cx="4610100" cy="1962150"/>
-          </a:xfrm>
-          <a:prstGeom prst="rect">
-            <a:avLst/>
-          </a:prstGeom>
-        </p:spPr>
-      </p:pic>
-      <p:pic>
-        <p:nvPicPr>
-          <p:cNvPr id="5" name="Picture 4"/>
-          <p:cNvPicPr>
-            <a:picLocks noChangeAspect="1"/>
-          </p:cNvPicPr>
-          <p:nvPr/>
-        </p:nvPicPr>
-        <p:blipFill>
-          <a:blip r:embed="rId3"/>
-          <a:stretch>
-            <a:fillRect/>
-          </a:stretch>
-        </p:blipFill>
-        <p:spPr>
-          <a:xfrm>
-            <a:off x="1437542" y="3334544"/>
-            <a:ext cx="7277100" cy="1333500"/>
-          </a:xfrm>
-          <a:prstGeom prst="rect">
-            <a:avLst/>
-          </a:prstGeom>
-        </p:spPr>
-      </p:pic>
+        </p:txBody>
+      </p:sp>
     </p:spTree>
     <p:extLst>
       <p:ext uri="{BB962C8B-B14F-4D97-AF65-F5344CB8AC3E}">
-        <p14:creationId xmlns:p14="http://schemas.microsoft.com/office/powerpoint/2010/main" val="3121397453"/>
+        <p14:creationId xmlns:p14="http://schemas.microsoft.com/office/powerpoint/2010/main" val="626144634"/>
       </p:ext>
     </p:extLst>
   </p:cSld>
@@ -8114,8 +12746,20 @@
           <a:lstStyle/>
           <a:p>
             <a:r>
-              <a:rPr lang="en-US" dirty="0" smtClean="0"/>
-              <a:t>Stride</a:t>
+              <a:rPr lang="en-US" dirty="0" err="1" smtClean="0"/>
+              <a:t>Lớp</a:t>
+            </a:r>
+            <a:r>
+              <a:rPr lang="en-US" dirty="0" smtClean="0"/>
+              <a:t> </a:t>
+            </a:r>
+            <a:r>
+              <a:rPr lang="en-US" dirty="0" err="1" smtClean="0"/>
+              <a:t>đệm</a:t>
+            </a:r>
+            <a:r>
+              <a:rPr lang="en-US" dirty="0" smtClean="0"/>
+              <a:t> (Padding)</a:t>
             </a:r>
             <a:endParaRPr lang="en-US" dirty="0"/>
           </a:p>
@@ -8131,35 +12775,215 @@
             <p:ph idx="1"/>
           </p:nvPr>
         </p:nvSpPr>
-        <p:spPr/>
-        <p:txBody>
-          <a:bodyPr/>
+        <p:spPr>
+          <a:xfrm>
+            <a:off x="838200" y="1825625"/>
+            <a:ext cx="5773615" cy="4351338"/>
+          </a:xfrm>
+        </p:spPr>
+        <p:txBody>
+          <a:bodyPr>
+            <a:normAutofit/>
+          </a:bodyPr>
           <a:lstStyle/>
           <a:p>
             <a:r>
-              <a:rPr lang="en-US" dirty="0" smtClean="0"/>
-              <a:t>Output shape</a:t>
-            </a:r>
-          </a:p>
-          <a:p>
+              <a:rPr lang="en-US" dirty="0" err="1" smtClean="0"/>
+              <a:t>Giữ</a:t>
+            </a:r>
+            <a:r>
+              <a:rPr lang="en-US" dirty="0" smtClean="0"/>
+              <a:t> </a:t>
+            </a:r>
+            <a:r>
+              <a:rPr lang="en-US" dirty="0" err="1" smtClean="0"/>
+              <a:t>nguyên</a:t>
+            </a:r>
+            <a:r>
+              <a:rPr lang="en-US" dirty="0" smtClean="0"/>
+              <a:t> </a:t>
+            </a:r>
+            <a:r>
+              <a:rPr lang="en-US" dirty="0" err="1" smtClean="0"/>
+              <a:t>kích</a:t>
+            </a:r>
+            <a:r>
+              <a:rPr lang="en-US" dirty="0" smtClean="0"/>
+              <a:t> </a:t>
+            </a:r>
+            <a:r>
+              <a:rPr lang="en-US" dirty="0" err="1" smtClean="0"/>
+              <a:t>thước</a:t>
+            </a:r>
+            <a:r>
+              <a:rPr lang="en-US" dirty="0" smtClean="0"/>
+              <a:t> </a:t>
+            </a:r>
+            <a:r>
+              <a:rPr lang="en-US" dirty="0" err="1" smtClean="0"/>
+              <a:t>của</a:t>
+            </a:r>
+            <a:r>
+              <a:rPr lang="en-US" dirty="0" smtClean="0"/>
+              <a:t> </a:t>
+            </a:r>
+            <a:r>
+              <a:rPr lang="en-US" dirty="0" err="1" smtClean="0"/>
+              <a:t>đầu</a:t>
+            </a:r>
+            <a:r>
+              <a:rPr lang="en-US" dirty="0" smtClean="0"/>
+              <a:t> </a:t>
+            </a:r>
+            <a:r>
+              <a:rPr lang="en-US" dirty="0" err="1" smtClean="0"/>
+              <a:t>ra</a:t>
+            </a:r>
+            <a:endParaRPr lang="en-US" dirty="0" smtClean="0"/>
+          </a:p>
+          <a:p>
+            <a:endParaRPr lang="en-US" dirty="0" smtClean="0"/>
+          </a:p>
+          <a:p>
+            <a:r>
+              <a:rPr lang="en-US" dirty="0" err="1" smtClean="0"/>
+              <a:t>Nếu</a:t>
+            </a:r>
+            <a:r>
+              <a:rPr lang="en-US" dirty="0" smtClean="0"/>
+              <a:t> them </a:t>
+            </a:r>
+            <a:r>
+              <a:rPr lang="en-US" dirty="0" err="1" smtClean="0"/>
+              <a:t>ph</a:t>
+            </a:r>
+            <a:r>
+              <a:rPr lang="en-US" dirty="0" smtClean="0"/>
+              <a:t> </a:t>
+            </a:r>
+            <a:r>
+              <a:rPr lang="en-US" dirty="0" err="1" smtClean="0"/>
+              <a:t>dòng</a:t>
+            </a:r>
+            <a:r>
+              <a:rPr lang="en-US" dirty="0" smtClean="0"/>
+              <a:t> </a:t>
+            </a:r>
+            <a:r>
+              <a:rPr lang="en-US" dirty="0" err="1" smtClean="0"/>
+              <a:t>và</a:t>
+            </a:r>
+            <a:r>
+              <a:rPr lang="en-US" dirty="0" smtClean="0"/>
+              <a:t> pw </a:t>
+            </a:r>
+            <a:r>
+              <a:rPr lang="en-US" dirty="0" err="1" smtClean="0"/>
+              <a:t>cột</a:t>
+            </a:r>
+            <a:r>
+              <a:rPr lang="en-US" dirty="0" smtClean="0"/>
+              <a:t> </a:t>
+            </a:r>
+            <a:r>
+              <a:rPr lang="en-US" dirty="0" err="1" smtClean="0"/>
+              <a:t>vào</a:t>
+            </a:r>
+            <a:r>
+              <a:rPr lang="en-US" dirty="0" smtClean="0"/>
+              <a:t> ma </a:t>
+            </a:r>
+            <a:r>
+              <a:rPr lang="en-US" dirty="0" err="1" smtClean="0"/>
+              <a:t>trận</a:t>
+            </a:r>
+            <a:r>
+              <a:rPr lang="en-US" dirty="0" smtClean="0"/>
+              <a:t> </a:t>
+            </a:r>
+            <a:r>
+              <a:rPr lang="en-US" dirty="0" err="1" smtClean="0"/>
+              <a:t>đầu</a:t>
+            </a:r>
+            <a:r>
+              <a:rPr lang="en-US" dirty="0" smtClean="0"/>
+              <a:t> </a:t>
+            </a:r>
+            <a:r>
+              <a:rPr lang="en-US" dirty="0" err="1" smtClean="0"/>
+              <a:t>vào</a:t>
+            </a:r>
+            <a:r>
+              <a:rPr lang="en-US" dirty="0" smtClean="0"/>
+              <a:t>, </a:t>
+            </a:r>
+            <a:r>
+              <a:rPr lang="en-US" dirty="0" err="1" smtClean="0"/>
+              <a:t>thì</a:t>
+            </a:r>
+            <a:r>
+              <a:rPr lang="en-US" dirty="0" smtClean="0"/>
+              <a:t> </a:t>
+            </a:r>
+            <a:r>
+              <a:rPr lang="en-US" dirty="0" err="1" smtClean="0"/>
+              <a:t>đầu</a:t>
+            </a:r>
+            <a:r>
+              <a:rPr lang="en-US" dirty="0" smtClean="0"/>
+              <a:t> </a:t>
+            </a:r>
+            <a:r>
+              <a:rPr lang="en-US" dirty="0" err="1" smtClean="0"/>
+              <a:t>ra</a:t>
+            </a:r>
+            <a:r>
+              <a:rPr lang="en-US" dirty="0" smtClean="0"/>
+              <a:t> </a:t>
+            </a:r>
+            <a:r>
+              <a:rPr lang="en-US" dirty="0" err="1" smtClean="0"/>
+              <a:t>sẽ</a:t>
+            </a:r>
+            <a:r>
+              <a:rPr lang="en-US" dirty="0" smtClean="0"/>
+              <a:t> </a:t>
+            </a:r>
+            <a:r>
+              <a:rPr lang="en-US" dirty="0" err="1" smtClean="0"/>
+              <a:t>được</a:t>
+            </a:r>
+            <a:r>
+              <a:rPr lang="en-US" dirty="0" smtClean="0"/>
+              <a:t> </a:t>
+            </a:r>
+            <a:r>
+              <a:rPr lang="en-US" dirty="0" err="1" smtClean="0"/>
+              <a:t>tính</a:t>
+            </a:r>
+            <a:r>
+              <a:rPr lang="en-US" dirty="0" smtClean="0"/>
+              <a:t>:</a:t>
+            </a:r>
             <a:endParaRPr lang="en-US" dirty="0"/>
           </a:p>
           <a:p>
+            <a:pPr lvl="1"/>
+            <a:r>
+              <a:rPr lang="en-US" dirty="0" smtClean="0"/>
+              <a:t>(nh-kh+ph+1)*(nw-k+pw+1)</a:t>
+            </a:r>
+          </a:p>
+          <a:p>
+            <a:endParaRPr lang="en-US" dirty="0"/>
+          </a:p>
+          <a:p>
             <a:endParaRPr lang="en-US" dirty="0" smtClean="0"/>
           </a:p>
           <a:p>
-            <a:endParaRPr lang="en-US" dirty="0"/>
-          </a:p>
-          <a:p>
-            <a:endParaRPr lang="en-US" dirty="0" smtClean="0"/>
-          </a:p>
-          <a:p>
-            <a:endParaRPr lang="en-US" dirty="0"/>
-          </a:p>
-          <a:p>
-            <a:r>
-              <a:rPr lang="en-US" dirty="0" smtClean="0"/>
-              <a:t>Example code</a:t>
+            <a:r>
+              <a:rPr lang="en-US" dirty="0" smtClean="0"/>
+              <a:t>Code</a:t>
             </a:r>
             <a:endParaRPr lang="en-US" dirty="0"/>
           </a:p>
@@ -8181,32 +13005,8 @@
         </p:blipFill>
         <p:spPr>
           <a:xfrm>
-            <a:off x="7364291" y="522410"/>
-            <a:ext cx="4057650" cy="1962150"/>
-          </a:xfrm>
-          <a:prstGeom prst="rect">
-            <a:avLst/>
-          </a:prstGeom>
-        </p:spPr>
-      </p:pic>
-      <p:pic>
-        <p:nvPicPr>
-          <p:cNvPr id="5" name="Picture 4"/>
-          <p:cNvPicPr>
-            <a:picLocks noChangeAspect="1"/>
-          </p:cNvPicPr>
-          <p:nvPr/>
-        </p:nvPicPr>
-        <p:blipFill>
-          <a:blip r:embed="rId3"/>
-          <a:stretch>
-            <a:fillRect/>
-          </a:stretch>
-        </p:blipFill>
-        <p:spPr>
-          <a:xfrm>
-            <a:off x="1112227" y="2911719"/>
-            <a:ext cx="7277100" cy="1562100"/>
+            <a:off x="6830328" y="1518318"/>
+            <a:ext cx="4610100" cy="1962150"/>
           </a:xfrm>
           <a:prstGeom prst="rect">
             <a:avLst/>
@@ -8216,7 +13016,7 @@
     </p:spTree>
     <p:extLst>
       <p:ext uri="{BB962C8B-B14F-4D97-AF65-F5344CB8AC3E}">
-        <p14:creationId xmlns:p14="http://schemas.microsoft.com/office/powerpoint/2010/main" val="1527920926"/>
+        <p14:creationId xmlns:p14="http://schemas.microsoft.com/office/powerpoint/2010/main" val="3121397453"/>
       </p:ext>
     </p:extLst>
   </p:cSld>
@@ -8259,8 +13059,20 @@
           <a:lstStyle/>
           <a:p>
             <a:r>
-              <a:rPr lang="en-US" dirty="0" smtClean="0"/>
-              <a:t>Padding and stride</a:t>
+              <a:rPr lang="en-US" dirty="0" err="1" smtClean="0"/>
+              <a:t>Bước</a:t>
+            </a:r>
+            <a:r>
+              <a:rPr lang="en-US" dirty="0" smtClean="0"/>
+              <a:t> </a:t>
+            </a:r>
+            <a:r>
+              <a:rPr lang="en-US" dirty="0" err="1" smtClean="0"/>
+              <a:t>nhảy</a:t>
+            </a:r>
+            <a:r>
+              <a:rPr lang="en-US" dirty="0" smtClean="0"/>
+              <a:t> (stride)</a:t>
             </a:r>
             <a:endParaRPr lang="en-US" dirty="0"/>
           </a:p>
@@ -8276,23 +13088,254 @@
             <p:ph idx="1"/>
           </p:nvPr>
         </p:nvSpPr>
-        <p:spPr/>
-        <p:txBody>
-          <a:bodyPr/>
+        <p:spPr>
+          <a:xfrm>
+            <a:off x="838200" y="1825625"/>
+            <a:ext cx="6996764" cy="4351338"/>
+          </a:xfrm>
+        </p:spPr>
+        <p:txBody>
+          <a:bodyPr>
+            <a:normAutofit lnSpcReduction="10000"/>
+          </a:bodyPr>
           <a:lstStyle/>
           <a:p>
             <a:r>
-              <a:rPr lang="en-US" dirty="0" smtClean="0"/>
-              <a:t>Example code</a:t>
-            </a:r>
+              <a:rPr lang="en-US" dirty="0" err="1" smtClean="0"/>
+              <a:t>Kích</a:t>
+            </a:r>
+            <a:r>
+              <a:rPr lang="en-US" dirty="0" smtClean="0"/>
+              <a:t> </a:t>
+            </a:r>
+            <a:r>
+              <a:rPr lang="en-US" dirty="0" err="1" smtClean="0"/>
+              <a:t>thước</a:t>
+            </a:r>
+            <a:r>
+              <a:rPr lang="en-US" dirty="0" smtClean="0"/>
+              <a:t> </a:t>
+            </a:r>
+            <a:r>
+              <a:rPr lang="en-US" dirty="0" err="1" smtClean="0"/>
+              <a:t>đầu</a:t>
+            </a:r>
+            <a:r>
+              <a:rPr lang="en-US" dirty="0" smtClean="0"/>
+              <a:t> </a:t>
+            </a:r>
+            <a:r>
+              <a:rPr lang="en-US" dirty="0" err="1" smtClean="0"/>
+              <a:t>ra</a:t>
+            </a:r>
+            <a:r>
+              <a:rPr lang="en-US" dirty="0" smtClean="0"/>
+              <a:t> </a:t>
+            </a:r>
+            <a:r>
+              <a:rPr lang="en-US" dirty="0" err="1" smtClean="0"/>
+              <a:t>khi</a:t>
+            </a:r>
+            <a:r>
+              <a:rPr lang="en-US" dirty="0" smtClean="0"/>
+              <a:t> them </a:t>
+            </a:r>
+            <a:r>
+              <a:rPr lang="en-US" dirty="0" err="1" smtClean="0"/>
+              <a:t>bước</a:t>
+            </a:r>
+            <a:r>
+              <a:rPr lang="en-US" dirty="0" smtClean="0"/>
+              <a:t> </a:t>
+            </a:r>
+            <a:r>
+              <a:rPr lang="en-US" dirty="0" err="1" smtClean="0"/>
+              <a:t>nhảy</a:t>
+            </a:r>
+            <a:r>
+              <a:rPr lang="en-US" dirty="0" smtClean="0"/>
+              <a:t> </a:t>
+            </a:r>
+            <a:r>
+              <a:rPr lang="en-US" dirty="0" err="1" smtClean="0"/>
+              <a:t>theo</a:t>
+            </a:r>
+            <a:r>
+              <a:rPr lang="en-US" dirty="0" smtClean="0"/>
+              <a:t> </a:t>
+            </a:r>
+            <a:r>
+              <a:rPr lang="en-US" dirty="0" err="1" smtClean="0"/>
+              <a:t>chiều</a:t>
+            </a:r>
+            <a:r>
+              <a:rPr lang="en-US" dirty="0" smtClean="0"/>
+              <a:t> </a:t>
+            </a:r>
+            <a:r>
+              <a:rPr lang="en-US" dirty="0" err="1" smtClean="0"/>
+              <a:t>dọc</a:t>
+            </a:r>
+            <a:r>
+              <a:rPr lang="en-US" dirty="0" smtClean="0"/>
+              <a:t> </a:t>
+            </a:r>
+            <a:r>
+              <a:rPr lang="en-US" dirty="0" err="1" smtClean="0"/>
+              <a:t>sh</a:t>
+            </a:r>
+            <a:r>
+              <a:rPr lang="en-US" dirty="0" smtClean="0"/>
+              <a:t> </a:t>
+            </a:r>
+            <a:r>
+              <a:rPr lang="en-US" dirty="0" err="1" smtClean="0"/>
+              <a:t>và</a:t>
+            </a:r>
+            <a:r>
+              <a:rPr lang="en-US" dirty="0" smtClean="0"/>
+              <a:t> </a:t>
+            </a:r>
+            <a:r>
+              <a:rPr lang="en-US" dirty="0" err="1" smtClean="0"/>
+              <a:t>bước</a:t>
+            </a:r>
+            <a:r>
+              <a:rPr lang="en-US" dirty="0" smtClean="0"/>
+              <a:t> </a:t>
+            </a:r>
+            <a:r>
+              <a:rPr lang="en-US" dirty="0" err="1" smtClean="0"/>
+              <a:t>nhảy</a:t>
+            </a:r>
+            <a:r>
+              <a:rPr lang="en-US" dirty="0" smtClean="0"/>
+              <a:t> </a:t>
+            </a:r>
+            <a:r>
+              <a:rPr lang="en-US" dirty="0" err="1" smtClean="0"/>
+              <a:t>theo</a:t>
+            </a:r>
+            <a:r>
+              <a:rPr lang="en-US" dirty="0" smtClean="0"/>
+              <a:t> </a:t>
+            </a:r>
+            <a:r>
+              <a:rPr lang="en-US" dirty="0" err="1" smtClean="0"/>
+              <a:t>chiều</a:t>
+            </a:r>
+            <a:r>
+              <a:rPr lang="en-US" dirty="0" smtClean="0"/>
+              <a:t> </a:t>
+            </a:r>
+            <a:r>
+              <a:rPr lang="en-US" dirty="0" err="1" smtClean="0"/>
+              <a:t>ngang</a:t>
+            </a:r>
+            <a:r>
+              <a:rPr lang="en-US" dirty="0" smtClean="0"/>
+              <a:t> </a:t>
+            </a:r>
+            <a:r>
+              <a:rPr lang="en-US" dirty="0" err="1" smtClean="0"/>
+              <a:t>sw</a:t>
+            </a:r>
+            <a:r>
+              <a:rPr lang="en-US" dirty="0" smtClean="0"/>
+              <a:t>: </a:t>
+            </a:r>
+          </a:p>
+          <a:p>
+            <a:pPr lvl="1"/>
+            <a:r>
+              <a:rPr lang="en-US" dirty="0" smtClean="0"/>
+              <a:t>Shape=[(</a:t>
+            </a:r>
+            <a:r>
+              <a:rPr lang="en-US" dirty="0" err="1" smtClean="0"/>
+              <a:t>nh-kh+ph+sh</a:t>
+            </a:r>
+            <a:r>
+              <a:rPr lang="en-US" dirty="0" smtClean="0"/>
+              <a:t>)/</a:t>
+            </a:r>
+            <a:r>
+              <a:rPr lang="en-US" dirty="0" err="1" smtClean="0"/>
+              <a:t>sh</a:t>
+            </a:r>
+            <a:r>
+              <a:rPr lang="en-US" dirty="0" smtClean="0"/>
+              <a:t>]*[(</a:t>
+            </a:r>
+            <a:r>
+              <a:rPr lang="en-US" dirty="0" err="1" smtClean="0"/>
+              <a:t>nw-kw+pw+sw</a:t>
+            </a:r>
+            <a:r>
+              <a:rPr lang="en-US" dirty="0" smtClean="0"/>
+              <a:t>)/</a:t>
+            </a:r>
+            <a:r>
+              <a:rPr lang="en-US" dirty="0" err="1" smtClean="0"/>
+              <a:t>sw</a:t>
+            </a:r>
+            <a:r>
+              <a:rPr lang="en-US" dirty="0" smtClean="0"/>
+              <a:t>]</a:t>
+            </a:r>
+          </a:p>
+          <a:p>
             <a:endParaRPr lang="en-US" dirty="0"/>
           </a:p>
-        </p:txBody>
-      </p:sp>
+          <a:p>
+            <a:endParaRPr lang="en-US" dirty="0" smtClean="0"/>
+          </a:p>
+          <a:p>
+            <a:endParaRPr lang="en-US" dirty="0"/>
+          </a:p>
+          <a:p>
+            <a:endParaRPr lang="en-US" dirty="0" smtClean="0"/>
+          </a:p>
+          <a:p>
+            <a:endParaRPr lang="en-US" dirty="0"/>
+          </a:p>
+          <a:p>
+            <a:r>
+              <a:rPr lang="en-US" dirty="0" smtClean="0"/>
+              <a:t>Code</a:t>
+            </a:r>
+            <a:endParaRPr lang="en-US" dirty="0"/>
+          </a:p>
+        </p:txBody>
+      </p:sp>
+      <p:pic>
+        <p:nvPicPr>
+          <p:cNvPr id="4" name="Picture 3"/>
+          <p:cNvPicPr>
+            <a:picLocks noChangeAspect="1"/>
+          </p:cNvPicPr>
+          <p:nvPr/>
+        </p:nvPicPr>
+        <p:blipFill>
+          <a:blip r:embed="rId2"/>
+          <a:stretch>
+            <a:fillRect/>
+          </a:stretch>
+        </p:blipFill>
+        <p:spPr>
+          <a:xfrm>
+            <a:off x="4736594" y="3669871"/>
+            <a:ext cx="4057650" cy="1962150"/>
+          </a:xfrm>
+          <a:prstGeom prst="rect">
+            <a:avLst/>
+          </a:prstGeom>
+        </p:spPr>
+      </p:pic>
     </p:spTree>
     <p:extLst>
       <p:ext uri="{BB962C8B-B14F-4D97-AF65-F5344CB8AC3E}">
-        <p14:creationId xmlns:p14="http://schemas.microsoft.com/office/powerpoint/2010/main" val="3157503899"/>
+        <p14:creationId xmlns:p14="http://schemas.microsoft.com/office/powerpoint/2010/main" val="1527920926"/>
       </p:ext>
     </p:extLst>
   </p:cSld>
@@ -8352,14 +13395,271 @@
             <p:ph idx="1"/>
           </p:nvPr>
         </p:nvSpPr>
-        <p:spPr/>
+        <p:spPr>
+          <a:xfrm>
+            <a:off x="838200" y="1825625"/>
+            <a:ext cx="7391400" cy="4351338"/>
+          </a:xfrm>
+        </p:spPr>
         <p:txBody>
           <a:bodyPr/>
           <a:lstStyle/>
           <a:p>
             <a:r>
-              <a:rPr lang="en-US" dirty="0" smtClean="0"/>
-              <a:t>TODO: keep output shape</a:t>
+              <a:rPr lang="en-US" dirty="0" err="1" smtClean="0"/>
+              <a:t>Khi</a:t>
+            </a:r>
+            <a:r>
+              <a:rPr lang="en-US" dirty="0" smtClean="0"/>
+              <a:t> input </a:t>
+            </a:r>
+            <a:r>
+              <a:rPr lang="en-US" dirty="0" err="1" smtClean="0"/>
+              <a:t>có</a:t>
+            </a:r>
+            <a:r>
+              <a:rPr lang="en-US" dirty="0" smtClean="0"/>
+              <a:t> </a:t>
+            </a:r>
+            <a:r>
+              <a:rPr lang="en-US" dirty="0" err="1" smtClean="0"/>
+              <a:t>nhiều</a:t>
+            </a:r>
+            <a:r>
+              <a:rPr lang="en-US" dirty="0" smtClean="0"/>
+              <a:t> </a:t>
+            </a:r>
+            <a:r>
+              <a:rPr lang="en-US" dirty="0" err="1" smtClean="0"/>
+              <a:t>kênh</a:t>
+            </a:r>
+            <a:r>
+              <a:rPr lang="en-US" dirty="0" smtClean="0"/>
+              <a:t> (channel), </a:t>
+            </a:r>
+            <a:r>
+              <a:rPr lang="en-US" dirty="0" err="1" smtClean="0"/>
+              <a:t>ví</a:t>
+            </a:r>
+            <a:r>
+              <a:rPr lang="en-US" dirty="0" smtClean="0"/>
+              <a:t> </a:t>
+            </a:r>
+            <a:r>
+              <a:rPr lang="en-US" dirty="0" err="1" smtClean="0"/>
+              <a:t>dụ</a:t>
+            </a:r>
+            <a:r>
+              <a:rPr lang="en-US" dirty="0" smtClean="0"/>
+              <a:t> </a:t>
+            </a:r>
+            <a:r>
+              <a:rPr lang="en-US" dirty="0" err="1" smtClean="0"/>
+              <a:t>ảnh</a:t>
+            </a:r>
+            <a:r>
+              <a:rPr lang="en-US" dirty="0" smtClean="0"/>
+              <a:t> </a:t>
+            </a:r>
+            <a:r>
+              <a:rPr lang="en-US" dirty="0" err="1" smtClean="0"/>
+              <a:t>rgb</a:t>
+            </a:r>
+            <a:r>
+              <a:rPr lang="en-US" dirty="0" smtClean="0"/>
+              <a:t>:</a:t>
+            </a:r>
+          </a:p>
+          <a:p>
+            <a:pPr lvl="1"/>
+            <a:r>
+              <a:rPr lang="en-US" dirty="0" err="1" smtClean="0"/>
+              <a:t>Số</a:t>
+            </a:r>
+            <a:r>
+              <a:rPr lang="en-US" dirty="0" smtClean="0"/>
+              <a:t> </a:t>
+            </a:r>
+            <a:r>
+              <a:rPr lang="en-US" dirty="0" err="1" smtClean="0"/>
+              <a:t>lượng</a:t>
+            </a:r>
+            <a:r>
+              <a:rPr lang="en-US" dirty="0" smtClean="0"/>
+              <a:t> </a:t>
+            </a:r>
+            <a:r>
+              <a:rPr lang="en-US" dirty="0" err="1" smtClean="0"/>
+              <a:t>kênh</a:t>
+            </a:r>
+            <a:r>
+              <a:rPr lang="en-US" dirty="0" smtClean="0"/>
+              <a:t> </a:t>
+            </a:r>
+            <a:r>
+              <a:rPr lang="en-US" dirty="0" err="1" smtClean="0"/>
+              <a:t>của</a:t>
+            </a:r>
+            <a:r>
+              <a:rPr lang="en-US" dirty="0" smtClean="0"/>
+              <a:t> kernel </a:t>
+            </a:r>
+            <a:r>
+              <a:rPr lang="en-US" dirty="0" err="1" smtClean="0"/>
+              <a:t>phải</a:t>
+            </a:r>
+            <a:r>
+              <a:rPr lang="en-US" dirty="0" smtClean="0"/>
+              <a:t> </a:t>
+            </a:r>
+            <a:r>
+              <a:rPr lang="en-US" dirty="0" err="1" smtClean="0"/>
+              <a:t>bằng</a:t>
+            </a:r>
+            <a:r>
+              <a:rPr lang="en-US" dirty="0" smtClean="0"/>
+              <a:t> input</a:t>
+            </a:r>
+          </a:p>
+          <a:p>
+            <a:r>
+              <a:rPr lang="en-US" dirty="0" err="1" smtClean="0"/>
+              <a:t>Khi</a:t>
+            </a:r>
+            <a:r>
+              <a:rPr lang="en-US" dirty="0" smtClean="0"/>
+              <a:t> output </a:t>
+            </a:r>
+            <a:r>
+              <a:rPr lang="en-US" dirty="0" err="1" smtClean="0"/>
+              <a:t>cần</a:t>
+            </a:r>
+            <a:r>
+              <a:rPr lang="en-US" dirty="0" smtClean="0"/>
+              <a:t> </a:t>
+            </a:r>
+            <a:r>
+              <a:rPr lang="en-US" dirty="0" err="1" smtClean="0"/>
+              <a:t>có</a:t>
+            </a:r>
+            <a:r>
+              <a:rPr lang="en-US" dirty="0" smtClean="0"/>
+              <a:t> </a:t>
+            </a:r>
+            <a:r>
+              <a:rPr lang="en-US" dirty="0" err="1" smtClean="0"/>
+              <a:t>nhiều</a:t>
+            </a:r>
+            <a:r>
+              <a:rPr lang="en-US" dirty="0" smtClean="0"/>
+              <a:t> channel, </a:t>
+            </a:r>
+            <a:r>
+              <a:rPr lang="en-US" dirty="0" err="1" smtClean="0"/>
+              <a:t>ví</a:t>
+            </a:r>
+            <a:r>
+              <a:rPr lang="en-US" dirty="0" smtClean="0"/>
+              <a:t> </a:t>
+            </a:r>
+            <a:r>
+              <a:rPr lang="en-US" dirty="0" err="1" smtClean="0"/>
+              <a:t>dụ</a:t>
+            </a:r>
+            <a:r>
+              <a:rPr lang="en-US" dirty="0" smtClean="0"/>
+              <a:t> </a:t>
+            </a:r>
+            <a:r>
+              <a:rPr lang="en-US" dirty="0" err="1" smtClean="0"/>
+              <a:t>để</a:t>
+            </a:r>
+            <a:r>
+              <a:rPr lang="en-US" dirty="0" smtClean="0"/>
+              <a:t> </a:t>
+            </a:r>
+            <a:r>
+              <a:rPr lang="en-US" dirty="0" err="1" smtClean="0"/>
+              <a:t>nén</a:t>
+            </a:r>
+            <a:r>
+              <a:rPr lang="en-US" dirty="0" smtClean="0"/>
+              <a:t> </a:t>
+            </a:r>
+            <a:r>
+              <a:rPr lang="en-US" dirty="0" err="1" smtClean="0"/>
+              <a:t>thông</a:t>
+            </a:r>
+            <a:r>
+              <a:rPr lang="en-US" dirty="0" smtClean="0"/>
+              <a:t> tin ở </a:t>
+            </a:r>
+            <a:r>
+              <a:rPr lang="en-US" dirty="0" err="1" smtClean="0"/>
+              <a:t>những</a:t>
+            </a:r>
+            <a:r>
+              <a:rPr lang="en-US" dirty="0" smtClean="0"/>
+              <a:t> </a:t>
+            </a:r>
+            <a:r>
+              <a:rPr lang="en-US" dirty="0" err="1" smtClean="0"/>
+              <a:t>lớp</a:t>
+            </a:r>
+            <a:r>
+              <a:rPr lang="en-US" dirty="0" smtClean="0"/>
+              <a:t> </a:t>
+            </a:r>
+            <a:r>
+              <a:rPr lang="en-US" dirty="0" err="1" smtClean="0"/>
+              <a:t>giữa</a:t>
+            </a:r>
+            <a:r>
+              <a:rPr lang="en-US" dirty="0" smtClean="0"/>
+              <a:t> </a:t>
+            </a:r>
+            <a:r>
+              <a:rPr lang="en-US" dirty="0" err="1" smtClean="0"/>
+              <a:t>của</a:t>
+            </a:r>
+            <a:r>
+              <a:rPr lang="en-US" dirty="0" smtClean="0"/>
+              <a:t> </a:t>
+            </a:r>
+            <a:r>
+              <a:rPr lang="en-US" dirty="0" err="1" smtClean="0"/>
+              <a:t>mô</a:t>
+            </a:r>
+            <a:r>
+              <a:rPr lang="en-US" dirty="0" smtClean="0"/>
+              <a:t> </a:t>
+            </a:r>
+            <a:r>
+              <a:rPr lang="en-US" dirty="0" err="1" smtClean="0"/>
+              <a:t>hình</a:t>
+            </a:r>
+            <a:r>
+              <a:rPr lang="en-US" dirty="0" smtClean="0"/>
+              <a:t>:</a:t>
+            </a:r>
+          </a:p>
+          <a:p>
+            <a:pPr lvl="1"/>
+            <a:r>
+              <a:rPr lang="en-US" dirty="0" err="1" smtClean="0"/>
+              <a:t>Tạo</a:t>
+            </a:r>
+            <a:r>
+              <a:rPr lang="en-US" dirty="0" smtClean="0"/>
+              <a:t> them </a:t>
+            </a:r>
+            <a:r>
+              <a:rPr lang="en-US" dirty="0" err="1" smtClean="0"/>
+              <a:t>nhiều</a:t>
+            </a:r>
+            <a:r>
+              <a:rPr lang="en-US" dirty="0" smtClean="0"/>
+              <a:t> kernel</a:t>
             </a:r>
             <a:endParaRPr lang="en-US" dirty="0"/>
           </a:p>
@@ -8381,8 +13681,8 @@
         </p:blipFill>
         <p:spPr>
           <a:xfrm>
-            <a:off x="5456725" y="2141660"/>
-            <a:ext cx="5534025" cy="2381250"/>
+            <a:off x="7350192" y="2735871"/>
+            <a:ext cx="4421505" cy="1902541"/>
           </a:xfrm>
           <a:prstGeom prst="rect">
             <a:avLst/>
